--- a/Docs/Presentation/Presentation.pptx
+++ b/Docs/Presentation/Presentation.pptx
@@ -6,23 +6,25 @@
   </p:sldMasterIdLst>
   <p:sldIdLst>
     <p:sldId id="256" r:id="rId2"/>
-    <p:sldId id="257" r:id="rId3"/>
-    <p:sldId id="274" r:id="rId4"/>
-    <p:sldId id="264" r:id="rId5"/>
-    <p:sldId id="273" r:id="rId6"/>
-    <p:sldId id="275" r:id="rId7"/>
-    <p:sldId id="265" r:id="rId8"/>
-    <p:sldId id="270" r:id="rId9"/>
-    <p:sldId id="260" r:id="rId10"/>
-    <p:sldId id="261" r:id="rId11"/>
-    <p:sldId id="262" r:id="rId12"/>
-    <p:sldId id="267" r:id="rId13"/>
-    <p:sldId id="272" r:id="rId14"/>
-    <p:sldId id="263" r:id="rId15"/>
-    <p:sldId id="269" r:id="rId16"/>
-    <p:sldId id="271" r:id="rId17"/>
-    <p:sldId id="268" r:id="rId18"/>
-    <p:sldId id="276" r:id="rId19"/>
+    <p:sldId id="274" r:id="rId3"/>
+    <p:sldId id="257" r:id="rId4"/>
+    <p:sldId id="273" r:id="rId5"/>
+    <p:sldId id="275" r:id="rId6"/>
+    <p:sldId id="277" r:id="rId7"/>
+    <p:sldId id="278" r:id="rId8"/>
+    <p:sldId id="264" r:id="rId9"/>
+    <p:sldId id="265" r:id="rId10"/>
+    <p:sldId id="270" r:id="rId11"/>
+    <p:sldId id="260" r:id="rId12"/>
+    <p:sldId id="261" r:id="rId13"/>
+    <p:sldId id="262" r:id="rId14"/>
+    <p:sldId id="267" r:id="rId15"/>
+    <p:sldId id="272" r:id="rId16"/>
+    <p:sldId id="263" r:id="rId17"/>
+    <p:sldId id="269" r:id="rId18"/>
+    <p:sldId id="271" r:id="rId19"/>
+    <p:sldId id="268" r:id="rId20"/>
+    <p:sldId id="276" r:id="rId21"/>
   </p:sldIdLst>
   <p:sldSz cx="12192000" cy="6858000"/>
   <p:notesSz cx="6858000" cy="9144000"/>
@@ -1669,7 +1671,7 @@
           <a:p>
             <a:fld id="{846CE7D5-CF57-46EF-B807-FDD0502418D4}" type="datetimeFigureOut">
               <a:rPr lang="en-US" smtClean="0"/>
-              <a:t>11/13/2019</a:t>
+              <a:t>11/18/2019</a:t>
             </a:fld>
             <a:endParaRPr lang="en-US"/>
           </a:p>
@@ -1727,7 +1729,7 @@
           <a:p>
             <a:fld id="{330EA680-D336-4FF7-8B7A-9848BB0A1C32}" type="slidenum">
               <a:rPr lang="en-US" smtClean="0"/>
-              <a:t>‹#›</a:t>
+              <a:t>‹Nº›</a:t>
             </a:fld>
             <a:endParaRPr lang="en-US"/>
           </a:p>
@@ -2642,7 +2644,7 @@
           <p:cNvPr id="2" name="Title 1">
             <a:extLst>
               <a:ext uri="{FF2B5EF4-FFF2-40B4-BE49-F238E27FC236}">
-                <a16:creationId xmlns:a16="http://schemas.microsoft.com/office/drawing/2014/main" id="{3001EC4D-4B69-4732-A8E2-1D212EA938EA}"/>
+                <a16:creationId xmlns:a16="http://schemas.microsoft.com/office/drawing/2014/main" id="{299CEA25-BFE6-4CC0-B64A-B6DB03B1D933}"/>
               </a:ext>
             </a:extLst>
           </p:cNvPr>
@@ -2655,7 +2657,7 @@
         </p:nvSpPr>
         <p:spPr>
           <a:xfrm>
-            <a:off x="838200" y="924995"/>
+            <a:off x="838200" y="1045557"/>
             <a:ext cx="10515600" cy="1325563"/>
           </a:xfrm>
         </p:spPr>
@@ -2663,47 +2665,123 @@
           <a:bodyPr/>
           <a:lstStyle/>
           <a:p>
-            <a:r>
-              <a:rPr lang="en-US" dirty="0">
-                <a:latin typeface="Helvetica Neue" panose="02000503000000020004" pitchFamily="2" charset="0"/>
-                <a:ea typeface="+mj-lt"/>
-                <a:cs typeface="Segoe UI" panose="020B0502040204020203" pitchFamily="34" charset="0"/>
-              </a:rPr>
-              <a:t>2. </a:t>
-            </a:r>
-            <a:r>
-              <a:rPr lang="en-US" dirty="0" err="1">
-                <a:latin typeface="Helvetica Neue" panose="02000503000000020004" pitchFamily="2" charset="0"/>
-                <a:ea typeface="+mj-lt"/>
-                <a:cs typeface="Segoe UI" panose="020B0502040204020203" pitchFamily="34" charset="0"/>
-              </a:rPr>
-              <a:t>Perfilamiento</a:t>
-            </a:r>
-            <a:r>
-              <a:rPr lang="en-US" dirty="0">
-                <a:latin typeface="Helvetica Neue" panose="02000503000000020004" pitchFamily="2" charset="0"/>
-                <a:ea typeface="+mj-lt"/>
-                <a:cs typeface="Segoe UI" panose="020B0502040204020203" pitchFamily="34" charset="0"/>
-              </a:rPr>
-              <a:t> de </a:t>
-            </a:r>
-            <a:r>
-              <a:rPr lang="en-US" dirty="0" err="1">
-                <a:latin typeface="Helvetica Neue" panose="02000503000000020004" pitchFamily="2" charset="0"/>
-                <a:ea typeface="+mj-lt"/>
-                <a:cs typeface="Segoe UI" panose="020B0502040204020203" pitchFamily="34" charset="0"/>
-              </a:rPr>
-              <a:t>Gustos</a:t>
-            </a:r>
-            <a:r>
-              <a:rPr lang="en-US" dirty="0">
-                <a:latin typeface="Helvetica Neue" panose="02000503000000020004" pitchFamily="2" charset="0"/>
-                <a:ea typeface="+mj-lt"/>
-                <a:cs typeface="Segoe UI" panose="020B0502040204020203" pitchFamily="34" charset="0"/>
-              </a:rPr>
-              <a:t> </a:t>
-            </a:r>
-            <a:endParaRPr lang="en-US" dirty="0">
+            <a:pPr algn="ctr"/>
+            <a:r>
+              <a:rPr lang="en-US" dirty="0">
+                <a:latin typeface="Helvetica Neue" panose="02000503000000020004" pitchFamily="2" charset="0"/>
+                <a:cs typeface="Segoe UI" panose="020B0502040204020203" pitchFamily="34" charset="0"/>
+              </a:rPr>
+              <a:t>Herramientas</a:t>
+            </a:r>
+          </a:p>
+        </p:txBody>
+      </p:sp>
+      <p:sp>
+        <p:nvSpPr>
+          <p:cNvPr id="3" name="Content Placeholder 2">
+            <a:extLst>
+              <a:ext uri="{FF2B5EF4-FFF2-40B4-BE49-F238E27FC236}">
+                <a16:creationId xmlns:a16="http://schemas.microsoft.com/office/drawing/2014/main" id="{AD38A0A2-D81D-403D-A0CA-9B1DE47AE821}"/>
+              </a:ext>
+            </a:extLst>
+          </p:cNvPr>
+          <p:cNvSpPr>
+            <a:spLocks noGrp="1"/>
+          </p:cNvSpPr>
+          <p:nvPr>
+            <p:ph idx="1"/>
+          </p:nvPr>
+        </p:nvSpPr>
+        <p:spPr>
+          <a:xfrm>
+            <a:off x="6908269" y="2371120"/>
+            <a:ext cx="4243513" cy="4693593"/>
+          </a:xfrm>
+        </p:spPr>
+        <p:txBody>
+          <a:bodyPr vert="horz" lIns="91440" tIns="45720" rIns="91440" bIns="45720" rtlCol="0" anchor="t">
+            <a:noAutofit/>
+          </a:bodyPr>
+          <a:lstStyle/>
+          <a:p>
+            <a:r>
+              <a:rPr lang="en-US" sz="3000" dirty="0">
+                <a:latin typeface="Helvetica Neue" panose="02000503000000020004" pitchFamily="2" charset="0"/>
+                <a:cs typeface="Segoe UI" panose="020B0502040204020203" pitchFamily="34" charset="0"/>
+              </a:rPr>
+              <a:t>Google Forms</a:t>
+            </a:r>
+          </a:p>
+          <a:p>
+            <a:r>
+              <a:rPr lang="en-US" sz="3000" dirty="0">
+                <a:latin typeface="Helvetica Neue" panose="02000503000000020004" pitchFamily="2" charset="0"/>
+                <a:cs typeface="Segoe UI" panose="020B0502040204020203" pitchFamily="34" charset="0"/>
+              </a:rPr>
+              <a:t>Heroku</a:t>
+            </a:r>
+          </a:p>
+          <a:p>
+            <a:r>
+              <a:rPr lang="en-US" sz="3000" dirty="0">
+                <a:latin typeface="Helvetica Neue" panose="02000503000000020004" pitchFamily="2" charset="0"/>
+                <a:cs typeface="Segoe UI" panose="020B0502040204020203" pitchFamily="34" charset="0"/>
+              </a:rPr>
+              <a:t>Java/Gradle</a:t>
+            </a:r>
+          </a:p>
+          <a:p>
+            <a:r>
+              <a:rPr lang="en-US" sz="3000" dirty="0">
+                <a:latin typeface="Helvetica Neue" panose="02000503000000020004" pitchFamily="2" charset="0"/>
+                <a:cs typeface="Segoe UI" panose="020B0502040204020203" pitchFamily="34" charset="0"/>
+              </a:rPr>
+              <a:t>PostgreSQL</a:t>
+            </a:r>
+          </a:p>
+          <a:p>
+            <a:r>
+              <a:rPr lang="en-US" sz="3000" dirty="0">
+                <a:latin typeface="Helvetica Neue" panose="02000503000000020004" pitchFamily="2" charset="0"/>
+                <a:cs typeface="Segoe UI" panose="020B0502040204020203" pitchFamily="34" charset="0"/>
+              </a:rPr>
+              <a:t>Redes </a:t>
+            </a:r>
+            <a:r>
+              <a:rPr lang="en-US" sz="3000" dirty="0" err="1">
+                <a:latin typeface="Helvetica Neue" panose="02000503000000020004" pitchFamily="2" charset="0"/>
+                <a:cs typeface="Segoe UI" panose="020B0502040204020203" pitchFamily="34" charset="0"/>
+              </a:rPr>
+              <a:t>Sociales</a:t>
+            </a:r>
+            <a:endParaRPr lang="en-US" sz="3000" dirty="0">
+              <a:latin typeface="Helvetica Neue" panose="02000503000000020004" pitchFamily="2" charset="0"/>
+              <a:cs typeface="Segoe UI" panose="020B0502040204020203" pitchFamily="34" charset="0"/>
+            </a:endParaRPr>
+          </a:p>
+          <a:p>
+            <a:r>
+              <a:rPr lang="en-US" sz="3000" dirty="0" err="1">
+                <a:latin typeface="Helvetica Neue" panose="02000503000000020004" pitchFamily="2" charset="0"/>
+                <a:cs typeface="Segoe UI" panose="020B0502040204020203" pitchFamily="34" charset="0"/>
+              </a:rPr>
+              <a:t>Servidor</a:t>
+            </a:r>
+            <a:r>
+              <a:rPr lang="en-US" sz="3000" dirty="0">
+                <a:latin typeface="Helvetica Neue" panose="02000503000000020004" pitchFamily="2" charset="0"/>
+                <a:cs typeface="Segoe UI" panose="020B0502040204020203" pitchFamily="34" charset="0"/>
+              </a:rPr>
+              <a:t> de </a:t>
+            </a:r>
+            <a:r>
+              <a:rPr lang="en-US" sz="3000" dirty="0" err="1">
+                <a:latin typeface="Helvetica Neue" panose="02000503000000020004" pitchFamily="2" charset="0"/>
+                <a:cs typeface="Segoe UI" panose="020B0502040204020203" pitchFamily="34" charset="0"/>
+              </a:rPr>
+              <a:t>Correo</a:t>
+            </a:r>
+            <a:endParaRPr lang="en-US" sz="3000" dirty="0">
               <a:latin typeface="Helvetica Neue" panose="02000503000000020004" pitchFamily="2" charset="0"/>
               <a:cs typeface="Segoe UI" panose="020B0502040204020203" pitchFamily="34" charset="0"/>
             </a:endParaRPr>
@@ -2712,36 +2790,43 @@
       </p:sp>
       <p:pic>
         <p:nvPicPr>
-          <p:cNvPr id="4" name="Picture 4" descr="A screenshot of a cell phone&#10;&#10;Description generated with very high confidence">
+          <p:cNvPr id="5" name="Picture 4">
             <a:extLst>
               <a:ext uri="{FF2B5EF4-FFF2-40B4-BE49-F238E27FC236}">
-                <a16:creationId xmlns:a16="http://schemas.microsoft.com/office/drawing/2014/main" id="{C012B909-9954-4770-B4FE-2C174BFE2D3B}"/>
+                <a16:creationId xmlns:a16="http://schemas.microsoft.com/office/drawing/2014/main" id="{6D9A97AA-D8AF-4CDA-8B89-65548DBA1FBC}"/>
               </a:ext>
             </a:extLst>
           </p:cNvPr>
           <p:cNvPicPr>
-            <a:picLocks noGrp="1" noChangeAspect="1"/>
+            <a:picLocks noChangeAspect="1"/>
           </p:cNvPicPr>
-          <p:nvPr>
-            <p:ph idx="1"/>
-          </p:nvPr>
+          <p:nvPr/>
         </p:nvPicPr>
         <p:blipFill rotWithShape="1">
-          <a:blip r:embed="rId2"/>
-          <a:srcRect t="24055" b="6495"/>
+          <a:blip r:embed="rId2">
+            <a:extLst>
+              <a:ext uri="{28A0092B-C50C-407E-A947-70E740481C1C}">
+                <a14:useLocalDpi xmlns:a14="http://schemas.microsoft.com/office/drawing/2010/main" val="0"/>
+              </a:ext>
+            </a:extLst>
+          </a:blip>
+          <a:srcRect l="51307" r="25010" b="52984"/>
           <a:stretch/>
         </p:blipFill>
         <p:spPr>
           <a:xfrm>
-            <a:off x="143395" y="2155371"/>
-            <a:ext cx="11905209" cy="4288466"/>
-          </a:xfrm>
+            <a:off x="1684980" y="2856699"/>
+            <a:ext cx="3598752" cy="2857688"/>
+          </a:xfrm>
+          <a:prstGeom prst="rect">
+            <a:avLst/>
+          </a:prstGeom>
         </p:spPr>
       </p:pic>
     </p:spTree>
     <p:extLst>
       <p:ext uri="{BB962C8B-B14F-4D97-AF65-F5344CB8AC3E}">
-        <p14:creationId xmlns:p14="http://schemas.microsoft.com/office/powerpoint/2010/main" val="700306621"/>
+        <p14:creationId xmlns:p14="http://schemas.microsoft.com/office/powerpoint/2010/main" val="440818589"/>
       </p:ext>
     </p:extLst>
   </p:cSld>
@@ -2773,7 +2858,7 @@
           <p:cNvPr id="2" name="Title 1">
             <a:extLst>
               <a:ext uri="{FF2B5EF4-FFF2-40B4-BE49-F238E27FC236}">
-                <a16:creationId xmlns:a16="http://schemas.microsoft.com/office/drawing/2014/main" id="{790B031B-557A-493C-BB09-3DAFDF1296CA}"/>
+                <a16:creationId xmlns:a16="http://schemas.microsoft.com/office/drawing/2014/main" id="{F8F34E4A-8026-4ED7-9864-078C247D4C22}"/>
               </a:ext>
             </a:extLst>
           </p:cNvPr>
@@ -2786,7 +2871,7 @@
         </p:nvSpPr>
         <p:spPr>
           <a:xfrm>
-            <a:off x="838199" y="980657"/>
+            <a:off x="838200" y="1041920"/>
             <a:ext cx="10515600" cy="1325563"/>
           </a:xfrm>
         </p:spPr>
@@ -2799,31 +2884,17 @@
                 <a:latin typeface="Helvetica Neue" panose="02000503000000020004" pitchFamily="2" charset="0"/>
                 <a:cs typeface="Segoe UI" panose="020B0502040204020203" pitchFamily="34" charset="0"/>
               </a:rPr>
-              <a:t>2.1 </a:t>
-            </a:r>
-            <a:r>
-              <a:rPr lang="en-US" dirty="0" err="1">
-                <a:latin typeface="Helvetica Neue" panose="02000503000000020004" pitchFamily="2" charset="0"/>
-                <a:cs typeface="Segoe UI" panose="020B0502040204020203" pitchFamily="34" charset="0"/>
-              </a:rPr>
-              <a:t>Perfilamiento</a:t>
-            </a:r>
-            <a:r>
-              <a:rPr lang="en-US" dirty="0">
-                <a:latin typeface="Helvetica Neue" panose="02000503000000020004" pitchFamily="2" charset="0"/>
-                <a:cs typeface="Segoe UI" panose="020B0502040204020203" pitchFamily="34" charset="0"/>
-              </a:rPr>
-              <a:t> de Cines</a:t>
+              <a:t>1. Estudio de Población Objetivo </a:t>
             </a:r>
           </a:p>
         </p:txBody>
       </p:sp>
       <p:pic>
         <p:nvPicPr>
-          <p:cNvPr id="4" name="Picture 4" descr="A screenshot of a cell phone&#10;&#10;Description generated with very high confidence">
+          <p:cNvPr id="4" name="Picture 4" descr="A picture containing umbrella&#10;&#10;Description generated with very high confidence">
             <a:extLst>
               <a:ext uri="{FF2B5EF4-FFF2-40B4-BE49-F238E27FC236}">
-                <a16:creationId xmlns:a16="http://schemas.microsoft.com/office/drawing/2014/main" id="{0062C517-798D-4A78-B745-4132D1BD55C5}"/>
+                <a16:creationId xmlns:a16="http://schemas.microsoft.com/office/drawing/2014/main" id="{64D95ACE-E9F3-48AD-9B8E-408EB7796B9A}"/>
               </a:ext>
             </a:extLst>
           </p:cNvPr>
@@ -2836,20 +2907,20 @@
         </p:nvPicPr>
         <p:blipFill rotWithShape="1">
           <a:blip r:embed="rId2"/>
-          <a:srcRect t="24371" b="5764"/>
+          <a:srcRect l="16517" t="29888" r="13656" b="4274"/>
           <a:stretch/>
         </p:blipFill>
         <p:spPr>
           <a:xfrm>
-            <a:off x="-441583" y="2119929"/>
-            <a:ext cx="13075164" cy="4738071"/>
+            <a:off x="1193697" y="2319636"/>
+            <a:ext cx="9804606" cy="4263656"/>
           </a:xfrm>
         </p:spPr>
       </p:pic>
     </p:spTree>
     <p:extLst>
       <p:ext uri="{BB962C8B-B14F-4D97-AF65-F5344CB8AC3E}">
-        <p14:creationId xmlns:p14="http://schemas.microsoft.com/office/powerpoint/2010/main" val="3199263905"/>
+        <p14:creationId xmlns:p14="http://schemas.microsoft.com/office/powerpoint/2010/main" val="1763644944"/>
       </p:ext>
     </p:extLst>
   </p:cSld>
@@ -2881,7 +2952,7 @@
           <p:cNvPr id="2" name="Title 1">
             <a:extLst>
               <a:ext uri="{FF2B5EF4-FFF2-40B4-BE49-F238E27FC236}">
-                <a16:creationId xmlns:a16="http://schemas.microsoft.com/office/drawing/2014/main" id="{B24BDA83-045A-40EA-8D5F-3DE5E9DE145C}"/>
+                <a16:creationId xmlns:a16="http://schemas.microsoft.com/office/drawing/2014/main" id="{3001EC4D-4B69-4732-A8E2-1D212EA938EA}"/>
               </a:ext>
             </a:extLst>
           </p:cNvPr>
@@ -2894,8 +2965,8 @@
         </p:nvSpPr>
         <p:spPr>
           <a:xfrm>
-            <a:off x="348343" y="1056857"/>
-            <a:ext cx="11985171" cy="1325563"/>
+            <a:off x="838200" y="924995"/>
+            <a:ext cx="10515600" cy="1325563"/>
           </a:xfrm>
         </p:spPr>
         <p:txBody>
@@ -2908,49 +2979,21 @@
                 <a:ea typeface="+mj-lt"/>
                 <a:cs typeface="Segoe UI" panose="020B0502040204020203" pitchFamily="34" charset="0"/>
               </a:rPr>
-              <a:t>2.2 </a:t>
-            </a:r>
-            <a:r>
-              <a:rPr lang="en-US" dirty="0" err="1">
-                <a:latin typeface="Helvetica Neue" panose="02000503000000020004" pitchFamily="2" charset="0"/>
-                <a:ea typeface="+mj-lt"/>
-                <a:cs typeface="Segoe UI" panose="020B0502040204020203" pitchFamily="34" charset="0"/>
-              </a:rPr>
-              <a:t>Perfilamiento</a:t>
-            </a:r>
-            <a:r>
-              <a:rPr lang="en-US" dirty="0">
-                <a:latin typeface="Helvetica Neue" panose="02000503000000020004" pitchFamily="2" charset="0"/>
-                <a:ea typeface="+mj-lt"/>
-                <a:cs typeface="Segoe UI" panose="020B0502040204020203" pitchFamily="34" charset="0"/>
-              </a:rPr>
-              <a:t> de </a:t>
-            </a:r>
-            <a:r>
-              <a:rPr lang="en-US" dirty="0" err="1">
-                <a:latin typeface="Helvetica Neue" panose="02000503000000020004" pitchFamily="2" charset="0"/>
-                <a:ea typeface="+mj-lt"/>
-                <a:cs typeface="Segoe UI" panose="020B0502040204020203" pitchFamily="34" charset="0"/>
-              </a:rPr>
-              <a:t>Servicios</a:t>
-            </a:r>
-            <a:r>
-              <a:rPr lang="en-US" dirty="0">
-                <a:latin typeface="Helvetica Neue" panose="02000503000000020004" pitchFamily="2" charset="0"/>
-                <a:ea typeface="+mj-lt"/>
-                <a:cs typeface="Segoe UI" panose="020B0502040204020203" pitchFamily="34" charset="0"/>
-              </a:rPr>
-              <a:t> de Streaming </a:t>
-            </a:r>
+              <a:t>2. Perfilamiento de Gustos </a:t>
+            </a:r>
+            <a:endParaRPr lang="en-US" dirty="0">
+              <a:latin typeface="Helvetica Neue" panose="02000503000000020004" pitchFamily="2" charset="0"/>
+              <a:cs typeface="Segoe UI" panose="020B0502040204020203" pitchFamily="34" charset="0"/>
+            </a:endParaRPr>
           </a:p>
         </p:txBody>
       </p:sp>
       <p:pic>
         <p:nvPicPr>
-          <p:cNvPr id="4" name="Picture 4" descr="A close up of a logo&#10;&#10;Description generated with high confidence">
+          <p:cNvPr id="4" name="Picture 4" descr="A screenshot of a cell phone&#10;&#10;Description generated with very high confidence">
             <a:extLst>
               <a:ext uri="{FF2B5EF4-FFF2-40B4-BE49-F238E27FC236}">
-                <a16:creationId xmlns:a16="http://schemas.microsoft.com/office/drawing/2014/main" id="{7F1B67D5-CCF5-45EF-9164-F9B76D3D2F88}"/>
+                <a16:creationId xmlns:a16="http://schemas.microsoft.com/office/drawing/2014/main" id="{C012B909-9954-4770-B4FE-2C174BFE2D3B}"/>
               </a:ext>
             </a:extLst>
           </p:cNvPr>
@@ -2963,20 +3006,20 @@
         </p:nvPicPr>
         <p:blipFill rotWithShape="1">
           <a:blip r:embed="rId2"/>
-          <a:srcRect t="32160"/>
+          <a:srcRect t="24055" b="6495"/>
           <a:stretch/>
         </p:blipFill>
         <p:spPr>
           <a:xfrm>
-            <a:off x="-684371" y="2382420"/>
-            <a:ext cx="13560741" cy="4242934"/>
+            <a:off x="143395" y="2155371"/>
+            <a:ext cx="11905209" cy="4288466"/>
           </a:xfrm>
         </p:spPr>
       </p:pic>
     </p:spTree>
     <p:extLst>
       <p:ext uri="{BB962C8B-B14F-4D97-AF65-F5344CB8AC3E}">
-        <p14:creationId xmlns:p14="http://schemas.microsoft.com/office/powerpoint/2010/main" val="3240607256"/>
+        <p14:creationId xmlns:p14="http://schemas.microsoft.com/office/powerpoint/2010/main" val="700306621"/>
       </p:ext>
     </p:extLst>
   </p:cSld>
@@ -3008,7 +3051,7 @@
           <p:cNvPr id="2" name="Title 1">
             <a:extLst>
               <a:ext uri="{FF2B5EF4-FFF2-40B4-BE49-F238E27FC236}">
-                <a16:creationId xmlns:a16="http://schemas.microsoft.com/office/drawing/2014/main" id="{86FB9194-7E57-4B63-B979-E8D258A61FFE}"/>
+                <a16:creationId xmlns:a16="http://schemas.microsoft.com/office/drawing/2014/main" id="{790B031B-557A-493C-BB09-3DAFDF1296CA}"/>
               </a:ext>
             </a:extLst>
           </p:cNvPr>
@@ -3021,7 +3064,7 @@
         </p:nvSpPr>
         <p:spPr>
           <a:xfrm>
-            <a:off x="838200" y="991036"/>
+            <a:off x="838199" y="980657"/>
             <a:ext cx="10515600" cy="1325563"/>
           </a:xfrm>
         </p:spPr>
@@ -3030,89 +3073,47 @@
           <a:lstStyle/>
           <a:p>
             <a:r>
-              <a:rPr lang="es-419" dirty="0">
-                <a:latin typeface="Helvetica Neue" panose="02000503000000020004" pitchFamily="2" charset="0"/>
-                <a:cs typeface="Segoe UI" panose="020B0502040204020203" pitchFamily="34" charset="0"/>
-              </a:rPr>
-              <a:t>2.3 Perfilamiento de Restaurantes</a:t>
-            </a:r>
-          </a:p>
-        </p:txBody>
-      </p:sp>
-      <p:sp>
-        <p:nvSpPr>
-          <p:cNvPr id="3" name="Content Placeholder 2">
-            <a:extLst>
-              <a:ext uri="{FF2B5EF4-FFF2-40B4-BE49-F238E27FC236}">
-                <a16:creationId xmlns:a16="http://schemas.microsoft.com/office/drawing/2014/main" id="{D073D75A-781C-4D41-97B0-3A5E8BC0CEDF}"/>
-              </a:ext>
-            </a:extLst>
-          </p:cNvPr>
-          <p:cNvSpPr>
-            <a:spLocks noGrp="1"/>
-          </p:cNvSpPr>
-          <p:nvPr>
-            <p:ph idx="1"/>
-          </p:nvPr>
-        </p:nvSpPr>
-        <p:spPr/>
-        <p:txBody>
-          <a:bodyPr/>
-          <a:lstStyle/>
-          <a:p>
-            <a:endParaRPr lang="es-419" dirty="0"/>
+              <a:rPr lang="en-US" dirty="0">
+                <a:latin typeface="Helvetica Neue" panose="02000503000000020004" pitchFamily="2" charset="0"/>
+                <a:cs typeface="Segoe UI" panose="020B0502040204020203" pitchFamily="34" charset="0"/>
+              </a:rPr>
+              <a:t>2.1 Perfilamiento de Cines</a:t>
+            </a:r>
           </a:p>
         </p:txBody>
       </p:sp>
       <p:pic>
         <p:nvPicPr>
-          <p:cNvPr id="1026" name="Picture 2" descr="Gráfico de las respuestas de Formularios. Título de la pregunta: A qué locales te gusta salir a comer?. Número de respuestas: 151&amp;nbsp;respuestas.">
+          <p:cNvPr id="4" name="Picture 4" descr="A screenshot of a cell phone&#10;&#10;Description generated with very high confidence">
             <a:extLst>
               <a:ext uri="{FF2B5EF4-FFF2-40B4-BE49-F238E27FC236}">
-                <a16:creationId xmlns:a16="http://schemas.microsoft.com/office/drawing/2014/main" id="{BC2DEDFA-28E6-4351-811B-A67306D4AEFE}"/>
+                <a16:creationId xmlns:a16="http://schemas.microsoft.com/office/drawing/2014/main" id="{0062C517-798D-4A78-B745-4132D1BD55C5}"/>
               </a:ext>
             </a:extLst>
           </p:cNvPr>
           <p:cNvPicPr>
-            <a:picLocks noChangeAspect="1" noChangeArrowheads="1"/>
+            <a:picLocks noGrp="1" noChangeAspect="1"/>
           </p:cNvPicPr>
-          <p:nvPr/>
+          <p:nvPr>
+            <p:ph idx="1"/>
+          </p:nvPr>
         </p:nvPicPr>
         <p:blipFill rotWithShape="1">
-          <a:blip r:embed="rId2">
-            <a:extLst>
-              <a:ext uri="{28A0092B-C50C-407E-A947-70E740481C1C}">
-                <a14:useLocalDpi xmlns:a14="http://schemas.microsoft.com/office/drawing/2010/main" val="0"/>
-              </a:ext>
-            </a:extLst>
-          </a:blip>
-          <a:srcRect t="18922" b="10609"/>
+          <a:blip r:embed="rId2"/>
+          <a:srcRect t="24371" b="5764"/>
           <a:stretch/>
         </p:blipFill>
-        <p:spPr bwMode="auto">
-          <a:xfrm>
-            <a:off x="1490650" y="2185450"/>
-            <a:ext cx="9210699" cy="4672550"/>
-          </a:xfrm>
-          <a:prstGeom prst="rect">
-            <a:avLst/>
-          </a:prstGeom>
-          <a:noFill/>
-          <a:extLst>
-            <a:ext uri="{909E8E84-426E-40DD-AFC4-6F175D3DCCD1}">
-              <a14:hiddenFill xmlns:a14="http://schemas.microsoft.com/office/drawing/2010/main">
-                <a:solidFill>
-                  <a:srgbClr val="FFFFFF"/>
-                </a:solidFill>
-              </a14:hiddenFill>
-            </a:ext>
-          </a:extLst>
+        <p:spPr>
+          <a:xfrm>
+            <a:off x="-441583" y="2119929"/>
+            <a:ext cx="13075164" cy="4738071"/>
+          </a:xfrm>
         </p:spPr>
       </p:pic>
     </p:spTree>
     <p:extLst>
       <p:ext uri="{BB962C8B-B14F-4D97-AF65-F5344CB8AC3E}">
-        <p14:creationId xmlns:p14="http://schemas.microsoft.com/office/powerpoint/2010/main" val="3710751453"/>
+        <p14:creationId xmlns:p14="http://schemas.microsoft.com/office/powerpoint/2010/main" val="3199263905"/>
       </p:ext>
     </p:extLst>
   </p:cSld>
@@ -3144,7 +3145,7 @@
           <p:cNvPr id="2" name="Title 1">
             <a:extLst>
               <a:ext uri="{FF2B5EF4-FFF2-40B4-BE49-F238E27FC236}">
-                <a16:creationId xmlns:a16="http://schemas.microsoft.com/office/drawing/2014/main" id="{96F41925-5181-42E7-A2EC-7273981FB548}"/>
+                <a16:creationId xmlns:a16="http://schemas.microsoft.com/office/drawing/2014/main" id="{B24BDA83-045A-40EA-8D5F-3DE5E9DE145C}"/>
               </a:ext>
             </a:extLst>
           </p:cNvPr>
@@ -3157,59 +3158,31 @@
         </p:nvSpPr>
         <p:spPr>
           <a:xfrm>
-            <a:off x="838200" y="829390"/>
-            <a:ext cx="10515600" cy="1325563"/>
+            <a:off x="348343" y="1056857"/>
+            <a:ext cx="11985171" cy="1325563"/>
           </a:xfrm>
         </p:spPr>
         <p:txBody>
           <a:bodyPr/>
           <a:lstStyle/>
           <a:p>
-            <a:pPr algn="ctr"/>
-            <a:r>
-              <a:rPr lang="en-US" dirty="0">
-                <a:latin typeface="Helvetica Neue" panose="02000503000000020004" pitchFamily="2" charset="0"/>
-                <a:cs typeface="Segoe UI" panose="020B0502040204020203" pitchFamily="34" charset="0"/>
-              </a:rPr>
-              <a:t>3.1 </a:t>
-            </a:r>
-            <a:r>
-              <a:rPr lang="en-US" dirty="0" err="1">
-                <a:latin typeface="Helvetica Neue" panose="02000503000000020004" pitchFamily="2" charset="0"/>
-                <a:cs typeface="Segoe UI" panose="020B0502040204020203" pitchFamily="34" charset="0"/>
-              </a:rPr>
-              <a:t>Páginas</a:t>
-            </a:r>
-            <a:r>
-              <a:rPr lang="en-US" dirty="0">
-                <a:latin typeface="Helvetica Neue" panose="02000503000000020004" pitchFamily="2" charset="0"/>
-                <a:cs typeface="Segoe UI" panose="020B0502040204020203" pitchFamily="34" charset="0"/>
-              </a:rPr>
-              <a:t> web (</a:t>
-            </a:r>
-            <a:r>
-              <a:rPr lang="en-US" dirty="0" err="1">
-                <a:latin typeface="Helvetica Neue" panose="02000503000000020004" pitchFamily="2" charset="0"/>
-                <a:cs typeface="Segoe UI" panose="020B0502040204020203" pitchFamily="34" charset="0"/>
-              </a:rPr>
-              <a:t>Credenciales</a:t>
-            </a:r>
-            <a:r>
-              <a:rPr lang="en-US" dirty="0">
-                <a:latin typeface="Helvetica Neue" panose="02000503000000020004" pitchFamily="2" charset="0"/>
-                <a:cs typeface="Segoe UI" panose="020B0502040204020203" pitchFamily="34" charset="0"/>
-              </a:rPr>
-              <a:t>) </a:t>
+            <a:r>
+              <a:rPr lang="en-US" dirty="0">
+                <a:latin typeface="Helvetica Neue" panose="02000503000000020004" pitchFamily="2" charset="0"/>
+                <a:ea typeface="+mj-lt"/>
+                <a:cs typeface="Segoe UI" panose="020B0502040204020203" pitchFamily="34" charset="0"/>
+              </a:rPr>
+              <a:t>2.2 Perfilamiento de Servicios de Streaming </a:t>
             </a:r>
           </a:p>
         </p:txBody>
       </p:sp>
       <p:pic>
         <p:nvPicPr>
-          <p:cNvPr id="4" name="Picture 4" descr="A screenshot of a cell phone&#10;&#10;Description generated with very high confidence">
+          <p:cNvPr id="4" name="Picture 4" descr="A close up of a logo&#10;&#10;Description generated with high confidence">
             <a:extLst>
               <a:ext uri="{FF2B5EF4-FFF2-40B4-BE49-F238E27FC236}">
-                <a16:creationId xmlns:a16="http://schemas.microsoft.com/office/drawing/2014/main" id="{273869C6-2ECF-40E6-AC84-71A2A8784B8E}"/>
+                <a16:creationId xmlns:a16="http://schemas.microsoft.com/office/drawing/2014/main" id="{7F1B67D5-CCF5-45EF-9164-F9B76D3D2F88}"/>
               </a:ext>
             </a:extLst>
           </p:cNvPr>
@@ -3220,53 +3193,22 @@
             <p:ph idx="1"/>
           </p:nvPr>
         </p:nvPicPr>
-        <p:blipFill>
+        <p:blipFill rotWithShape="1">
           <a:blip r:embed="rId2"/>
-          <a:stretch>
-            <a:fillRect/>
-          </a:stretch>
+          <a:srcRect t="32160"/>
+          <a:stretch/>
         </p:blipFill>
         <p:spPr>
           <a:xfrm>
-            <a:off x="838200" y="1818167"/>
-            <a:ext cx="5061003" cy="4861156"/>
-          </a:xfrm>
-        </p:spPr>
-      </p:pic>
-      <p:pic>
-        <p:nvPicPr>
-          <p:cNvPr id="6" name="Picture 6" descr="A screenshot of a cell phone&#10;&#10;Description generated with very high confidence">
-            <a:extLst>
-              <a:ext uri="{FF2B5EF4-FFF2-40B4-BE49-F238E27FC236}">
-                <a16:creationId xmlns:a16="http://schemas.microsoft.com/office/drawing/2014/main" id="{1EDBD8DD-864D-41CF-9462-2E2D07284D70}"/>
-              </a:ext>
-            </a:extLst>
-          </p:cNvPr>
-          <p:cNvPicPr>
-            <a:picLocks noChangeAspect="1"/>
-          </p:cNvPicPr>
-          <p:nvPr/>
-        </p:nvPicPr>
-        <p:blipFill>
-          <a:blip r:embed="rId3"/>
-          <a:stretch>
-            <a:fillRect/>
-          </a:stretch>
-        </p:blipFill>
-        <p:spPr>
-          <a:xfrm>
-            <a:off x="6291423" y="1838129"/>
-            <a:ext cx="5069226" cy="4845830"/>
-          </a:xfrm>
-          <a:prstGeom prst="rect">
-            <a:avLst/>
-          </a:prstGeom>
+            <a:off x="-684371" y="2382420"/>
+            <a:ext cx="13560741" cy="4242934"/>
+          </a:xfrm>
         </p:spPr>
       </p:pic>
     </p:spTree>
     <p:extLst>
       <p:ext uri="{BB962C8B-B14F-4D97-AF65-F5344CB8AC3E}">
-        <p14:creationId xmlns:p14="http://schemas.microsoft.com/office/powerpoint/2010/main" val="1973283771"/>
+        <p14:creationId xmlns:p14="http://schemas.microsoft.com/office/powerpoint/2010/main" val="3240607256"/>
       </p:ext>
     </p:extLst>
   </p:cSld>
@@ -3298,7 +3240,7 @@
           <p:cNvPr id="2" name="Title 1">
             <a:extLst>
               <a:ext uri="{FF2B5EF4-FFF2-40B4-BE49-F238E27FC236}">
-                <a16:creationId xmlns:a16="http://schemas.microsoft.com/office/drawing/2014/main" id="{5A696234-E37A-43EC-9597-DF359DDB8811}"/>
+                <a16:creationId xmlns:a16="http://schemas.microsoft.com/office/drawing/2014/main" id="{86FB9194-7E57-4B63-B979-E8D258A61FFE}"/>
               </a:ext>
             </a:extLst>
           </p:cNvPr>
@@ -3311,7 +3253,7 @@
         </p:nvSpPr>
         <p:spPr>
           <a:xfrm>
-            <a:off x="838200" y="914329"/>
+            <a:off x="838200" y="991036"/>
             <a:ext cx="10515600" cy="1325563"/>
           </a:xfrm>
         </p:spPr>
@@ -3319,92 +3261,90 @@
           <a:bodyPr/>
           <a:lstStyle/>
           <a:p>
-            <a:pPr algn="ctr"/>
-            <a:r>
-              <a:rPr lang="en-US" dirty="0">
-                <a:latin typeface="Helvetica Neue" panose="02000503000000020004" pitchFamily="2" charset="0"/>
-                <a:cs typeface="Segoe UI" panose="020B0502040204020203" pitchFamily="34" charset="0"/>
-              </a:rPr>
-              <a:t>3.2 </a:t>
-            </a:r>
-            <a:r>
-              <a:rPr lang="en-US" dirty="0" err="1">
-                <a:latin typeface="Helvetica Neue" panose="02000503000000020004" pitchFamily="2" charset="0"/>
-                <a:cs typeface="Segoe UI" panose="020B0502040204020203" pitchFamily="34" charset="0"/>
-              </a:rPr>
-              <a:t>Página</a:t>
-            </a:r>
-            <a:r>
-              <a:rPr lang="en-US" dirty="0">
-                <a:latin typeface="Helvetica Neue" panose="02000503000000020004" pitchFamily="2" charset="0"/>
-                <a:cs typeface="Segoe UI" panose="020B0502040204020203" pitchFamily="34" charset="0"/>
-              </a:rPr>
-              <a:t> web (</a:t>
-            </a:r>
-            <a:r>
-              <a:rPr lang="en-US" dirty="0" err="1">
-                <a:latin typeface="Helvetica Neue" panose="02000503000000020004" pitchFamily="2" charset="0"/>
-                <a:cs typeface="Segoe UI" panose="020B0502040204020203" pitchFamily="34" charset="0"/>
-              </a:rPr>
-              <a:t>otros</a:t>
-            </a:r>
-            <a:r>
-              <a:rPr lang="en-US" dirty="0">
-                <a:latin typeface="Helvetica Neue" panose="02000503000000020004" pitchFamily="2" charset="0"/>
-                <a:cs typeface="Segoe UI" panose="020B0502040204020203" pitchFamily="34" charset="0"/>
-              </a:rPr>
-              <a:t> </a:t>
-            </a:r>
-            <a:r>
-              <a:rPr lang="en-US" dirty="0" err="1">
-                <a:latin typeface="Helvetica Neue" panose="02000503000000020004" pitchFamily="2" charset="0"/>
-                <a:cs typeface="Segoe UI" panose="020B0502040204020203" pitchFamily="34" charset="0"/>
-              </a:rPr>
-              <a:t>datos</a:t>
-            </a:r>
-            <a:r>
-              <a:rPr lang="en-US" dirty="0">
-                <a:latin typeface="Helvetica Neue" panose="02000503000000020004" pitchFamily="2" charset="0"/>
-                <a:cs typeface="Segoe UI" panose="020B0502040204020203" pitchFamily="34" charset="0"/>
-              </a:rPr>
-              <a:t>)</a:t>
-            </a:r>
+            <a:r>
+              <a:rPr lang="es-419" dirty="0">
+                <a:latin typeface="Helvetica Neue" panose="02000503000000020004" pitchFamily="2" charset="0"/>
+                <a:cs typeface="Segoe UI" panose="020B0502040204020203" pitchFamily="34" charset="0"/>
+              </a:rPr>
+              <a:t>2.3 Perfilamiento de Restaurantes</a:t>
+            </a:r>
+          </a:p>
+        </p:txBody>
+      </p:sp>
+      <p:sp>
+        <p:nvSpPr>
+          <p:cNvPr id="3" name="Content Placeholder 2">
+            <a:extLst>
+              <a:ext uri="{FF2B5EF4-FFF2-40B4-BE49-F238E27FC236}">
+                <a16:creationId xmlns:a16="http://schemas.microsoft.com/office/drawing/2014/main" id="{D073D75A-781C-4D41-97B0-3A5E8BC0CEDF}"/>
+              </a:ext>
+            </a:extLst>
+          </p:cNvPr>
+          <p:cNvSpPr>
+            <a:spLocks noGrp="1"/>
+          </p:cNvSpPr>
+          <p:nvPr>
+            <p:ph idx="1"/>
+          </p:nvPr>
+        </p:nvSpPr>
+        <p:spPr/>
+        <p:txBody>
+          <a:bodyPr/>
+          <a:lstStyle/>
+          <a:p>
+            <a:endParaRPr lang="es-419" dirty="0"/>
           </a:p>
         </p:txBody>
       </p:sp>
       <p:pic>
         <p:nvPicPr>
-          <p:cNvPr id="4" name="Picture 4" descr="A screenshot of a cell phone&#10;&#10;Description generated with very high confidence">
+          <p:cNvPr id="1026" name="Picture 2" descr="Gráfico de las respuestas de Formularios. Título de la pregunta: A qué locales te gusta salir a comer?. Número de respuestas: 151&amp;nbsp;respuestas.">
             <a:extLst>
               <a:ext uri="{FF2B5EF4-FFF2-40B4-BE49-F238E27FC236}">
-                <a16:creationId xmlns:a16="http://schemas.microsoft.com/office/drawing/2014/main" id="{57B96D2B-ED44-4944-9A20-227D14C2CA7F}"/>
+                <a16:creationId xmlns:a16="http://schemas.microsoft.com/office/drawing/2014/main" id="{BC2DEDFA-28E6-4351-811B-A67306D4AEFE}"/>
               </a:ext>
             </a:extLst>
           </p:cNvPr>
           <p:cNvPicPr>
-            <a:picLocks noGrp="1" noChangeAspect="1"/>
+            <a:picLocks noChangeAspect="1" noChangeArrowheads="1"/>
           </p:cNvPicPr>
-          <p:nvPr>
-            <p:ph idx="1"/>
-          </p:nvPr>
+          <p:nvPr/>
         </p:nvPicPr>
-        <p:blipFill>
-          <a:blip r:embed="rId2"/>
-          <a:stretch>
-            <a:fillRect/>
-          </a:stretch>
+        <p:blipFill rotWithShape="1">
+          <a:blip r:embed="rId2">
+            <a:extLst>
+              <a:ext uri="{28A0092B-C50C-407E-A947-70E740481C1C}">
+                <a14:useLocalDpi xmlns:a14="http://schemas.microsoft.com/office/drawing/2010/main" val="0"/>
+              </a:ext>
+            </a:extLst>
+          </a:blip>
+          <a:srcRect t="18922" b="10609"/>
+          <a:stretch/>
         </p:blipFill>
-        <p:spPr>
-          <a:xfrm>
-            <a:off x="1344053" y="1940829"/>
-            <a:ext cx="9503893" cy="5354560"/>
-          </a:xfrm>
+        <p:spPr bwMode="auto">
+          <a:xfrm>
+            <a:off x="1490650" y="2185450"/>
+            <a:ext cx="9210699" cy="4672550"/>
+          </a:xfrm>
+          <a:prstGeom prst="rect">
+            <a:avLst/>
+          </a:prstGeom>
+          <a:noFill/>
+          <a:extLst>
+            <a:ext uri="{909E8E84-426E-40DD-AFC4-6F175D3DCCD1}">
+              <a14:hiddenFill xmlns:a14="http://schemas.microsoft.com/office/drawing/2010/main">
+                <a:solidFill>
+                  <a:srgbClr val="FFFFFF"/>
+                </a:solidFill>
+              </a14:hiddenFill>
+            </a:ext>
+          </a:extLst>
         </p:spPr>
       </p:pic>
     </p:spTree>
     <p:extLst>
       <p:ext uri="{BB962C8B-B14F-4D97-AF65-F5344CB8AC3E}">
-        <p14:creationId xmlns:p14="http://schemas.microsoft.com/office/powerpoint/2010/main" val="3588983973"/>
+        <p14:creationId xmlns:p14="http://schemas.microsoft.com/office/powerpoint/2010/main" val="3710751453"/>
       </p:ext>
     </p:extLst>
   </p:cSld>
@@ -3436,7 +3376,7 @@
           <p:cNvPr id="2" name="Title 1">
             <a:extLst>
               <a:ext uri="{FF2B5EF4-FFF2-40B4-BE49-F238E27FC236}">
-                <a16:creationId xmlns:a16="http://schemas.microsoft.com/office/drawing/2014/main" id="{0FE7496D-E8F3-4709-B540-CCF53E799D50}"/>
+                <a16:creationId xmlns:a16="http://schemas.microsoft.com/office/drawing/2014/main" id="{96F41925-5181-42E7-A2EC-7273981FB548}"/>
               </a:ext>
             </a:extLst>
           </p:cNvPr>
@@ -3449,100 +3389,31 @@
         </p:nvSpPr>
         <p:spPr>
           <a:xfrm>
-            <a:off x="127591" y="1073819"/>
-            <a:ext cx="12064409" cy="1325563"/>
+            <a:off x="838200" y="829390"/>
+            <a:ext cx="10515600" cy="1325563"/>
           </a:xfrm>
         </p:spPr>
         <p:txBody>
-          <a:bodyPr>
-            <a:normAutofit/>
-          </a:bodyPr>
+          <a:bodyPr/>
           <a:lstStyle/>
           <a:p>
-            <a:r>
-              <a:rPr lang="en-US" dirty="0">
-                <a:latin typeface="Helvetica Neue" panose="02000503000000020004" pitchFamily="2" charset="0"/>
-                <a:ea typeface="+mn-lt"/>
-                <a:cs typeface="Segoe UI" panose="020B0502040204020203" pitchFamily="34" charset="0"/>
-              </a:rPr>
-              <a:t>4. </a:t>
-            </a:r>
-            <a:r>
-              <a:rPr lang="en-US" dirty="0" err="1">
-                <a:latin typeface="Helvetica Neue" panose="02000503000000020004" pitchFamily="2" charset="0"/>
-                <a:ea typeface="+mn-lt"/>
-                <a:cs typeface="Segoe UI" panose="020B0502040204020203" pitchFamily="34" charset="0"/>
-              </a:rPr>
-              <a:t>Envío</a:t>
-            </a:r>
-            <a:r>
-              <a:rPr lang="en-US" dirty="0">
-                <a:latin typeface="Helvetica Neue" panose="02000503000000020004" pitchFamily="2" charset="0"/>
-                <a:ea typeface="+mn-lt"/>
-                <a:cs typeface="Segoe UI" panose="020B0502040204020203" pitchFamily="34" charset="0"/>
-              </a:rPr>
-              <a:t> de </a:t>
-            </a:r>
-            <a:r>
-              <a:rPr lang="en-US" dirty="0" err="1">
-                <a:latin typeface="Helvetica Neue" panose="02000503000000020004" pitchFamily="2" charset="0"/>
-                <a:ea typeface="+mn-lt"/>
-                <a:cs typeface="Segoe UI" panose="020B0502040204020203" pitchFamily="34" charset="0"/>
-              </a:rPr>
-              <a:t>notificación</a:t>
-            </a:r>
-            <a:r>
-              <a:rPr lang="en-US" dirty="0">
-                <a:latin typeface="Helvetica Neue" panose="02000503000000020004" pitchFamily="2" charset="0"/>
-                <a:ea typeface="+mn-lt"/>
-                <a:cs typeface="Segoe UI" panose="020B0502040204020203" pitchFamily="34" charset="0"/>
-              </a:rPr>
-              <a:t> (</a:t>
-            </a:r>
-            <a:r>
-              <a:rPr lang="en-US" dirty="0" err="1">
-                <a:latin typeface="Helvetica Neue" panose="02000503000000020004" pitchFamily="2" charset="0"/>
-                <a:ea typeface="+mn-lt"/>
-                <a:cs typeface="Segoe UI" panose="020B0502040204020203" pitchFamily="34" charset="0"/>
-              </a:rPr>
-              <a:t>correo</a:t>
-            </a:r>
-            <a:r>
-              <a:rPr lang="en-US" dirty="0">
-                <a:latin typeface="Helvetica Neue" panose="02000503000000020004" pitchFamily="2" charset="0"/>
-                <a:ea typeface="+mn-lt"/>
-                <a:cs typeface="Segoe UI" panose="020B0502040204020203" pitchFamily="34" charset="0"/>
-              </a:rPr>
-              <a:t> </a:t>
-            </a:r>
-            <a:r>
-              <a:rPr lang="en-US" dirty="0" err="1">
-                <a:latin typeface="Helvetica Neue" panose="02000503000000020004" pitchFamily="2" charset="0"/>
-                <a:ea typeface="+mn-lt"/>
-                <a:cs typeface="Segoe UI" panose="020B0502040204020203" pitchFamily="34" charset="0"/>
-              </a:rPr>
-              <a:t>electrónico</a:t>
-            </a:r>
-            <a:r>
-              <a:rPr lang="en-US" dirty="0">
-                <a:latin typeface="Helvetica Neue" panose="02000503000000020004" pitchFamily="2" charset="0"/>
-                <a:ea typeface="+mn-lt"/>
-                <a:cs typeface="Segoe UI" panose="020B0502040204020203" pitchFamily="34" charset="0"/>
-              </a:rPr>
-              <a:t>).</a:t>
-            </a:r>
-            <a:endParaRPr lang="es-419" dirty="0">
-              <a:latin typeface="Helvetica Neue" panose="02000503000000020004" pitchFamily="2" charset="0"/>
-            </a:endParaRPr>
+            <a:pPr algn="ctr"/>
+            <a:r>
+              <a:rPr lang="en-US" dirty="0">
+                <a:latin typeface="Helvetica Neue" panose="02000503000000020004" pitchFamily="2" charset="0"/>
+                <a:cs typeface="Segoe UI" panose="020B0502040204020203" pitchFamily="34" charset="0"/>
+              </a:rPr>
+              <a:t>3.1 Páginas web (Credenciales) </a:t>
+            </a:r>
           </a:p>
         </p:txBody>
       </p:sp>
       <p:pic>
         <p:nvPicPr>
-          <p:cNvPr id="5" name="Content Placeholder 4">
+          <p:cNvPr id="4" name="Picture 4" descr="A screenshot of a cell phone&#10;&#10;Description generated with very high confidence">
             <a:extLst>
               <a:ext uri="{FF2B5EF4-FFF2-40B4-BE49-F238E27FC236}">
-                <a16:creationId xmlns:a16="http://schemas.microsoft.com/office/drawing/2014/main" id="{E72653A7-D949-428E-9125-8EE696C34727}"/>
+                <a16:creationId xmlns:a16="http://schemas.microsoft.com/office/drawing/2014/main" id="{273869C6-2ECF-40E6-AC84-71A2A8784B8E}"/>
               </a:ext>
             </a:extLst>
           </p:cNvPr>
@@ -3554,28 +3425,52 @@
           </p:nvPr>
         </p:nvPicPr>
         <p:blipFill>
-          <a:blip r:embed="rId2">
-            <a:extLst>
-              <a:ext uri="{28A0092B-C50C-407E-A947-70E740481C1C}">
-                <a14:useLocalDpi xmlns:a14="http://schemas.microsoft.com/office/drawing/2010/main" val="0"/>
-              </a:ext>
-            </a:extLst>
-          </a:blip>
+          <a:blip r:embed="rId2"/>
           <a:stretch>
             <a:fillRect/>
           </a:stretch>
         </p:blipFill>
         <p:spPr>
           <a:xfrm>
-            <a:off x="1864242" y="2178550"/>
-            <a:ext cx="8463516" cy="4560137"/>
-          </a:xfrm>
+            <a:off x="838200" y="1818167"/>
+            <a:ext cx="5061003" cy="4861156"/>
+          </a:xfrm>
+        </p:spPr>
+      </p:pic>
+      <p:pic>
+        <p:nvPicPr>
+          <p:cNvPr id="6" name="Picture 6" descr="A screenshot of a cell phone&#10;&#10;Description generated with very high confidence">
+            <a:extLst>
+              <a:ext uri="{FF2B5EF4-FFF2-40B4-BE49-F238E27FC236}">
+                <a16:creationId xmlns:a16="http://schemas.microsoft.com/office/drawing/2014/main" id="{1EDBD8DD-864D-41CF-9462-2E2D07284D70}"/>
+              </a:ext>
+            </a:extLst>
+          </p:cNvPr>
+          <p:cNvPicPr>
+            <a:picLocks noChangeAspect="1"/>
+          </p:cNvPicPr>
+          <p:nvPr/>
+        </p:nvPicPr>
+        <p:blipFill>
+          <a:blip r:embed="rId3"/>
+          <a:stretch>
+            <a:fillRect/>
+          </a:stretch>
+        </p:blipFill>
+        <p:spPr>
+          <a:xfrm>
+            <a:off x="6291423" y="1838129"/>
+            <a:ext cx="5069226" cy="4845830"/>
+          </a:xfrm>
+          <a:prstGeom prst="rect">
+            <a:avLst/>
+          </a:prstGeom>
         </p:spPr>
       </p:pic>
     </p:spTree>
     <p:extLst>
       <p:ext uri="{BB962C8B-B14F-4D97-AF65-F5344CB8AC3E}">
-        <p14:creationId xmlns:p14="http://schemas.microsoft.com/office/powerpoint/2010/main" val="1389541807"/>
+        <p14:creationId xmlns:p14="http://schemas.microsoft.com/office/powerpoint/2010/main" val="1973283771"/>
       </p:ext>
     </p:extLst>
   </p:cSld>
@@ -3607,7 +3502,7 @@
           <p:cNvPr id="2" name="Title 1">
             <a:extLst>
               <a:ext uri="{FF2B5EF4-FFF2-40B4-BE49-F238E27FC236}">
-                <a16:creationId xmlns:a16="http://schemas.microsoft.com/office/drawing/2014/main" id="{82DC2527-CBC2-4431-A43F-595030D38E91}"/>
+                <a16:creationId xmlns:a16="http://schemas.microsoft.com/office/drawing/2014/main" id="{5A696234-E37A-43EC-9597-DF359DDB8811}"/>
               </a:ext>
             </a:extLst>
           </p:cNvPr>
@@ -3620,7 +3515,7 @@
         </p:nvSpPr>
         <p:spPr>
           <a:xfrm>
-            <a:off x="838200" y="1063185"/>
+            <a:off x="838200" y="914329"/>
             <a:ext cx="10515600" cy="1325563"/>
           </a:xfrm>
         </p:spPr>
@@ -3628,327 +3523,92 @@
           <a:bodyPr/>
           <a:lstStyle/>
           <a:p>
+            <a:pPr algn="ctr"/>
+            <a:r>
+              <a:rPr lang="en-US" dirty="0">
+                <a:latin typeface="Helvetica Neue" panose="02000503000000020004" pitchFamily="2" charset="0"/>
+                <a:cs typeface="Segoe UI" panose="020B0502040204020203" pitchFamily="34" charset="0"/>
+              </a:rPr>
+              <a:t>3.2 </a:t>
+            </a:r>
             <a:r>
               <a:rPr lang="en-US" dirty="0" err="1">
                 <a:latin typeface="Helvetica Neue" panose="02000503000000020004" pitchFamily="2" charset="0"/>
                 <a:cs typeface="Segoe UI" panose="020B0502040204020203" pitchFamily="34" charset="0"/>
               </a:rPr>
-              <a:t>Obtención</a:t>
-            </a:r>
-            <a:r>
-              <a:rPr lang="en-US" dirty="0">
-                <a:latin typeface="Helvetica Neue" panose="02000503000000020004" pitchFamily="2" charset="0"/>
-                <a:cs typeface="Segoe UI" panose="020B0502040204020203" pitchFamily="34" charset="0"/>
-              </a:rPr>
-              <a:t> y </a:t>
+              <a:t>Página</a:t>
+            </a:r>
+            <a:r>
+              <a:rPr lang="en-US" dirty="0">
+                <a:latin typeface="Helvetica Neue" panose="02000503000000020004" pitchFamily="2" charset="0"/>
+                <a:cs typeface="Segoe UI" panose="020B0502040204020203" pitchFamily="34" charset="0"/>
+              </a:rPr>
+              <a:t> web (</a:t>
             </a:r>
             <a:r>
               <a:rPr lang="en-US" dirty="0" err="1">
                 <a:latin typeface="Helvetica Neue" panose="02000503000000020004" pitchFamily="2" charset="0"/>
                 <a:cs typeface="Segoe UI" panose="020B0502040204020203" pitchFamily="34" charset="0"/>
               </a:rPr>
-              <a:t>Análisis</a:t>
-            </a:r>
-            <a:r>
-              <a:rPr lang="en-US" dirty="0">
-                <a:latin typeface="Helvetica Neue" panose="02000503000000020004" pitchFamily="2" charset="0"/>
-                <a:cs typeface="Segoe UI" panose="020B0502040204020203" pitchFamily="34" charset="0"/>
-              </a:rPr>
-              <a:t> de la </a:t>
+              <a:t>otros</a:t>
+            </a:r>
+            <a:r>
+              <a:rPr lang="en-US" dirty="0">
+                <a:latin typeface="Helvetica Neue" panose="02000503000000020004" pitchFamily="2" charset="0"/>
+                <a:cs typeface="Segoe UI" panose="020B0502040204020203" pitchFamily="34" charset="0"/>
+              </a:rPr>
+              <a:t> </a:t>
             </a:r>
             <a:r>
               <a:rPr lang="en-US" dirty="0" err="1">
                 <a:latin typeface="Helvetica Neue" panose="02000503000000020004" pitchFamily="2" charset="0"/>
                 <a:cs typeface="Segoe UI" panose="020B0502040204020203" pitchFamily="34" charset="0"/>
               </a:rPr>
-              <a:t>Información</a:t>
-            </a:r>
-            <a:endParaRPr lang="en-US" dirty="0">
-              <a:latin typeface="Helvetica Neue" panose="02000503000000020004" pitchFamily="2" charset="0"/>
-              <a:cs typeface="Segoe UI" panose="020B0502040204020203" pitchFamily="34" charset="0"/>
-            </a:endParaRPr>
-          </a:p>
-        </p:txBody>
-      </p:sp>
-      <p:sp>
-        <p:nvSpPr>
-          <p:cNvPr id="3" name="Content Placeholder 2">
-            <a:extLst>
-              <a:ext uri="{FF2B5EF4-FFF2-40B4-BE49-F238E27FC236}">
-                <a16:creationId xmlns:a16="http://schemas.microsoft.com/office/drawing/2014/main" id="{4745A1BD-20F8-4A79-858F-A645F9CE21FA}"/>
-              </a:ext>
-            </a:extLst>
-          </p:cNvPr>
-          <p:cNvSpPr>
-            <a:spLocks noGrp="1"/>
-          </p:cNvSpPr>
-          <p:nvPr>
-            <p:ph idx="1"/>
-          </p:nvPr>
-        </p:nvSpPr>
-        <p:spPr>
-          <a:xfrm>
-            <a:off x="572386" y="2554890"/>
-            <a:ext cx="5257800" cy="3828726"/>
-          </a:xfrm>
-        </p:spPr>
-        <p:txBody>
-          <a:bodyPr vert="horz" lIns="91440" tIns="45720" rIns="91440" bIns="45720" rtlCol="0" anchor="t">
-            <a:normAutofit/>
-          </a:bodyPr>
-          <a:lstStyle/>
-          <a:p>
-            <a:pPr marL="0" indent="0" algn="just">
-              <a:buNone/>
-            </a:pPr>
-            <a:r>
-              <a:rPr lang="en-US" dirty="0">
-                <a:latin typeface="Helvetica Neue" panose="02000503000000020004" pitchFamily="2" charset="0"/>
-                <a:cs typeface="Calibri"/>
-              </a:rPr>
-              <a:t>La </a:t>
-            </a:r>
-            <a:r>
-              <a:rPr lang="en-US" dirty="0" err="1">
-                <a:latin typeface="Helvetica Neue" panose="02000503000000020004" pitchFamily="2" charset="0"/>
-                <a:cs typeface="Calibri"/>
-              </a:rPr>
-              <a:t>informacion</a:t>
-            </a:r>
-            <a:r>
-              <a:rPr lang="en-US" dirty="0">
-                <a:latin typeface="Helvetica Neue" panose="02000503000000020004" pitchFamily="2" charset="0"/>
-                <a:cs typeface="Calibri"/>
-              </a:rPr>
-              <a:t> sera </a:t>
-            </a:r>
-            <a:r>
-              <a:rPr lang="en-US" dirty="0" err="1">
-                <a:latin typeface="Helvetica Neue" panose="02000503000000020004" pitchFamily="2" charset="0"/>
-                <a:cs typeface="Calibri"/>
-              </a:rPr>
-              <a:t>obtenida</a:t>
-            </a:r>
-            <a:r>
-              <a:rPr lang="en-US" dirty="0">
-                <a:latin typeface="Helvetica Neue" panose="02000503000000020004" pitchFamily="2" charset="0"/>
-                <a:cs typeface="Calibri"/>
-              </a:rPr>
-              <a:t> a </a:t>
-            </a:r>
-            <a:r>
-              <a:rPr lang="en-US" dirty="0" err="1">
-                <a:latin typeface="Helvetica Neue" panose="02000503000000020004" pitchFamily="2" charset="0"/>
-                <a:cs typeface="Calibri"/>
-              </a:rPr>
-              <a:t>través</a:t>
-            </a:r>
-            <a:r>
-              <a:rPr lang="en-US" dirty="0">
-                <a:latin typeface="Helvetica Neue" panose="02000503000000020004" pitchFamily="2" charset="0"/>
-                <a:cs typeface="Calibri"/>
-              </a:rPr>
-              <a:t> del </a:t>
-            </a:r>
-            <a:r>
-              <a:rPr lang="en-US" dirty="0" err="1">
-                <a:latin typeface="Helvetica Neue" panose="02000503000000020004" pitchFamily="2" charset="0"/>
-                <a:cs typeface="Calibri"/>
-              </a:rPr>
-              <a:t>formulario</a:t>
-            </a:r>
-            <a:r>
-              <a:rPr lang="en-US" dirty="0">
-                <a:latin typeface="Helvetica Neue" panose="02000503000000020004" pitchFamily="2" charset="0"/>
-                <a:cs typeface="Calibri"/>
-              </a:rPr>
-              <a:t> de la </a:t>
-            </a:r>
-            <a:r>
-              <a:rPr lang="en-US" dirty="0" err="1">
-                <a:latin typeface="Helvetica Neue" panose="02000503000000020004" pitchFamily="2" charset="0"/>
-                <a:cs typeface="Calibri"/>
-              </a:rPr>
-              <a:t>página</a:t>
-            </a:r>
-            <a:r>
-              <a:rPr lang="en-US" dirty="0">
-                <a:latin typeface="Helvetica Neue" panose="02000503000000020004" pitchFamily="2" charset="0"/>
-                <a:cs typeface="Calibri"/>
-              </a:rPr>
-              <a:t> web y </a:t>
-            </a:r>
-            <a:r>
-              <a:rPr lang="en-US" dirty="0" err="1">
-                <a:latin typeface="Helvetica Neue" panose="02000503000000020004" pitchFamily="2" charset="0"/>
-                <a:cs typeface="Calibri"/>
-              </a:rPr>
-              <a:t>registrada</a:t>
-            </a:r>
-            <a:r>
-              <a:rPr lang="en-US" dirty="0">
-                <a:latin typeface="Helvetica Neue" panose="02000503000000020004" pitchFamily="2" charset="0"/>
-                <a:cs typeface="Calibri"/>
-              </a:rPr>
-              <a:t> </a:t>
-            </a:r>
-            <a:r>
-              <a:rPr lang="en-US" dirty="0" err="1">
-                <a:latin typeface="Helvetica Neue" panose="02000503000000020004" pitchFamily="2" charset="0"/>
-                <a:cs typeface="Calibri"/>
-              </a:rPr>
-              <a:t>en</a:t>
-            </a:r>
-            <a:r>
-              <a:rPr lang="en-US" dirty="0">
-                <a:latin typeface="Helvetica Neue" panose="02000503000000020004" pitchFamily="2" charset="0"/>
-                <a:cs typeface="Calibri"/>
-              </a:rPr>
-              <a:t> una base de </a:t>
-            </a:r>
-            <a:r>
-              <a:rPr lang="en-US" dirty="0" err="1">
-                <a:latin typeface="Helvetica Neue" panose="02000503000000020004" pitchFamily="2" charset="0"/>
-                <a:cs typeface="Calibri"/>
-              </a:rPr>
               <a:t>datos</a:t>
             </a:r>
             <a:r>
               <a:rPr lang="en-US" dirty="0">
                 <a:latin typeface="Helvetica Neue" panose="02000503000000020004" pitchFamily="2" charset="0"/>
-                <a:cs typeface="Calibri"/>
-              </a:rPr>
-              <a:t> </a:t>
-            </a:r>
-            <a:r>
-              <a:rPr lang="en-US" dirty="0" err="1">
-                <a:latin typeface="Helvetica Neue" panose="02000503000000020004" pitchFamily="2" charset="0"/>
-                <a:cs typeface="Calibri"/>
-              </a:rPr>
-              <a:t>alojada</a:t>
-            </a:r>
-            <a:r>
-              <a:rPr lang="en-US" dirty="0">
-                <a:latin typeface="Helvetica Neue" panose="02000503000000020004" pitchFamily="2" charset="0"/>
-                <a:cs typeface="Calibri"/>
-              </a:rPr>
-              <a:t> </a:t>
-            </a:r>
-            <a:r>
-              <a:rPr lang="en-US" dirty="0" err="1">
-                <a:latin typeface="Helvetica Neue" panose="02000503000000020004" pitchFamily="2" charset="0"/>
-                <a:cs typeface="Calibri"/>
-              </a:rPr>
-              <a:t>en</a:t>
-            </a:r>
-            <a:r>
-              <a:rPr lang="en-US" dirty="0">
-                <a:latin typeface="Helvetica Neue" panose="02000503000000020004" pitchFamily="2" charset="0"/>
-                <a:cs typeface="Calibri"/>
-              </a:rPr>
-              <a:t> la </a:t>
-            </a:r>
-            <a:r>
-              <a:rPr lang="en-US" dirty="0" err="1">
-                <a:latin typeface="Helvetica Neue" panose="02000503000000020004" pitchFamily="2" charset="0"/>
-                <a:cs typeface="Calibri"/>
-              </a:rPr>
-              <a:t>nube</a:t>
-            </a:r>
-            <a:r>
-              <a:rPr lang="en-US" dirty="0">
-                <a:latin typeface="Helvetica Neue" panose="02000503000000020004" pitchFamily="2" charset="0"/>
-                <a:cs typeface="Calibri"/>
-              </a:rPr>
-              <a:t>.  Para </a:t>
-            </a:r>
-            <a:r>
-              <a:rPr lang="en-US" dirty="0" err="1">
-                <a:latin typeface="Helvetica Neue" panose="02000503000000020004" pitchFamily="2" charset="0"/>
-                <a:cs typeface="Calibri"/>
-              </a:rPr>
-              <a:t>después</a:t>
-            </a:r>
-            <a:r>
-              <a:rPr lang="en-US" dirty="0">
-                <a:latin typeface="Helvetica Neue" panose="02000503000000020004" pitchFamily="2" charset="0"/>
-                <a:cs typeface="Calibri"/>
-              </a:rPr>
-              <a:t> ser </a:t>
-            </a:r>
-            <a:r>
-              <a:rPr lang="en-US" dirty="0" err="1">
-                <a:latin typeface="Helvetica Neue" panose="02000503000000020004" pitchFamily="2" charset="0"/>
-                <a:cs typeface="Calibri"/>
-              </a:rPr>
-              <a:t>analizada</a:t>
-            </a:r>
-            <a:r>
-              <a:rPr lang="en-US" dirty="0">
-                <a:latin typeface="Helvetica Neue" panose="02000503000000020004" pitchFamily="2" charset="0"/>
-                <a:cs typeface="Calibri"/>
-              </a:rPr>
-              <a:t> </a:t>
-            </a:r>
-            <a:r>
-              <a:rPr lang="en-US" dirty="0" err="1">
-                <a:latin typeface="Helvetica Neue" panose="02000503000000020004" pitchFamily="2" charset="0"/>
-                <a:cs typeface="Calibri"/>
-              </a:rPr>
-              <a:t>debidamente</a:t>
-            </a:r>
-            <a:r>
-              <a:rPr lang="en-US" dirty="0">
-                <a:latin typeface="Helvetica Neue" panose="02000503000000020004" pitchFamily="2" charset="0"/>
-                <a:cs typeface="Calibri"/>
-              </a:rPr>
-              <a:t>. </a:t>
-            </a:r>
-            <a:endParaRPr lang="en-US" dirty="0">
-              <a:latin typeface="Helvetica Neue" panose="02000503000000020004" pitchFamily="2" charset="0"/>
-            </a:endParaRPr>
+                <a:cs typeface="Segoe UI" panose="020B0502040204020203" pitchFamily="34" charset="0"/>
+              </a:rPr>
+              <a:t>)</a:t>
+            </a:r>
           </a:p>
         </p:txBody>
       </p:sp>
       <p:pic>
         <p:nvPicPr>
-          <p:cNvPr id="7" name="Picture 6">
+          <p:cNvPr id="4" name="Picture 4" descr="A screenshot of a cell phone&#10;&#10;Description generated with very high confidence">
             <a:extLst>
               <a:ext uri="{FF2B5EF4-FFF2-40B4-BE49-F238E27FC236}">
-                <a16:creationId xmlns:a16="http://schemas.microsoft.com/office/drawing/2014/main" id="{081132F4-02EF-4EE5-956F-2D7A21C779B5}"/>
+                <a16:creationId xmlns:a16="http://schemas.microsoft.com/office/drawing/2014/main" id="{57B96D2B-ED44-4944-9A20-227D14C2CA7F}"/>
               </a:ext>
             </a:extLst>
           </p:cNvPr>
           <p:cNvPicPr>
-            <a:picLocks noChangeAspect="1"/>
+            <a:picLocks noGrp="1" noChangeAspect="1"/>
           </p:cNvPicPr>
-          <p:nvPr/>
+          <p:nvPr>
+            <p:ph idx="1"/>
+          </p:nvPr>
         </p:nvPicPr>
-        <p:blipFill rotWithShape="1">
-          <a:blip r:embed="rId2">
-            <a:extLst>
-              <a:ext uri="{28A0092B-C50C-407E-A947-70E740481C1C}">
-                <a14:useLocalDpi xmlns:a14="http://schemas.microsoft.com/office/drawing/2010/main" val="0"/>
-              </a:ext>
-            </a:extLst>
-          </a:blip>
-          <a:srcRect l="25252" t="2790" r="24685" b="18466"/>
-          <a:stretch/>
+        <p:blipFill>
+          <a:blip r:embed="rId2"/>
+          <a:stretch>
+            <a:fillRect/>
+          </a:stretch>
         </p:blipFill>
         <p:spPr>
           <a:xfrm>
-            <a:off x="6666614" y="2388748"/>
-            <a:ext cx="4072270" cy="3697702"/>
-          </a:xfrm>
-          <a:prstGeom prst="rect">
-            <a:avLst/>
-          </a:prstGeom>
+            <a:off x="1344053" y="1940829"/>
+            <a:ext cx="9503893" cy="5354560"/>
+          </a:xfrm>
         </p:spPr>
       </p:pic>
     </p:spTree>
     <p:extLst>
       <p:ext uri="{BB962C8B-B14F-4D97-AF65-F5344CB8AC3E}">
-        <p14:creationId xmlns:p14="http://schemas.microsoft.com/office/powerpoint/2010/main" val="2502347330"/>
+        <p14:creationId xmlns:p14="http://schemas.microsoft.com/office/powerpoint/2010/main" val="3588983973"/>
       </p:ext>
     </p:extLst>
   </p:cSld>
@@ -3980,7 +3640,7 @@
           <p:cNvPr id="2" name="Title 1">
             <a:extLst>
               <a:ext uri="{FF2B5EF4-FFF2-40B4-BE49-F238E27FC236}">
-                <a16:creationId xmlns:a16="http://schemas.microsoft.com/office/drawing/2014/main" id="{F4C9D023-685E-4D82-8587-CE334AC5EAF8}"/>
+                <a16:creationId xmlns:a16="http://schemas.microsoft.com/office/drawing/2014/main" id="{0FE7496D-E8F3-4709-B540-CCF53E799D50}"/>
               </a:ext>
             </a:extLst>
           </p:cNvPr>
@@ -3993,38 +3653,90 @@
         </p:nvSpPr>
         <p:spPr>
           <a:xfrm>
-            <a:off x="838200" y="882432"/>
-            <a:ext cx="10515600" cy="1325563"/>
+            <a:off x="127591" y="1073819"/>
+            <a:ext cx="12064409" cy="1325563"/>
           </a:xfrm>
         </p:spPr>
         <p:txBody>
-          <a:bodyPr/>
+          <a:bodyPr>
+            <a:normAutofit/>
+          </a:bodyPr>
           <a:lstStyle/>
           <a:p>
             <a:r>
-              <a:rPr lang="es-419" dirty="0">
-                <a:latin typeface="Helvetica Neue" panose="02000503000000020004" pitchFamily="2" charset="0"/>
-                <a:cs typeface="Segoe UI" panose="020B0502040204020203" pitchFamily="34" charset="0"/>
-              </a:rPr>
-              <a:t>Frecuencia de </a:t>
-            </a:r>
-            <a:r>
-              <a:rPr lang="es-419" dirty="0" err="1">
-                <a:latin typeface="Helvetica Neue" panose="02000503000000020004" pitchFamily="2" charset="0"/>
-                <a:cs typeface="Segoe UI" panose="020B0502040204020203" pitchFamily="34" charset="0"/>
-              </a:rPr>
-              <a:t>Contrase</a:t>
+              <a:rPr lang="en-US" dirty="0">
+                <a:latin typeface="Helvetica Neue" panose="02000503000000020004" pitchFamily="2" charset="0"/>
+                <a:ea typeface="+mn-lt"/>
+                <a:cs typeface="Segoe UI" panose="020B0502040204020203" pitchFamily="34" charset="0"/>
+              </a:rPr>
+              <a:t>4. </a:t>
             </a:r>
             <a:r>
               <a:rPr lang="en-US" dirty="0" err="1">
                 <a:latin typeface="Helvetica Neue" panose="02000503000000020004" pitchFamily="2" charset="0"/>
-                <a:cs typeface="Segoe UI" panose="020B0502040204020203" pitchFamily="34" charset="0"/>
-              </a:rPr>
-              <a:t>ñas</a:t>
+                <a:ea typeface="+mn-lt"/>
+                <a:cs typeface="Segoe UI" panose="020B0502040204020203" pitchFamily="34" charset="0"/>
+              </a:rPr>
+              <a:t>Envío</a:t>
+            </a:r>
+            <a:r>
+              <a:rPr lang="en-US" dirty="0">
+                <a:latin typeface="Helvetica Neue" panose="02000503000000020004" pitchFamily="2" charset="0"/>
+                <a:ea typeface="+mn-lt"/>
+                <a:cs typeface="Segoe UI" panose="020B0502040204020203" pitchFamily="34" charset="0"/>
+              </a:rPr>
+              <a:t> de </a:t>
+            </a:r>
+            <a:r>
+              <a:rPr lang="en-US" dirty="0" err="1">
+                <a:latin typeface="Helvetica Neue" panose="02000503000000020004" pitchFamily="2" charset="0"/>
+                <a:ea typeface="+mn-lt"/>
+                <a:cs typeface="Segoe UI" panose="020B0502040204020203" pitchFamily="34" charset="0"/>
+              </a:rPr>
+              <a:t>notificación</a:t>
+            </a:r>
+            <a:r>
+              <a:rPr lang="en-US" dirty="0">
+                <a:latin typeface="Helvetica Neue" panose="02000503000000020004" pitchFamily="2" charset="0"/>
+                <a:ea typeface="+mn-lt"/>
+                <a:cs typeface="Segoe UI" panose="020B0502040204020203" pitchFamily="34" charset="0"/>
+              </a:rPr>
+              <a:t> (</a:t>
+            </a:r>
+            <a:r>
+              <a:rPr lang="en-US" dirty="0" err="1">
+                <a:latin typeface="Helvetica Neue" panose="02000503000000020004" pitchFamily="2" charset="0"/>
+                <a:ea typeface="+mn-lt"/>
+                <a:cs typeface="Segoe UI" panose="020B0502040204020203" pitchFamily="34" charset="0"/>
+              </a:rPr>
+              <a:t>correo</a:t>
+            </a:r>
+            <a:r>
+              <a:rPr lang="en-US" dirty="0">
+                <a:latin typeface="Helvetica Neue" panose="02000503000000020004" pitchFamily="2" charset="0"/>
+                <a:ea typeface="+mn-lt"/>
+                <a:cs typeface="Segoe UI" panose="020B0502040204020203" pitchFamily="34" charset="0"/>
+              </a:rPr>
+              <a:t> </a:t>
+            </a:r>
+            <a:r>
+              <a:rPr lang="en-US" dirty="0" err="1">
+                <a:latin typeface="Helvetica Neue" panose="02000503000000020004" pitchFamily="2" charset="0"/>
+                <a:ea typeface="+mn-lt"/>
+                <a:cs typeface="Segoe UI" panose="020B0502040204020203" pitchFamily="34" charset="0"/>
+              </a:rPr>
+              <a:t>electrónico</a:t>
+            </a:r>
+            <a:r>
+              <a:rPr lang="en-US" dirty="0">
+                <a:latin typeface="Helvetica Neue" panose="02000503000000020004" pitchFamily="2" charset="0"/>
+                <a:ea typeface="+mn-lt"/>
+                <a:cs typeface="Segoe UI" panose="020B0502040204020203" pitchFamily="34" charset="0"/>
+              </a:rPr>
+              <a:t>).</a:t>
             </a:r>
             <a:endParaRPr lang="es-419" dirty="0">
               <a:latin typeface="Helvetica Neue" panose="02000503000000020004" pitchFamily="2" charset="0"/>
-              <a:cs typeface="Segoe UI" panose="020B0502040204020203" pitchFamily="34" charset="0"/>
             </a:endParaRPr>
           </a:p>
         </p:txBody>
@@ -4034,7 +3746,7 @@
           <p:cNvPr id="5" name="Content Placeholder 4">
             <a:extLst>
               <a:ext uri="{FF2B5EF4-FFF2-40B4-BE49-F238E27FC236}">
-                <a16:creationId xmlns:a16="http://schemas.microsoft.com/office/drawing/2014/main" id="{9FE14E51-9C56-4616-9E6A-471B32548767}"/>
+                <a16:creationId xmlns:a16="http://schemas.microsoft.com/office/drawing/2014/main" id="{E72653A7-D949-428E-9125-8EE696C34727}"/>
               </a:ext>
             </a:extLst>
           </p:cNvPr>
@@ -4059,15 +3771,258 @@
         </p:blipFill>
         <p:spPr>
           <a:xfrm>
-            <a:off x="1153393" y="1919041"/>
-            <a:ext cx="9885214" cy="4938959"/>
+            <a:off x="1864242" y="2178550"/>
+            <a:ext cx="8463516" cy="4560137"/>
           </a:xfrm>
         </p:spPr>
       </p:pic>
     </p:spTree>
     <p:extLst>
       <p:ext uri="{BB962C8B-B14F-4D97-AF65-F5344CB8AC3E}">
-        <p14:creationId xmlns:p14="http://schemas.microsoft.com/office/powerpoint/2010/main" val="4178791599"/>
+        <p14:creationId xmlns:p14="http://schemas.microsoft.com/office/powerpoint/2010/main" val="1389541807"/>
+      </p:ext>
+    </p:extLst>
+  </p:cSld>
+  <p:clrMapOvr>
+    <a:masterClrMapping/>
+  </p:clrMapOvr>
+</p:sld>
+</file>
+
+<file path=ppt/slides/slide19.xml><?xml version="1.0" encoding="utf-8"?>
+<p:sld xmlns:a="http://schemas.openxmlformats.org/drawingml/2006/main" xmlns:r="http://schemas.openxmlformats.org/officeDocument/2006/relationships" xmlns:p="http://schemas.openxmlformats.org/presentationml/2006/main">
+  <p:cSld>
+    <p:spTree>
+      <p:nvGrpSpPr>
+        <p:cNvPr id="1" name=""/>
+        <p:cNvGrpSpPr/>
+        <p:nvPr/>
+      </p:nvGrpSpPr>
+      <p:grpSpPr>
+        <a:xfrm>
+          <a:off x="0" y="0"/>
+          <a:ext cx="0" cy="0"/>
+          <a:chOff x="0" y="0"/>
+          <a:chExt cx="0" cy="0"/>
+        </a:xfrm>
+      </p:grpSpPr>
+      <p:sp>
+        <p:nvSpPr>
+          <p:cNvPr id="2" name="Title 1">
+            <a:extLst>
+              <a:ext uri="{FF2B5EF4-FFF2-40B4-BE49-F238E27FC236}">
+                <a16:creationId xmlns:a16="http://schemas.microsoft.com/office/drawing/2014/main" id="{82DC2527-CBC2-4431-A43F-595030D38E91}"/>
+              </a:ext>
+            </a:extLst>
+          </p:cNvPr>
+          <p:cNvSpPr>
+            <a:spLocks noGrp="1"/>
+          </p:cNvSpPr>
+          <p:nvPr>
+            <p:ph type="title"/>
+          </p:nvPr>
+        </p:nvSpPr>
+        <p:spPr>
+          <a:xfrm>
+            <a:off x="838200" y="1063185"/>
+            <a:ext cx="10515600" cy="1325563"/>
+          </a:xfrm>
+        </p:spPr>
+        <p:txBody>
+          <a:bodyPr/>
+          <a:lstStyle/>
+          <a:p>
+            <a:r>
+              <a:rPr lang="en-US" dirty="0">
+                <a:latin typeface="Helvetica Neue" panose="02000503000000020004" pitchFamily="2" charset="0"/>
+                <a:cs typeface="Segoe UI" panose="020B0502040204020203" pitchFamily="34" charset="0"/>
+              </a:rPr>
+              <a:t>Obtención y Análisis de la Información</a:t>
+            </a:r>
+          </a:p>
+        </p:txBody>
+      </p:sp>
+      <p:sp>
+        <p:nvSpPr>
+          <p:cNvPr id="3" name="Content Placeholder 2">
+            <a:extLst>
+              <a:ext uri="{FF2B5EF4-FFF2-40B4-BE49-F238E27FC236}">
+                <a16:creationId xmlns:a16="http://schemas.microsoft.com/office/drawing/2014/main" id="{4745A1BD-20F8-4A79-858F-A645F9CE21FA}"/>
+              </a:ext>
+            </a:extLst>
+          </p:cNvPr>
+          <p:cNvSpPr>
+            <a:spLocks noGrp="1"/>
+          </p:cNvSpPr>
+          <p:nvPr>
+            <p:ph idx="1"/>
+          </p:nvPr>
+        </p:nvSpPr>
+        <p:spPr>
+          <a:xfrm>
+            <a:off x="572386" y="2554890"/>
+            <a:ext cx="5257800" cy="3828726"/>
+          </a:xfrm>
+        </p:spPr>
+        <p:txBody>
+          <a:bodyPr vert="horz" lIns="91440" tIns="45720" rIns="91440" bIns="45720" rtlCol="0" anchor="t">
+            <a:normAutofit/>
+          </a:bodyPr>
+          <a:lstStyle/>
+          <a:p>
+            <a:pPr marL="0" indent="0" algn="just">
+              <a:buNone/>
+            </a:pPr>
+            <a:r>
+              <a:rPr lang="en-US" dirty="0">
+                <a:latin typeface="Helvetica Neue" panose="02000503000000020004" pitchFamily="2" charset="0"/>
+                <a:cs typeface="Calibri"/>
+              </a:rPr>
+              <a:t>La informacion sera obtenida a través del formulario de la </a:t>
+            </a:r>
+            <a:r>
+              <a:rPr lang="en-US" dirty="0" err="1">
+                <a:latin typeface="Helvetica Neue" panose="02000503000000020004" pitchFamily="2" charset="0"/>
+                <a:cs typeface="Calibri"/>
+              </a:rPr>
+              <a:t>página</a:t>
+            </a:r>
+            <a:r>
+              <a:rPr lang="en-US" dirty="0">
+                <a:latin typeface="Helvetica Neue" panose="02000503000000020004" pitchFamily="2" charset="0"/>
+                <a:cs typeface="Calibri"/>
+              </a:rPr>
+              <a:t> web y registrada en una base de </a:t>
+            </a:r>
+            <a:r>
+              <a:rPr lang="en-US" dirty="0" err="1">
+                <a:latin typeface="Helvetica Neue" panose="02000503000000020004" pitchFamily="2" charset="0"/>
+                <a:cs typeface="Calibri"/>
+              </a:rPr>
+              <a:t>datos</a:t>
+            </a:r>
+            <a:r>
+              <a:rPr lang="en-US" dirty="0">
+                <a:latin typeface="Helvetica Neue" panose="02000503000000020004" pitchFamily="2" charset="0"/>
+                <a:cs typeface="Calibri"/>
+              </a:rPr>
+              <a:t> </a:t>
+            </a:r>
+            <a:r>
+              <a:rPr lang="en-US" dirty="0" err="1">
+                <a:latin typeface="Helvetica Neue" panose="02000503000000020004" pitchFamily="2" charset="0"/>
+                <a:cs typeface="Calibri"/>
+              </a:rPr>
+              <a:t>alojada</a:t>
+            </a:r>
+            <a:r>
+              <a:rPr lang="en-US" dirty="0">
+                <a:latin typeface="Helvetica Neue" panose="02000503000000020004" pitchFamily="2" charset="0"/>
+                <a:cs typeface="Calibri"/>
+              </a:rPr>
+              <a:t> en la </a:t>
+            </a:r>
+            <a:r>
+              <a:rPr lang="en-US" dirty="0" err="1">
+                <a:latin typeface="Helvetica Neue" panose="02000503000000020004" pitchFamily="2" charset="0"/>
+                <a:cs typeface="Calibri"/>
+              </a:rPr>
+              <a:t>nube</a:t>
+            </a:r>
+            <a:r>
+              <a:rPr lang="en-US" dirty="0">
+                <a:latin typeface="Helvetica Neue" panose="02000503000000020004" pitchFamily="2" charset="0"/>
+                <a:cs typeface="Calibri"/>
+              </a:rPr>
+              <a:t>. Para </a:t>
+            </a:r>
+            <a:r>
+              <a:rPr lang="en-US" dirty="0" err="1">
+                <a:latin typeface="Helvetica Neue" panose="02000503000000020004" pitchFamily="2" charset="0"/>
+                <a:cs typeface="Calibri"/>
+              </a:rPr>
+              <a:t>después</a:t>
+            </a:r>
+            <a:r>
+              <a:rPr lang="en-US" dirty="0">
+                <a:latin typeface="Helvetica Neue" panose="02000503000000020004" pitchFamily="2" charset="0"/>
+                <a:cs typeface="Calibri"/>
+              </a:rPr>
+              <a:t> ser </a:t>
+            </a:r>
+            <a:r>
+              <a:rPr lang="en-US" dirty="0" err="1">
+                <a:latin typeface="Helvetica Neue" panose="02000503000000020004" pitchFamily="2" charset="0"/>
+                <a:cs typeface="Calibri"/>
+              </a:rPr>
+              <a:t>analizada</a:t>
+            </a:r>
+            <a:r>
+              <a:rPr lang="en-US" dirty="0">
+                <a:latin typeface="Helvetica Neue" panose="02000503000000020004" pitchFamily="2" charset="0"/>
+                <a:cs typeface="Calibri"/>
+              </a:rPr>
+              <a:t> </a:t>
+            </a:r>
+            <a:r>
+              <a:rPr lang="en-US" dirty="0" err="1">
+                <a:latin typeface="Helvetica Neue" panose="02000503000000020004" pitchFamily="2" charset="0"/>
+                <a:cs typeface="Calibri"/>
+              </a:rPr>
+              <a:t>debidamente</a:t>
+            </a:r>
+            <a:r>
+              <a:rPr lang="en-US" dirty="0">
+                <a:latin typeface="Helvetica Neue" panose="02000503000000020004" pitchFamily="2" charset="0"/>
+                <a:cs typeface="Calibri"/>
+              </a:rPr>
+              <a:t>. </a:t>
+            </a:r>
+            <a:endParaRPr lang="en-US" dirty="0">
+              <a:latin typeface="Helvetica Neue" panose="02000503000000020004" pitchFamily="2" charset="0"/>
+            </a:endParaRPr>
+          </a:p>
+        </p:txBody>
+      </p:sp>
+      <p:pic>
+        <p:nvPicPr>
+          <p:cNvPr id="7" name="Picture 6">
+            <a:extLst>
+              <a:ext uri="{FF2B5EF4-FFF2-40B4-BE49-F238E27FC236}">
+                <a16:creationId xmlns:a16="http://schemas.microsoft.com/office/drawing/2014/main" id="{081132F4-02EF-4EE5-956F-2D7A21C779B5}"/>
+              </a:ext>
+            </a:extLst>
+          </p:cNvPr>
+          <p:cNvPicPr>
+            <a:picLocks noChangeAspect="1"/>
+          </p:cNvPicPr>
+          <p:nvPr/>
+        </p:nvPicPr>
+        <p:blipFill rotWithShape="1">
+          <a:blip r:embed="rId2">
+            <a:extLst>
+              <a:ext uri="{28A0092B-C50C-407E-A947-70E740481C1C}">
+                <a14:useLocalDpi xmlns:a14="http://schemas.microsoft.com/office/drawing/2010/main" val="0"/>
+              </a:ext>
+            </a:extLst>
+          </a:blip>
+          <a:srcRect l="25252" t="2790" r="24685" b="18466"/>
+          <a:stretch/>
+        </p:blipFill>
+        <p:spPr>
+          <a:xfrm>
+            <a:off x="6666614" y="2388748"/>
+            <a:ext cx="4072270" cy="3697702"/>
+          </a:xfrm>
+          <a:prstGeom prst="rect">
+            <a:avLst/>
+          </a:prstGeom>
+        </p:spPr>
+      </p:pic>
+    </p:spTree>
+    <p:extLst>
+      <p:ext uri="{BB962C8B-B14F-4D97-AF65-F5344CB8AC3E}">
+        <p14:creationId xmlns:p14="http://schemas.microsoft.com/office/powerpoint/2010/main" val="2502347330"/>
       </p:ext>
     </p:extLst>
   </p:cSld>
@@ -4099,7 +4054,7 @@
           <p:cNvPr id="2" name="Title 1">
             <a:extLst>
               <a:ext uri="{FF2B5EF4-FFF2-40B4-BE49-F238E27FC236}">
-                <a16:creationId xmlns:a16="http://schemas.microsoft.com/office/drawing/2014/main" id="{3930FF83-CD2D-4BF3-8416-1B2928005914}"/>
+                <a16:creationId xmlns:a16="http://schemas.microsoft.com/office/drawing/2014/main" id="{747FCFD2-4BCC-4167-B165-A4A023F1F350}"/>
               </a:ext>
             </a:extLst>
           </p:cNvPr>
@@ -4115,23 +4070,80 @@
           <a:bodyPr/>
           <a:lstStyle/>
           <a:p>
-            <a:pPr algn="ctr"/>
-            <a:r>
-              <a:rPr lang="en-US" dirty="0">
-                <a:latin typeface="Helvetica Neue" panose="02000503000000020004" pitchFamily="2" charset="0"/>
-                <a:cs typeface="Segoe UI" panose="020B0502040204020203" pitchFamily="34" charset="0"/>
-              </a:rPr>
-              <a:t>Ingenieria Social</a:t>
-            </a:r>
+            <a:endParaRPr lang="es-419"/>
           </a:p>
         </p:txBody>
       </p:sp>
+      <p:pic>
+        <p:nvPicPr>
+          <p:cNvPr id="5" name="Content Placeholder 4">
+            <a:extLst>
+              <a:ext uri="{FF2B5EF4-FFF2-40B4-BE49-F238E27FC236}">
+                <a16:creationId xmlns:a16="http://schemas.microsoft.com/office/drawing/2014/main" id="{3B6D05A5-1DD7-481E-9955-CD4E2FF7ADE3}"/>
+              </a:ext>
+            </a:extLst>
+          </p:cNvPr>
+          <p:cNvPicPr>
+            <a:picLocks noGrp="1" noChangeAspect="1"/>
+          </p:cNvPicPr>
+          <p:nvPr>
+            <p:ph idx="1"/>
+          </p:nvPr>
+        </p:nvPicPr>
+        <p:blipFill rotWithShape="1">
+          <a:blip r:embed="rId2" cstate="print">
+            <a:extLst>
+              <a:ext uri="{28A0092B-C50C-407E-A947-70E740481C1C}">
+                <a14:useLocalDpi xmlns:a14="http://schemas.microsoft.com/office/drawing/2010/main" val="0"/>
+              </a:ext>
+            </a:extLst>
+          </a:blip>
+          <a:srcRect t="8681" b="9394"/>
+          <a:stretch/>
+        </p:blipFill>
+        <p:spPr>
+          <a:xfrm>
+            <a:off x="586939" y="1265273"/>
+            <a:ext cx="11018121" cy="5592727"/>
+          </a:xfrm>
+        </p:spPr>
+      </p:pic>
+    </p:spTree>
+    <p:extLst>
+      <p:ext uri="{BB962C8B-B14F-4D97-AF65-F5344CB8AC3E}">
+        <p14:creationId xmlns:p14="http://schemas.microsoft.com/office/powerpoint/2010/main" val="2774884468"/>
+      </p:ext>
+    </p:extLst>
+  </p:cSld>
+  <p:clrMapOvr>
+    <a:masterClrMapping/>
+  </p:clrMapOvr>
+</p:sld>
+</file>
+
+<file path=ppt/slides/slide20.xml><?xml version="1.0" encoding="utf-8"?>
+<p:sld xmlns:a="http://schemas.openxmlformats.org/drawingml/2006/main" xmlns:r="http://schemas.openxmlformats.org/officeDocument/2006/relationships" xmlns:p="http://schemas.openxmlformats.org/presentationml/2006/main">
+  <p:cSld>
+    <p:spTree>
+      <p:nvGrpSpPr>
+        <p:cNvPr id="1" name=""/>
+        <p:cNvGrpSpPr/>
+        <p:nvPr/>
+      </p:nvGrpSpPr>
+      <p:grpSpPr>
+        <a:xfrm>
+          <a:off x="0" y="0"/>
+          <a:ext cx="0" cy="0"/>
+          <a:chOff x="0" y="0"/>
+          <a:chExt cx="0" cy="0"/>
+        </a:xfrm>
+      </p:grpSpPr>
       <p:sp>
         <p:nvSpPr>
-          <p:cNvPr id="3" name="Content Placeholder 2">
+          <p:cNvPr id="2" name="Title 1">
             <a:extLst>
               <a:ext uri="{FF2B5EF4-FFF2-40B4-BE49-F238E27FC236}">
-                <a16:creationId xmlns:a16="http://schemas.microsoft.com/office/drawing/2014/main" id="{A830869B-D30B-4B77-B9FB-12CC36982648}"/>
+                <a16:creationId xmlns:a16="http://schemas.microsoft.com/office/drawing/2014/main" id="{F4C9D023-685E-4D82-8587-CE334AC5EAF8}"/>
               </a:ext>
             </a:extLst>
           </p:cNvPr>
@@ -4139,282 +4151,34 @@
             <a:spLocks noGrp="1"/>
           </p:cNvSpPr>
           <p:nvPr>
-            <p:ph idx="1"/>
+            <p:ph type="title"/>
           </p:nvPr>
         </p:nvSpPr>
         <p:spPr>
           <a:xfrm>
-            <a:off x="838200" y="2847687"/>
-            <a:ext cx="6221819" cy="3278405"/>
+            <a:off x="838200" y="882432"/>
+            <a:ext cx="10515600" cy="1325563"/>
           </a:xfrm>
         </p:spPr>
         <p:txBody>
-          <a:bodyPr vert="horz" lIns="91440" tIns="45720" rIns="91440" bIns="45720" rtlCol="0" anchor="t">
-            <a:normAutofit/>
-          </a:bodyPr>
+          <a:bodyPr/>
           <a:lstStyle/>
           <a:p>
-            <a:pPr marL="0" indent="0" algn="just">
-              <a:buNone/>
-            </a:pPr>
-            <a:r>
-              <a:rPr lang="en-US" sz="3000" dirty="0">
-                <a:latin typeface="Helvetica Neue" panose="02000503000000020004" pitchFamily="2" charset="0"/>
-                <a:ea typeface="+mn-lt"/>
-                <a:cs typeface="Segoe UI" panose="020B0502040204020203" pitchFamily="34" charset="0"/>
-              </a:rPr>
-              <a:t>Las </a:t>
-            </a:r>
-            <a:r>
-              <a:rPr lang="en-US" sz="3000" dirty="0" err="1">
-                <a:latin typeface="Helvetica Neue" panose="02000503000000020004" pitchFamily="2" charset="0"/>
-                <a:ea typeface="+mn-lt"/>
-                <a:cs typeface="Segoe UI" panose="020B0502040204020203" pitchFamily="34" charset="0"/>
-              </a:rPr>
-              <a:t>pruebas</a:t>
-            </a:r>
-            <a:r>
-              <a:rPr lang="en-US" sz="3000" dirty="0">
-                <a:latin typeface="Helvetica Neue" panose="02000503000000020004" pitchFamily="2" charset="0"/>
-                <a:ea typeface="+mn-lt"/>
-                <a:cs typeface="Segoe UI" panose="020B0502040204020203" pitchFamily="34" charset="0"/>
-              </a:rPr>
-              <a:t> de </a:t>
-            </a:r>
-            <a:r>
-              <a:rPr lang="en-US" sz="3000" dirty="0" err="1">
-                <a:latin typeface="Helvetica Neue" panose="02000503000000020004" pitchFamily="2" charset="0"/>
-                <a:ea typeface="+mn-lt"/>
-                <a:cs typeface="Segoe UI" panose="020B0502040204020203" pitchFamily="34" charset="0"/>
-              </a:rPr>
-              <a:t>ingeniería</a:t>
-            </a:r>
-            <a:r>
-              <a:rPr lang="en-US" sz="3000" dirty="0">
-                <a:latin typeface="Helvetica Neue" panose="02000503000000020004" pitchFamily="2" charset="0"/>
-                <a:ea typeface="+mn-lt"/>
-                <a:cs typeface="Segoe UI" panose="020B0502040204020203" pitchFamily="34" charset="0"/>
-              </a:rPr>
-              <a:t> social de </a:t>
-            </a:r>
-            <a:r>
-              <a:rPr lang="en-US" sz="3000" dirty="0" err="1">
-                <a:latin typeface="Helvetica Neue" panose="02000503000000020004" pitchFamily="2" charset="0"/>
-                <a:ea typeface="+mn-lt"/>
-                <a:cs typeface="Segoe UI" panose="020B0502040204020203" pitchFamily="34" charset="0"/>
-              </a:rPr>
-              <a:t>RedTeam</a:t>
-            </a:r>
-            <a:r>
-              <a:rPr lang="en-US" sz="3000" dirty="0">
-                <a:latin typeface="Helvetica Neue" panose="02000503000000020004" pitchFamily="2" charset="0"/>
-                <a:ea typeface="+mn-lt"/>
-                <a:cs typeface="Segoe UI" panose="020B0502040204020203" pitchFamily="34" charset="0"/>
-              </a:rPr>
-              <a:t> </a:t>
-            </a:r>
-            <a:r>
-              <a:rPr lang="en-US" sz="3000" dirty="0" err="1">
-                <a:latin typeface="Helvetica Neue" panose="02000503000000020004" pitchFamily="2" charset="0"/>
-                <a:ea typeface="+mn-lt"/>
-                <a:cs typeface="Segoe UI" panose="020B0502040204020203" pitchFamily="34" charset="0"/>
-              </a:rPr>
-              <a:t>evalúan</a:t>
-            </a:r>
-            <a:r>
-              <a:rPr lang="en-US" sz="3000" dirty="0">
-                <a:latin typeface="Helvetica Neue" panose="02000503000000020004" pitchFamily="2" charset="0"/>
-                <a:ea typeface="+mn-lt"/>
-                <a:cs typeface="Segoe UI" panose="020B0502040204020203" pitchFamily="34" charset="0"/>
-              </a:rPr>
-              <a:t> a </a:t>
-            </a:r>
-            <a:r>
-              <a:rPr lang="en-US" sz="3000" dirty="0" err="1">
-                <a:latin typeface="Helvetica Neue" panose="02000503000000020004" pitchFamily="2" charset="0"/>
-                <a:ea typeface="+mn-lt"/>
-                <a:cs typeface="Segoe UI" panose="020B0502040204020203" pitchFamily="34" charset="0"/>
-              </a:rPr>
-              <a:t>su</a:t>
-            </a:r>
-            <a:r>
-              <a:rPr lang="en-US" sz="3000" dirty="0">
-                <a:latin typeface="Helvetica Neue" panose="02000503000000020004" pitchFamily="2" charset="0"/>
-                <a:ea typeface="+mn-lt"/>
-                <a:cs typeface="Segoe UI" panose="020B0502040204020203" pitchFamily="34" charset="0"/>
-              </a:rPr>
-              <a:t> personal, </a:t>
-            </a:r>
-            <a:r>
-              <a:rPr lang="es-419" sz="3000" dirty="0">
-                <a:latin typeface="Helvetica Neue" panose="02000503000000020004" pitchFamily="2" charset="0"/>
-                <a:ea typeface="+mn-lt"/>
-                <a:cs typeface="Segoe UI" panose="020B0502040204020203" pitchFamily="34" charset="0"/>
-              </a:rPr>
-              <a:t>procesos</a:t>
-            </a:r>
-            <a:r>
-              <a:rPr lang="en-US" sz="3000" dirty="0">
-                <a:latin typeface="Helvetica Neue" panose="02000503000000020004" pitchFamily="2" charset="0"/>
-                <a:ea typeface="+mn-lt"/>
-                <a:cs typeface="Segoe UI" panose="020B0502040204020203" pitchFamily="34" charset="0"/>
-              </a:rPr>
-              <a:t> y </a:t>
-            </a:r>
-            <a:r>
-              <a:rPr lang="en-US" sz="3000" dirty="0" err="1">
-                <a:latin typeface="Helvetica Neue" panose="02000503000000020004" pitchFamily="2" charset="0"/>
-                <a:ea typeface="+mn-lt"/>
-                <a:cs typeface="Segoe UI" panose="020B0502040204020203" pitchFamily="34" charset="0"/>
-              </a:rPr>
-              <a:t>procedimientos</a:t>
-            </a:r>
-            <a:r>
-              <a:rPr lang="en-US" sz="3000" dirty="0">
-                <a:latin typeface="Helvetica Neue" panose="02000503000000020004" pitchFamily="2" charset="0"/>
-                <a:ea typeface="+mn-lt"/>
-                <a:cs typeface="Segoe UI" panose="020B0502040204020203" pitchFamily="34" charset="0"/>
-              </a:rPr>
-              <a:t> </a:t>
-            </a:r>
-            <a:r>
-              <a:rPr lang="en-US" sz="3000" dirty="0" err="1">
-                <a:latin typeface="Helvetica Neue" panose="02000503000000020004" pitchFamily="2" charset="0"/>
-                <a:ea typeface="+mn-lt"/>
-                <a:cs typeface="Segoe UI" panose="020B0502040204020203" pitchFamily="34" charset="0"/>
-              </a:rPr>
-              <a:t>mediante</a:t>
-            </a:r>
-            <a:r>
-              <a:rPr lang="en-US" sz="3000" dirty="0">
-                <a:latin typeface="Helvetica Neue" panose="02000503000000020004" pitchFamily="2" charset="0"/>
-                <a:ea typeface="+mn-lt"/>
-                <a:cs typeface="Segoe UI" panose="020B0502040204020203" pitchFamily="34" charset="0"/>
-              </a:rPr>
-              <a:t> phishing por </a:t>
-            </a:r>
-            <a:r>
-              <a:rPr lang="en-US" sz="3000" dirty="0" err="1">
-                <a:latin typeface="Helvetica Neue" panose="02000503000000020004" pitchFamily="2" charset="0"/>
-                <a:ea typeface="+mn-lt"/>
-                <a:cs typeface="Segoe UI" panose="020B0502040204020203" pitchFamily="34" charset="0"/>
-              </a:rPr>
-              <a:t>correo</a:t>
-            </a:r>
-            <a:r>
-              <a:rPr lang="en-US" sz="3000" dirty="0">
-                <a:latin typeface="Helvetica Neue" panose="02000503000000020004" pitchFamily="2" charset="0"/>
-                <a:ea typeface="+mn-lt"/>
-                <a:cs typeface="Segoe UI" panose="020B0502040204020203" pitchFamily="34" charset="0"/>
-              </a:rPr>
-              <a:t> </a:t>
-            </a:r>
-            <a:r>
-              <a:rPr lang="en-US" sz="3000" dirty="0" err="1">
-                <a:latin typeface="Helvetica Neue" panose="02000503000000020004" pitchFamily="2" charset="0"/>
-                <a:ea typeface="+mn-lt"/>
-                <a:cs typeface="Segoe UI" panose="020B0502040204020203" pitchFamily="34" charset="0"/>
-              </a:rPr>
-              <a:t>electrónico</a:t>
-            </a:r>
-            <a:r>
-              <a:rPr lang="en-US" sz="3000" dirty="0">
-                <a:latin typeface="Helvetica Neue" panose="02000503000000020004" pitchFamily="2" charset="0"/>
-                <a:ea typeface="+mn-lt"/>
-                <a:cs typeface="Segoe UI" panose="020B0502040204020203" pitchFamily="34" charset="0"/>
-              </a:rPr>
-              <a:t>, </a:t>
-            </a:r>
-            <a:r>
-              <a:rPr lang="en-US" sz="3000" dirty="0" err="1">
-                <a:latin typeface="Helvetica Neue" panose="02000503000000020004" pitchFamily="2" charset="0"/>
-                <a:ea typeface="+mn-lt"/>
-                <a:cs typeface="Segoe UI" panose="020B0502040204020203" pitchFamily="34" charset="0"/>
-              </a:rPr>
-              <a:t>llamadas</a:t>
-            </a:r>
-            <a:r>
-              <a:rPr lang="en-US" sz="3000" dirty="0">
-                <a:latin typeface="Helvetica Neue" panose="02000503000000020004" pitchFamily="2" charset="0"/>
-                <a:ea typeface="+mn-lt"/>
-                <a:cs typeface="Segoe UI" panose="020B0502040204020203" pitchFamily="34" charset="0"/>
-              </a:rPr>
-              <a:t> </a:t>
-            </a:r>
-            <a:r>
-              <a:rPr lang="en-US" sz="3000" dirty="0" err="1">
-                <a:latin typeface="Helvetica Neue" panose="02000503000000020004" pitchFamily="2" charset="0"/>
-                <a:ea typeface="+mn-lt"/>
-                <a:cs typeface="Segoe UI" panose="020B0502040204020203" pitchFamily="34" charset="0"/>
-              </a:rPr>
-              <a:t>telefónicas</a:t>
-            </a:r>
-            <a:r>
-              <a:rPr lang="en-US" sz="3000" dirty="0">
-                <a:latin typeface="Helvetica Neue" panose="02000503000000020004" pitchFamily="2" charset="0"/>
-                <a:ea typeface="+mn-lt"/>
-                <a:cs typeface="Segoe UI" panose="020B0502040204020203" pitchFamily="34" charset="0"/>
-              </a:rPr>
-              <a:t> e </a:t>
-            </a:r>
-            <a:r>
-              <a:rPr lang="en-US" sz="3000" dirty="0" err="1">
-                <a:latin typeface="Helvetica Neue" panose="02000503000000020004" pitchFamily="2" charset="0"/>
-                <a:ea typeface="+mn-lt"/>
-                <a:cs typeface="Segoe UI" panose="020B0502040204020203" pitchFamily="34" charset="0"/>
-              </a:rPr>
-              <a:t>intentos</a:t>
-            </a:r>
-            <a:r>
-              <a:rPr lang="en-US" sz="3000" dirty="0">
-                <a:latin typeface="Helvetica Neue" panose="02000503000000020004" pitchFamily="2" charset="0"/>
-                <a:ea typeface="+mn-lt"/>
-                <a:cs typeface="Segoe UI" panose="020B0502040204020203" pitchFamily="34" charset="0"/>
-              </a:rPr>
-              <a:t>, para </a:t>
-            </a:r>
-            <a:r>
-              <a:rPr lang="en-US" sz="3000" dirty="0" err="1">
-                <a:latin typeface="Helvetica Neue" panose="02000503000000020004" pitchFamily="2" charset="0"/>
-                <a:ea typeface="+mn-lt"/>
-                <a:cs typeface="Segoe UI" panose="020B0502040204020203" pitchFamily="34" charset="0"/>
-              </a:rPr>
-              <a:t>vulnerar</a:t>
-            </a:r>
-            <a:r>
-              <a:rPr lang="en-US" sz="3000" dirty="0">
-                <a:latin typeface="Helvetica Neue" panose="02000503000000020004" pitchFamily="2" charset="0"/>
-                <a:ea typeface="+mn-lt"/>
-                <a:cs typeface="Segoe UI" panose="020B0502040204020203" pitchFamily="34" charset="0"/>
-              </a:rPr>
-              <a:t> la </a:t>
-            </a:r>
-            <a:r>
-              <a:rPr lang="en-US" sz="3000" dirty="0" err="1">
-                <a:latin typeface="Helvetica Neue" panose="02000503000000020004" pitchFamily="2" charset="0"/>
-                <a:ea typeface="+mn-lt"/>
-                <a:cs typeface="Segoe UI" panose="020B0502040204020203" pitchFamily="34" charset="0"/>
-              </a:rPr>
-              <a:t>seguridad</a:t>
-            </a:r>
-            <a:r>
-              <a:rPr lang="en-US" sz="3000" dirty="0">
-                <a:latin typeface="Helvetica Neue" panose="02000503000000020004" pitchFamily="2" charset="0"/>
-                <a:ea typeface="+mn-lt"/>
-                <a:cs typeface="Segoe UI" panose="020B0502040204020203" pitchFamily="34" charset="0"/>
-              </a:rPr>
-              <a:t>.</a:t>
-            </a:r>
-            <a:endParaRPr lang="en-US" sz="3000" dirty="0">
-              <a:latin typeface="Helvetica Neue" panose="02000503000000020004" pitchFamily="2" charset="0"/>
-              <a:cs typeface="Segoe UI" panose="020B0502040204020203" pitchFamily="34" charset="0"/>
-            </a:endParaRPr>
-          </a:p>
-          <a:p>
-            <a:pPr marL="0" indent="0" algn="just">
-              <a:buNone/>
-            </a:pPr>
-            <a:endParaRPr lang="en-US" sz="3000" dirty="0">
+            <a:r>
+              <a:rPr lang="es-419" dirty="0">
+                <a:latin typeface="Helvetica Neue" panose="02000503000000020004" pitchFamily="2" charset="0"/>
+                <a:cs typeface="Segoe UI" panose="020B0502040204020203" pitchFamily="34" charset="0"/>
+              </a:rPr>
+              <a:t>Frecuencia de Contrase</a:t>
+            </a:r>
+            <a:r>
+              <a:rPr lang="en-US" dirty="0">
+                <a:latin typeface="Helvetica Neue" panose="02000503000000020004" pitchFamily="2" charset="0"/>
+                <a:cs typeface="Segoe UI" panose="020B0502040204020203" pitchFamily="34" charset="0"/>
+              </a:rPr>
+              <a:t>ñas</a:t>
+            </a:r>
+            <a:endParaRPr lang="es-419" dirty="0">
               <a:latin typeface="Helvetica Neue" panose="02000503000000020004" pitchFamily="2" charset="0"/>
               <a:cs typeface="Segoe UI" panose="020B0502040204020203" pitchFamily="34" charset="0"/>
             </a:endParaRPr>
@@ -4423,19 +4187,21 @@
       </p:sp>
       <p:pic>
         <p:nvPicPr>
-          <p:cNvPr id="5" name="Picture 4">
+          <p:cNvPr id="5" name="Content Placeholder 4">
             <a:extLst>
               <a:ext uri="{FF2B5EF4-FFF2-40B4-BE49-F238E27FC236}">
-                <a16:creationId xmlns:a16="http://schemas.microsoft.com/office/drawing/2014/main" id="{F5DB289B-5454-4E99-BAAA-79EED05B3C6D}"/>
+                <a16:creationId xmlns:a16="http://schemas.microsoft.com/office/drawing/2014/main" id="{9FE14E51-9C56-4616-9E6A-471B32548767}"/>
               </a:ext>
             </a:extLst>
           </p:cNvPr>
           <p:cNvPicPr>
-            <a:picLocks noChangeAspect="1"/>
+            <a:picLocks noGrp="1" noChangeAspect="1"/>
           </p:cNvPicPr>
-          <p:nvPr/>
+          <p:nvPr>
+            <p:ph idx="1"/>
+          </p:nvPr>
         </p:nvPicPr>
-        <p:blipFill rotWithShape="1">
+        <p:blipFill>
           <a:blip r:embed="rId2">
             <a:extLst>
               <a:ext uri="{28A0092B-C50C-407E-A947-70E740481C1C}">
@@ -4443,23 +4209,21 @@
               </a:ext>
             </a:extLst>
           </a:blip>
-          <a:srcRect l="32484" t="4358" r="29738" b="10577"/>
-          <a:stretch/>
+          <a:stretch>
+            <a:fillRect/>
+          </a:stretch>
         </p:blipFill>
         <p:spPr>
           <a:xfrm>
-            <a:off x="7717466" y="2707725"/>
-            <a:ext cx="3546748" cy="3586749"/>
-          </a:xfrm>
-          <a:prstGeom prst="rect">
-            <a:avLst/>
-          </a:prstGeom>
+            <a:off x="1153393" y="1919041"/>
+            <a:ext cx="9885214" cy="4938959"/>
+          </a:xfrm>
         </p:spPr>
       </p:pic>
     </p:spTree>
     <p:extLst>
       <p:ext uri="{BB962C8B-B14F-4D97-AF65-F5344CB8AC3E}">
-        <p14:creationId xmlns:p14="http://schemas.microsoft.com/office/powerpoint/2010/main" val="4283121069"/>
+        <p14:creationId xmlns:p14="http://schemas.microsoft.com/office/powerpoint/2010/main" val="4178791599"/>
       </p:ext>
     </p:extLst>
   </p:cSld>
@@ -4491,7 +4255,7 @@
           <p:cNvPr id="2" name="Title 1">
             <a:extLst>
               <a:ext uri="{FF2B5EF4-FFF2-40B4-BE49-F238E27FC236}">
-                <a16:creationId xmlns:a16="http://schemas.microsoft.com/office/drawing/2014/main" id="{747FCFD2-4BCC-4167-B165-A4A023F1F350}"/>
+                <a16:creationId xmlns:a16="http://schemas.microsoft.com/office/drawing/2014/main" id="{3930FF83-CD2D-4BF3-8416-1B2928005914}"/>
               </a:ext>
             </a:extLst>
           </p:cNvPr>
@@ -4507,48 +4271,351 @@
           <a:bodyPr/>
           <a:lstStyle/>
           <a:p>
-            <a:endParaRPr lang="es-419"/>
+            <a:pPr algn="ctr"/>
+            <a:r>
+              <a:rPr lang="en-US" dirty="0">
+                <a:latin typeface="Helvetica Neue" panose="02000503000000020004" pitchFamily="2" charset="0"/>
+                <a:cs typeface="Segoe UI" panose="020B0502040204020203" pitchFamily="34" charset="0"/>
+              </a:rPr>
+              <a:t>Ingenieria Social</a:t>
+            </a:r>
+          </a:p>
+        </p:txBody>
+      </p:sp>
+      <p:sp>
+        <p:nvSpPr>
+          <p:cNvPr id="3" name="Content Placeholder 2">
+            <a:extLst>
+              <a:ext uri="{FF2B5EF4-FFF2-40B4-BE49-F238E27FC236}">
+                <a16:creationId xmlns:a16="http://schemas.microsoft.com/office/drawing/2014/main" id="{A830869B-D30B-4B77-B9FB-12CC36982648}"/>
+              </a:ext>
+            </a:extLst>
+          </p:cNvPr>
+          <p:cNvSpPr>
+            <a:spLocks noGrp="1"/>
+          </p:cNvSpPr>
+          <p:nvPr>
+            <p:ph idx="1"/>
+          </p:nvPr>
+        </p:nvSpPr>
+        <p:spPr>
+          <a:xfrm>
+            <a:off x="838200" y="2847687"/>
+            <a:ext cx="6221819" cy="3278405"/>
+          </a:xfrm>
+        </p:spPr>
+        <p:txBody>
+          <a:bodyPr vert="horz" lIns="91440" tIns="45720" rIns="91440" bIns="45720" rtlCol="0" anchor="t">
+            <a:normAutofit/>
+          </a:bodyPr>
+          <a:lstStyle/>
+          <a:p>
+            <a:pPr marL="0" indent="0" algn="just">
+              <a:buNone/>
+            </a:pPr>
+            <a:r>
+              <a:rPr lang="en-US" sz="3000" dirty="0">
+                <a:latin typeface="Helvetica Neue" panose="02000503000000020004" pitchFamily="2" charset="0"/>
+                <a:ea typeface="+mn-lt"/>
+                <a:cs typeface="Segoe UI" panose="020B0502040204020203" pitchFamily="34" charset="0"/>
+              </a:rPr>
+              <a:t>Las </a:t>
+            </a:r>
+            <a:r>
+              <a:rPr lang="en-US" sz="3000" dirty="0" err="1">
+                <a:latin typeface="Helvetica Neue" panose="02000503000000020004" pitchFamily="2" charset="0"/>
+                <a:ea typeface="+mn-lt"/>
+                <a:cs typeface="Segoe UI" panose="020B0502040204020203" pitchFamily="34" charset="0"/>
+              </a:rPr>
+              <a:t>pruebas</a:t>
+            </a:r>
+            <a:r>
+              <a:rPr lang="en-US" sz="3000" dirty="0">
+                <a:latin typeface="Helvetica Neue" panose="02000503000000020004" pitchFamily="2" charset="0"/>
+                <a:ea typeface="+mn-lt"/>
+                <a:cs typeface="Segoe UI" panose="020B0502040204020203" pitchFamily="34" charset="0"/>
+              </a:rPr>
+              <a:t> de </a:t>
+            </a:r>
+            <a:r>
+              <a:rPr lang="en-US" sz="3000" dirty="0" err="1">
+                <a:latin typeface="Helvetica Neue" panose="02000503000000020004" pitchFamily="2" charset="0"/>
+                <a:ea typeface="+mn-lt"/>
+                <a:cs typeface="Segoe UI" panose="020B0502040204020203" pitchFamily="34" charset="0"/>
+              </a:rPr>
+              <a:t>ingeniería</a:t>
+            </a:r>
+            <a:r>
+              <a:rPr lang="en-US" sz="3000" dirty="0">
+                <a:latin typeface="Helvetica Neue" panose="02000503000000020004" pitchFamily="2" charset="0"/>
+                <a:ea typeface="+mn-lt"/>
+                <a:cs typeface="Segoe UI" panose="020B0502040204020203" pitchFamily="34" charset="0"/>
+              </a:rPr>
+              <a:t> social de </a:t>
+            </a:r>
+            <a:r>
+              <a:rPr lang="en-US" sz="3000" dirty="0" err="1">
+                <a:latin typeface="Helvetica Neue" panose="02000503000000020004" pitchFamily="2" charset="0"/>
+                <a:ea typeface="+mn-lt"/>
+                <a:cs typeface="Segoe UI" panose="020B0502040204020203" pitchFamily="34" charset="0"/>
+              </a:rPr>
+              <a:t>RedTeam</a:t>
+            </a:r>
+            <a:r>
+              <a:rPr lang="en-US" sz="3000" dirty="0">
+                <a:latin typeface="Helvetica Neue" panose="02000503000000020004" pitchFamily="2" charset="0"/>
+                <a:ea typeface="+mn-lt"/>
+                <a:cs typeface="Segoe UI" panose="020B0502040204020203" pitchFamily="34" charset="0"/>
+              </a:rPr>
+              <a:t> </a:t>
+            </a:r>
+            <a:r>
+              <a:rPr lang="en-US" sz="3000" dirty="0" err="1">
+                <a:latin typeface="Helvetica Neue" panose="02000503000000020004" pitchFamily="2" charset="0"/>
+                <a:ea typeface="+mn-lt"/>
+                <a:cs typeface="Segoe UI" panose="020B0502040204020203" pitchFamily="34" charset="0"/>
+              </a:rPr>
+              <a:t>evalúan</a:t>
+            </a:r>
+            <a:r>
+              <a:rPr lang="en-US" sz="3000" dirty="0">
+                <a:latin typeface="Helvetica Neue" panose="02000503000000020004" pitchFamily="2" charset="0"/>
+                <a:ea typeface="+mn-lt"/>
+                <a:cs typeface="Segoe UI" panose="020B0502040204020203" pitchFamily="34" charset="0"/>
+              </a:rPr>
+              <a:t> a </a:t>
+            </a:r>
+            <a:r>
+              <a:rPr lang="en-US" sz="3000" dirty="0" err="1">
+                <a:latin typeface="Helvetica Neue" panose="02000503000000020004" pitchFamily="2" charset="0"/>
+                <a:ea typeface="+mn-lt"/>
+                <a:cs typeface="Segoe UI" panose="020B0502040204020203" pitchFamily="34" charset="0"/>
+              </a:rPr>
+              <a:t>su</a:t>
+            </a:r>
+            <a:r>
+              <a:rPr lang="en-US" sz="3000" dirty="0">
+                <a:latin typeface="Helvetica Neue" panose="02000503000000020004" pitchFamily="2" charset="0"/>
+                <a:ea typeface="+mn-lt"/>
+                <a:cs typeface="Segoe UI" panose="020B0502040204020203" pitchFamily="34" charset="0"/>
+              </a:rPr>
+              <a:t> personal, </a:t>
+            </a:r>
+            <a:r>
+              <a:rPr lang="es-419" sz="3000" dirty="0">
+                <a:latin typeface="Helvetica Neue" panose="02000503000000020004" pitchFamily="2" charset="0"/>
+                <a:ea typeface="+mn-lt"/>
+                <a:cs typeface="Segoe UI" panose="020B0502040204020203" pitchFamily="34" charset="0"/>
+              </a:rPr>
+              <a:t>procesos</a:t>
+            </a:r>
+            <a:r>
+              <a:rPr lang="en-US" sz="3000" dirty="0">
+                <a:latin typeface="Helvetica Neue" panose="02000503000000020004" pitchFamily="2" charset="0"/>
+                <a:ea typeface="+mn-lt"/>
+                <a:cs typeface="Segoe UI" panose="020B0502040204020203" pitchFamily="34" charset="0"/>
+              </a:rPr>
+              <a:t> y </a:t>
+            </a:r>
+            <a:r>
+              <a:rPr lang="en-US" sz="3000" dirty="0" err="1">
+                <a:latin typeface="Helvetica Neue" panose="02000503000000020004" pitchFamily="2" charset="0"/>
+                <a:ea typeface="+mn-lt"/>
+                <a:cs typeface="Segoe UI" panose="020B0502040204020203" pitchFamily="34" charset="0"/>
+              </a:rPr>
+              <a:t>procedimientos</a:t>
+            </a:r>
+            <a:r>
+              <a:rPr lang="en-US" sz="3000" dirty="0">
+                <a:latin typeface="Helvetica Neue" panose="02000503000000020004" pitchFamily="2" charset="0"/>
+                <a:ea typeface="+mn-lt"/>
+                <a:cs typeface="Segoe UI" panose="020B0502040204020203" pitchFamily="34" charset="0"/>
+              </a:rPr>
+              <a:t> </a:t>
+            </a:r>
+            <a:r>
+              <a:rPr lang="en-US" sz="3000" dirty="0" err="1">
+                <a:latin typeface="Helvetica Neue" panose="02000503000000020004" pitchFamily="2" charset="0"/>
+                <a:ea typeface="+mn-lt"/>
+                <a:cs typeface="Segoe UI" panose="020B0502040204020203" pitchFamily="34" charset="0"/>
+              </a:rPr>
+              <a:t>mediante</a:t>
+            </a:r>
+            <a:r>
+              <a:rPr lang="en-US" sz="3000" dirty="0">
+                <a:latin typeface="Helvetica Neue" panose="02000503000000020004" pitchFamily="2" charset="0"/>
+                <a:ea typeface="+mn-lt"/>
+                <a:cs typeface="Segoe UI" panose="020B0502040204020203" pitchFamily="34" charset="0"/>
+              </a:rPr>
+              <a:t> phishing por </a:t>
+            </a:r>
+            <a:r>
+              <a:rPr lang="en-US" sz="3000" dirty="0" err="1">
+                <a:latin typeface="Helvetica Neue" panose="02000503000000020004" pitchFamily="2" charset="0"/>
+                <a:ea typeface="+mn-lt"/>
+                <a:cs typeface="Segoe UI" panose="020B0502040204020203" pitchFamily="34" charset="0"/>
+              </a:rPr>
+              <a:t>correo</a:t>
+            </a:r>
+            <a:r>
+              <a:rPr lang="en-US" sz="3000" dirty="0">
+                <a:latin typeface="Helvetica Neue" panose="02000503000000020004" pitchFamily="2" charset="0"/>
+                <a:ea typeface="+mn-lt"/>
+                <a:cs typeface="Segoe UI" panose="020B0502040204020203" pitchFamily="34" charset="0"/>
+              </a:rPr>
+              <a:t> </a:t>
+            </a:r>
+            <a:r>
+              <a:rPr lang="en-US" sz="3000" dirty="0" err="1">
+                <a:latin typeface="Helvetica Neue" panose="02000503000000020004" pitchFamily="2" charset="0"/>
+                <a:ea typeface="+mn-lt"/>
+                <a:cs typeface="Segoe UI" panose="020B0502040204020203" pitchFamily="34" charset="0"/>
+              </a:rPr>
+              <a:t>electrónico</a:t>
+            </a:r>
+            <a:r>
+              <a:rPr lang="en-US" sz="3000" dirty="0">
+                <a:latin typeface="Helvetica Neue" panose="02000503000000020004" pitchFamily="2" charset="0"/>
+                <a:ea typeface="+mn-lt"/>
+                <a:cs typeface="Segoe UI" panose="020B0502040204020203" pitchFamily="34" charset="0"/>
+              </a:rPr>
+              <a:t>, </a:t>
+            </a:r>
+            <a:r>
+              <a:rPr lang="en-US" sz="3000" dirty="0" err="1">
+                <a:latin typeface="Helvetica Neue" panose="02000503000000020004" pitchFamily="2" charset="0"/>
+                <a:ea typeface="+mn-lt"/>
+                <a:cs typeface="Segoe UI" panose="020B0502040204020203" pitchFamily="34" charset="0"/>
+              </a:rPr>
+              <a:t>llamadas</a:t>
+            </a:r>
+            <a:r>
+              <a:rPr lang="en-US" sz="3000" dirty="0">
+                <a:latin typeface="Helvetica Neue" panose="02000503000000020004" pitchFamily="2" charset="0"/>
+                <a:ea typeface="+mn-lt"/>
+                <a:cs typeface="Segoe UI" panose="020B0502040204020203" pitchFamily="34" charset="0"/>
+              </a:rPr>
+              <a:t> </a:t>
+            </a:r>
+            <a:r>
+              <a:rPr lang="en-US" sz="3000" dirty="0" err="1">
+                <a:latin typeface="Helvetica Neue" panose="02000503000000020004" pitchFamily="2" charset="0"/>
+                <a:ea typeface="+mn-lt"/>
+                <a:cs typeface="Segoe UI" panose="020B0502040204020203" pitchFamily="34" charset="0"/>
+              </a:rPr>
+              <a:t>telefónicas</a:t>
+            </a:r>
+            <a:r>
+              <a:rPr lang="en-US" sz="3000" dirty="0">
+                <a:latin typeface="Helvetica Neue" panose="02000503000000020004" pitchFamily="2" charset="0"/>
+                <a:ea typeface="+mn-lt"/>
+                <a:cs typeface="Segoe UI" panose="020B0502040204020203" pitchFamily="34" charset="0"/>
+              </a:rPr>
+              <a:t> e </a:t>
+            </a:r>
+            <a:r>
+              <a:rPr lang="en-US" sz="3000" dirty="0" err="1">
+                <a:latin typeface="Helvetica Neue" panose="02000503000000020004" pitchFamily="2" charset="0"/>
+                <a:ea typeface="+mn-lt"/>
+                <a:cs typeface="Segoe UI" panose="020B0502040204020203" pitchFamily="34" charset="0"/>
+              </a:rPr>
+              <a:t>intentos</a:t>
+            </a:r>
+            <a:r>
+              <a:rPr lang="en-US" sz="3000" dirty="0">
+                <a:latin typeface="Helvetica Neue" panose="02000503000000020004" pitchFamily="2" charset="0"/>
+                <a:ea typeface="+mn-lt"/>
+                <a:cs typeface="Segoe UI" panose="020B0502040204020203" pitchFamily="34" charset="0"/>
+              </a:rPr>
+              <a:t>, para </a:t>
+            </a:r>
+            <a:r>
+              <a:rPr lang="en-US" sz="3000" dirty="0" err="1">
+                <a:latin typeface="Helvetica Neue" panose="02000503000000020004" pitchFamily="2" charset="0"/>
+                <a:ea typeface="+mn-lt"/>
+                <a:cs typeface="Segoe UI" panose="020B0502040204020203" pitchFamily="34" charset="0"/>
+              </a:rPr>
+              <a:t>vulnerar</a:t>
+            </a:r>
+            <a:r>
+              <a:rPr lang="en-US" sz="3000" dirty="0">
+                <a:latin typeface="Helvetica Neue" panose="02000503000000020004" pitchFamily="2" charset="0"/>
+                <a:ea typeface="+mn-lt"/>
+                <a:cs typeface="Segoe UI" panose="020B0502040204020203" pitchFamily="34" charset="0"/>
+              </a:rPr>
+              <a:t> la </a:t>
+            </a:r>
+            <a:r>
+              <a:rPr lang="en-US" sz="3000" dirty="0" err="1">
+                <a:latin typeface="Helvetica Neue" panose="02000503000000020004" pitchFamily="2" charset="0"/>
+                <a:ea typeface="+mn-lt"/>
+                <a:cs typeface="Segoe UI" panose="020B0502040204020203" pitchFamily="34" charset="0"/>
+              </a:rPr>
+              <a:t>seguridad</a:t>
+            </a:r>
+            <a:r>
+              <a:rPr lang="en-US" sz="3000" dirty="0">
+                <a:latin typeface="Helvetica Neue" panose="02000503000000020004" pitchFamily="2" charset="0"/>
+                <a:ea typeface="+mn-lt"/>
+                <a:cs typeface="Segoe UI" panose="020B0502040204020203" pitchFamily="34" charset="0"/>
+              </a:rPr>
+              <a:t>.</a:t>
+            </a:r>
+            <a:endParaRPr lang="en-US" sz="3000" dirty="0">
+              <a:latin typeface="Helvetica Neue" panose="02000503000000020004" pitchFamily="2" charset="0"/>
+              <a:cs typeface="Segoe UI" panose="020B0502040204020203" pitchFamily="34" charset="0"/>
+            </a:endParaRPr>
+          </a:p>
+          <a:p>
+            <a:pPr marL="0" indent="0" algn="just">
+              <a:buNone/>
+            </a:pPr>
+            <a:endParaRPr lang="en-US" sz="3000" dirty="0">
+              <a:latin typeface="Helvetica Neue" panose="02000503000000020004" pitchFamily="2" charset="0"/>
+              <a:cs typeface="Segoe UI" panose="020B0502040204020203" pitchFamily="34" charset="0"/>
+            </a:endParaRPr>
           </a:p>
         </p:txBody>
       </p:sp>
       <p:pic>
         <p:nvPicPr>
-          <p:cNvPr id="5" name="Content Placeholder 4">
+          <p:cNvPr id="5" name="Picture 4">
             <a:extLst>
               <a:ext uri="{FF2B5EF4-FFF2-40B4-BE49-F238E27FC236}">
-                <a16:creationId xmlns:a16="http://schemas.microsoft.com/office/drawing/2014/main" id="{3B6D05A5-1DD7-481E-9955-CD4E2FF7ADE3}"/>
+                <a16:creationId xmlns:a16="http://schemas.microsoft.com/office/drawing/2014/main" id="{F5DB289B-5454-4E99-BAAA-79EED05B3C6D}"/>
               </a:ext>
             </a:extLst>
           </p:cNvPr>
           <p:cNvPicPr>
-            <a:picLocks noGrp="1" noChangeAspect="1"/>
+            <a:picLocks noChangeAspect="1"/>
           </p:cNvPicPr>
-          <p:nvPr>
-            <p:ph idx="1"/>
-          </p:nvPr>
+          <p:nvPr/>
         </p:nvPicPr>
         <p:blipFill rotWithShape="1">
-          <a:blip r:embed="rId2" cstate="print">
+          <a:blip r:embed="rId2">
             <a:extLst>
               <a:ext uri="{28A0092B-C50C-407E-A947-70E740481C1C}">
                 <a14:useLocalDpi xmlns:a14="http://schemas.microsoft.com/office/drawing/2010/main" val="0"/>
               </a:ext>
             </a:extLst>
           </a:blip>
-          <a:srcRect t="8681" b="9394"/>
+          <a:srcRect l="32484" t="4358" r="29738" b="10577"/>
           <a:stretch/>
         </p:blipFill>
         <p:spPr>
           <a:xfrm>
-            <a:off x="586939" y="1265273"/>
-            <a:ext cx="11018121" cy="5592727"/>
-          </a:xfrm>
+            <a:off x="7717466" y="2707725"/>
+            <a:ext cx="3546748" cy="3586749"/>
+          </a:xfrm>
+          <a:prstGeom prst="rect">
+            <a:avLst/>
+          </a:prstGeom>
         </p:spPr>
       </p:pic>
     </p:spTree>
     <p:extLst>
       <p:ext uri="{BB962C8B-B14F-4D97-AF65-F5344CB8AC3E}">
-        <p14:creationId xmlns:p14="http://schemas.microsoft.com/office/powerpoint/2010/main" val="2774884468"/>
+        <p14:creationId xmlns:p14="http://schemas.microsoft.com/office/powerpoint/2010/main" val="4283121069"/>
       </p:ext>
     </p:extLst>
   </p:cSld>
@@ -4580,7 +4647,7 @@
           <p:cNvPr id="2" name="Title 1">
             <a:extLst>
               <a:ext uri="{FF2B5EF4-FFF2-40B4-BE49-F238E27FC236}">
-                <a16:creationId xmlns:a16="http://schemas.microsoft.com/office/drawing/2014/main" id="{694FE364-D2F4-4131-B099-274086954428}"/>
+                <a16:creationId xmlns:a16="http://schemas.microsoft.com/office/drawing/2014/main" id="{2522EB5B-E585-4A37-A81C-0244599239A3}"/>
               </a:ext>
             </a:extLst>
           </p:cNvPr>
@@ -4591,28 +4658,18 @@
             <p:ph type="title"/>
           </p:nvPr>
         </p:nvSpPr>
-        <p:spPr>
-          <a:xfrm>
-            <a:off x="838200" y="978126"/>
-            <a:ext cx="10515600" cy="1325563"/>
-          </a:xfrm>
-        </p:spPr>
+        <p:spPr/>
         <p:txBody>
           <a:bodyPr/>
           <a:lstStyle/>
           <a:p>
-            <a:pPr algn="ctr"/>
-            <a:r>
-              <a:rPr lang="en-US" dirty="0" err="1">
-                <a:latin typeface="Helvetica Neue" panose="02000503000000020004" pitchFamily="2" charset="0"/>
-                <a:cs typeface="Segoe UI" panose="020B0502040204020203" pitchFamily="34" charset="0"/>
-              </a:rPr>
-              <a:t>Objetivos</a:t>
-            </a:r>
-            <a:endParaRPr lang="en-US" dirty="0">
-              <a:latin typeface="Helvetica Neue" panose="02000503000000020004" pitchFamily="2" charset="0"/>
-              <a:cs typeface="Segoe UI" panose="020B0502040204020203" pitchFamily="34" charset="0"/>
-            </a:endParaRPr>
+            <a:r>
+              <a:rPr lang="es-419" dirty="0">
+                <a:latin typeface="Helvetica Neue" panose="02000503000000020004" pitchFamily="2" charset="0"/>
+                <a:cs typeface="Segoe UI" panose="020B0502040204020203" pitchFamily="34" charset="0"/>
+              </a:rPr>
+              <a:t>Phishing: </a:t>
+            </a:r>
           </a:p>
         </p:txBody>
       </p:sp>
@@ -4621,7 +4678,7 @@
           <p:cNvPr id="3" name="Content Placeholder 2">
             <a:extLst>
               <a:ext uri="{FF2B5EF4-FFF2-40B4-BE49-F238E27FC236}">
-                <a16:creationId xmlns:a16="http://schemas.microsoft.com/office/drawing/2014/main" id="{2CC2B831-8220-4A36-93D7-F8F24BDC8E10}"/>
+                <a16:creationId xmlns:a16="http://schemas.microsoft.com/office/drawing/2014/main" id="{EDA61133-D73E-46A7-B613-8957BE7FA407}"/>
               </a:ext>
             </a:extLst>
           </p:cNvPr>
@@ -4634,488 +4691,27 @@
         </p:nvSpPr>
         <p:spPr>
           <a:xfrm>
-            <a:off x="753141" y="2385757"/>
-            <a:ext cx="6019800" cy="4195795"/>
+            <a:off x="6475229" y="2707725"/>
+            <a:ext cx="4878572" cy="3828726"/>
           </a:xfrm>
         </p:spPr>
         <p:txBody>
-          <a:bodyPr vert="horz" lIns="91440" tIns="45720" rIns="91440" bIns="45720" rtlCol="0" anchor="t">
-            <a:normAutofit fontScale="85000" lnSpcReduction="20000"/>
+          <a:bodyPr>
+            <a:normAutofit lnSpcReduction="10000"/>
           </a:bodyPr>
           <a:lstStyle/>
           <a:p>
-            <a:pPr>
-              <a:buFont typeface="Wingdings" panose="05000000000000000000" pitchFamily="2" charset="2"/>
-              <a:buChar char="ü"/>
+            <a:pPr marL="0" indent="0" algn="just">
+              <a:buNone/>
             </a:pPr>
             <a:r>
-              <a:rPr lang="en-US" dirty="0">
-                <a:latin typeface="Helvetica Neue" panose="02000503000000020004" pitchFamily="2" charset="0"/>
-                <a:ea typeface="+mn-lt"/>
-                <a:cs typeface="Segoe UI" panose="020B0502040204020203" pitchFamily="34" charset="0"/>
-              </a:rPr>
-              <a:t> </a:t>
-            </a:r>
-            <a:r>
-              <a:rPr lang="en-US" dirty="0" err="1">
-                <a:latin typeface="Helvetica Neue" panose="02000503000000020004" pitchFamily="2" charset="0"/>
-                <a:ea typeface="+mn-lt"/>
-                <a:cs typeface="Segoe UI" panose="020B0502040204020203" pitchFamily="34" charset="0"/>
-              </a:rPr>
-              <a:t>Demostrar</a:t>
-            </a:r>
-            <a:r>
-              <a:rPr lang="en-US" dirty="0">
-                <a:latin typeface="Helvetica Neue" panose="02000503000000020004" pitchFamily="2" charset="0"/>
-                <a:ea typeface="+mn-lt"/>
-                <a:cs typeface="Segoe UI" panose="020B0502040204020203" pitchFamily="34" charset="0"/>
-              </a:rPr>
-              <a:t> la </a:t>
-            </a:r>
-            <a:r>
-              <a:rPr lang="en-US" dirty="0" err="1">
-                <a:latin typeface="Helvetica Neue" panose="02000503000000020004" pitchFamily="2" charset="0"/>
-                <a:ea typeface="+mn-lt"/>
-                <a:cs typeface="Segoe UI" panose="020B0502040204020203" pitchFamily="34" charset="0"/>
-              </a:rPr>
-              <a:t>vulnerabilidad</a:t>
-            </a:r>
-            <a:r>
-              <a:rPr lang="en-US" dirty="0">
-                <a:latin typeface="Helvetica Neue" panose="02000503000000020004" pitchFamily="2" charset="0"/>
-                <a:ea typeface="+mn-lt"/>
-                <a:cs typeface="Segoe UI" panose="020B0502040204020203" pitchFamily="34" charset="0"/>
-              </a:rPr>
-              <a:t> de la </a:t>
-            </a:r>
-            <a:r>
-              <a:rPr lang="en-US" dirty="0" err="1">
-                <a:latin typeface="Helvetica Neue" panose="02000503000000020004" pitchFamily="2" charset="0"/>
-                <a:ea typeface="+mn-lt"/>
-                <a:cs typeface="Segoe UI" panose="020B0502040204020203" pitchFamily="34" charset="0"/>
-              </a:rPr>
-              <a:t>universidad</a:t>
-            </a:r>
-            <a:r>
-              <a:rPr lang="en-US" dirty="0">
-                <a:latin typeface="Helvetica Neue" panose="02000503000000020004" pitchFamily="2" charset="0"/>
-                <a:ea typeface="+mn-lt"/>
-                <a:cs typeface="Segoe UI" panose="020B0502040204020203" pitchFamily="34" charset="0"/>
-              </a:rPr>
-              <a:t> </a:t>
-            </a:r>
-            <a:r>
-              <a:rPr lang="en-US" dirty="0" err="1">
-                <a:latin typeface="Helvetica Neue" panose="02000503000000020004" pitchFamily="2" charset="0"/>
-                <a:ea typeface="+mn-lt"/>
-                <a:cs typeface="Segoe UI" panose="020B0502040204020203" pitchFamily="34" charset="0"/>
-              </a:rPr>
-              <a:t>frente</a:t>
-            </a:r>
-            <a:r>
-              <a:rPr lang="en-US" dirty="0">
-                <a:latin typeface="Helvetica Neue" panose="02000503000000020004" pitchFamily="2" charset="0"/>
-                <a:ea typeface="+mn-lt"/>
-                <a:cs typeface="Segoe UI" panose="020B0502040204020203" pitchFamily="34" charset="0"/>
-              </a:rPr>
-              <a:t> a </a:t>
-            </a:r>
-            <a:r>
-              <a:rPr lang="en-US" dirty="0" err="1">
-                <a:latin typeface="Helvetica Neue" panose="02000503000000020004" pitchFamily="2" charset="0"/>
-                <a:ea typeface="+mn-lt"/>
-                <a:cs typeface="Segoe UI" panose="020B0502040204020203" pitchFamily="34" charset="0"/>
-              </a:rPr>
-              <a:t>ataques</a:t>
-            </a:r>
-            <a:r>
-              <a:rPr lang="en-US" dirty="0">
-                <a:latin typeface="Helvetica Neue" panose="02000503000000020004" pitchFamily="2" charset="0"/>
-                <a:ea typeface="+mn-lt"/>
-                <a:cs typeface="Segoe UI" panose="020B0502040204020203" pitchFamily="34" charset="0"/>
-              </a:rPr>
-              <a:t> de phishing.</a:t>
-            </a:r>
-            <a:br>
-              <a:rPr lang="en-US" dirty="0">
-                <a:latin typeface="Helvetica Neue" panose="02000503000000020004" pitchFamily="2" charset="0"/>
-                <a:ea typeface="+mn-lt"/>
-                <a:cs typeface="Segoe UI" panose="020B0502040204020203" pitchFamily="34" charset="0"/>
-              </a:rPr>
-            </a:br>
-            <a:endParaRPr lang="en-US" dirty="0">
-              <a:latin typeface="Helvetica Neue" panose="02000503000000020004" pitchFamily="2" charset="0"/>
-              <a:cs typeface="Segoe UI" panose="020B0502040204020203" pitchFamily="34" charset="0"/>
-            </a:endParaRPr>
-          </a:p>
-          <a:p>
-            <a:pPr>
-              <a:buFont typeface="Wingdings" panose="05000000000000000000" pitchFamily="2" charset="2"/>
-              <a:buChar char="ü"/>
-            </a:pPr>
-            <a:r>
-              <a:rPr lang="en-US" dirty="0">
-                <a:latin typeface="Helvetica Neue" panose="02000503000000020004" pitchFamily="2" charset="0"/>
-                <a:ea typeface="+mn-lt"/>
-                <a:cs typeface="Segoe UI" panose="020B0502040204020203" pitchFamily="34" charset="0"/>
-              </a:rPr>
-              <a:t> </a:t>
-            </a:r>
-            <a:r>
-              <a:rPr lang="en-US" dirty="0" err="1">
-                <a:latin typeface="Helvetica Neue" panose="02000503000000020004" pitchFamily="2" charset="0"/>
-                <a:ea typeface="+mn-lt"/>
-                <a:cs typeface="Segoe UI" panose="020B0502040204020203" pitchFamily="34" charset="0"/>
-              </a:rPr>
-              <a:t>Utilizar</a:t>
-            </a:r>
-            <a:r>
-              <a:rPr lang="en-US" dirty="0">
-                <a:latin typeface="Helvetica Neue" panose="02000503000000020004" pitchFamily="2" charset="0"/>
-                <a:ea typeface="+mn-lt"/>
-                <a:cs typeface="Segoe UI" panose="020B0502040204020203" pitchFamily="34" charset="0"/>
-              </a:rPr>
-              <a:t> </a:t>
-            </a:r>
-            <a:r>
-              <a:rPr lang="en-US" dirty="0" err="1">
-                <a:latin typeface="Helvetica Neue" panose="02000503000000020004" pitchFamily="2" charset="0"/>
-                <a:ea typeface="+mn-lt"/>
-                <a:cs typeface="Segoe UI" panose="020B0502040204020203" pitchFamily="34" charset="0"/>
-              </a:rPr>
-              <a:t>diversas</a:t>
-            </a:r>
-            <a:r>
-              <a:rPr lang="en-US" dirty="0">
-                <a:latin typeface="Helvetica Neue" panose="02000503000000020004" pitchFamily="2" charset="0"/>
-                <a:ea typeface="+mn-lt"/>
-                <a:cs typeface="Segoe UI" panose="020B0502040204020203" pitchFamily="34" charset="0"/>
-              </a:rPr>
-              <a:t> </a:t>
-            </a:r>
-            <a:r>
-              <a:rPr lang="en-US" dirty="0" err="1">
-                <a:latin typeface="Helvetica Neue" panose="02000503000000020004" pitchFamily="2" charset="0"/>
-                <a:ea typeface="+mn-lt"/>
-                <a:cs typeface="Segoe UI" panose="020B0502040204020203" pitchFamily="34" charset="0"/>
-              </a:rPr>
-              <a:t>técnicas</a:t>
-            </a:r>
-            <a:r>
-              <a:rPr lang="en-US" dirty="0">
-                <a:latin typeface="Helvetica Neue" panose="02000503000000020004" pitchFamily="2" charset="0"/>
-                <a:ea typeface="+mn-lt"/>
-                <a:cs typeface="Segoe UI" panose="020B0502040204020203" pitchFamily="34" charset="0"/>
-              </a:rPr>
-              <a:t> de </a:t>
-            </a:r>
-            <a:r>
-              <a:rPr lang="en-US" dirty="0" err="1">
-                <a:latin typeface="Helvetica Neue" panose="02000503000000020004" pitchFamily="2" charset="0"/>
-                <a:ea typeface="+mn-lt"/>
-                <a:cs typeface="Segoe UI" panose="020B0502040204020203" pitchFamily="34" charset="0"/>
-              </a:rPr>
-              <a:t>ingeniería</a:t>
-            </a:r>
-            <a:r>
-              <a:rPr lang="en-US" dirty="0">
-                <a:latin typeface="Helvetica Neue" panose="02000503000000020004" pitchFamily="2" charset="0"/>
-                <a:ea typeface="+mn-lt"/>
-                <a:cs typeface="Segoe UI" panose="020B0502040204020203" pitchFamily="34" charset="0"/>
-              </a:rPr>
-              <a:t> social.</a:t>
-            </a:r>
-            <a:br>
-              <a:rPr lang="en-US" dirty="0">
-                <a:latin typeface="Helvetica Neue" panose="02000503000000020004" pitchFamily="2" charset="0"/>
-                <a:ea typeface="+mn-lt"/>
-                <a:cs typeface="Segoe UI" panose="020B0502040204020203" pitchFamily="34" charset="0"/>
-              </a:rPr>
-            </a:br>
-            <a:endParaRPr lang="en-US" dirty="0">
-              <a:latin typeface="Helvetica Neue" panose="02000503000000020004" pitchFamily="2" charset="0"/>
-              <a:cs typeface="Segoe UI" panose="020B0502040204020203" pitchFamily="34" charset="0"/>
-            </a:endParaRPr>
-          </a:p>
-          <a:p>
-            <a:pPr>
-              <a:buFont typeface="Wingdings" panose="05000000000000000000" pitchFamily="2" charset="2"/>
-              <a:buChar char="ü"/>
-            </a:pPr>
-            <a:r>
-              <a:rPr lang="en-US" dirty="0">
-                <a:latin typeface="Helvetica Neue" panose="02000503000000020004" pitchFamily="2" charset="0"/>
-                <a:ea typeface="+mn-lt"/>
-                <a:cs typeface="Segoe UI" panose="020B0502040204020203" pitchFamily="34" charset="0"/>
-              </a:rPr>
-              <a:t> </a:t>
-            </a:r>
-            <a:r>
-              <a:rPr lang="en-US" dirty="0" err="1">
-                <a:latin typeface="Helvetica Neue" panose="02000503000000020004" pitchFamily="2" charset="0"/>
-                <a:ea typeface="+mn-lt"/>
-                <a:cs typeface="Segoe UI" panose="020B0502040204020203" pitchFamily="34" charset="0"/>
-              </a:rPr>
-              <a:t>Analizar</a:t>
-            </a:r>
-            <a:r>
-              <a:rPr lang="en-US" dirty="0">
-                <a:latin typeface="Helvetica Neue" panose="02000503000000020004" pitchFamily="2" charset="0"/>
-                <a:ea typeface="+mn-lt"/>
-                <a:cs typeface="Segoe UI" panose="020B0502040204020203" pitchFamily="34" charset="0"/>
-              </a:rPr>
-              <a:t> los </a:t>
-            </a:r>
-            <a:r>
-              <a:rPr lang="en-US" dirty="0" err="1">
-                <a:latin typeface="Helvetica Neue" panose="02000503000000020004" pitchFamily="2" charset="0"/>
-                <a:ea typeface="+mn-lt"/>
-                <a:cs typeface="Segoe UI" panose="020B0502040204020203" pitchFamily="34" charset="0"/>
-              </a:rPr>
-              <a:t>datos</a:t>
-            </a:r>
-            <a:r>
-              <a:rPr lang="en-US" dirty="0">
-                <a:latin typeface="Helvetica Neue" panose="02000503000000020004" pitchFamily="2" charset="0"/>
-                <a:ea typeface="+mn-lt"/>
-                <a:cs typeface="Segoe UI" panose="020B0502040204020203" pitchFamily="34" charset="0"/>
-              </a:rPr>
-              <a:t> </a:t>
-            </a:r>
-            <a:r>
-              <a:rPr lang="en-US" dirty="0" err="1">
-                <a:latin typeface="Helvetica Neue" panose="02000503000000020004" pitchFamily="2" charset="0"/>
-                <a:ea typeface="+mn-lt"/>
-                <a:cs typeface="Segoe UI" panose="020B0502040204020203" pitchFamily="34" charset="0"/>
-              </a:rPr>
-              <a:t>recolectados</a:t>
-            </a:r>
-            <a:r>
-              <a:rPr lang="en-US" dirty="0">
-                <a:latin typeface="Helvetica Neue" panose="02000503000000020004" pitchFamily="2" charset="0"/>
-                <a:ea typeface="+mn-lt"/>
-                <a:cs typeface="Segoe UI" panose="020B0502040204020203" pitchFamily="34" charset="0"/>
-              </a:rPr>
-              <a:t> </a:t>
-            </a:r>
-            <a:r>
-              <a:rPr lang="en-US" dirty="0" err="1">
-                <a:latin typeface="Helvetica Neue" panose="02000503000000020004" pitchFamily="2" charset="0"/>
-                <a:ea typeface="+mn-lt"/>
-                <a:cs typeface="Segoe UI" panose="020B0502040204020203" pitchFamily="34" charset="0"/>
-              </a:rPr>
-              <a:t>en</a:t>
-            </a:r>
-            <a:r>
-              <a:rPr lang="en-US" dirty="0">
-                <a:latin typeface="Helvetica Neue" panose="02000503000000020004" pitchFamily="2" charset="0"/>
-                <a:ea typeface="+mn-lt"/>
-                <a:cs typeface="Segoe UI" panose="020B0502040204020203" pitchFamily="34" charset="0"/>
-              </a:rPr>
-              <a:t> el </a:t>
-            </a:r>
-            <a:r>
-              <a:rPr lang="en-US" dirty="0" err="1">
-                <a:latin typeface="Helvetica Neue" panose="02000503000000020004" pitchFamily="2" charset="0"/>
-                <a:ea typeface="+mn-lt"/>
-                <a:cs typeface="Segoe UI" panose="020B0502040204020203" pitchFamily="34" charset="0"/>
-              </a:rPr>
-              <a:t>ataque</a:t>
-            </a:r>
-            <a:r>
-              <a:rPr lang="en-US" dirty="0">
-                <a:latin typeface="Helvetica Neue" panose="02000503000000020004" pitchFamily="2" charset="0"/>
-                <a:ea typeface="+mn-lt"/>
-                <a:cs typeface="Segoe UI" panose="020B0502040204020203" pitchFamily="34" charset="0"/>
-              </a:rPr>
-              <a:t> para </a:t>
-            </a:r>
-            <a:r>
-              <a:rPr lang="en-US" dirty="0" err="1">
-                <a:latin typeface="Helvetica Neue" panose="02000503000000020004" pitchFamily="2" charset="0"/>
-                <a:ea typeface="+mn-lt"/>
-                <a:cs typeface="Segoe UI" panose="020B0502040204020203" pitchFamily="34" charset="0"/>
-              </a:rPr>
-              <a:t>proponer</a:t>
-            </a:r>
-            <a:r>
-              <a:rPr lang="en-US" dirty="0">
-                <a:latin typeface="Helvetica Neue" panose="02000503000000020004" pitchFamily="2" charset="0"/>
-                <a:ea typeface="+mn-lt"/>
-                <a:cs typeface="Segoe UI" panose="020B0502040204020203" pitchFamily="34" charset="0"/>
-              </a:rPr>
-              <a:t> </a:t>
-            </a:r>
-            <a:r>
-              <a:rPr lang="en-US" dirty="0" err="1">
-                <a:latin typeface="Helvetica Neue" panose="02000503000000020004" pitchFamily="2" charset="0"/>
-                <a:ea typeface="+mn-lt"/>
-                <a:cs typeface="Segoe UI" panose="020B0502040204020203" pitchFamily="34" charset="0"/>
-              </a:rPr>
-              <a:t>estrategias</a:t>
-            </a:r>
-            <a:r>
-              <a:rPr lang="en-US" dirty="0">
-                <a:latin typeface="Helvetica Neue" panose="02000503000000020004" pitchFamily="2" charset="0"/>
-                <a:ea typeface="+mn-lt"/>
-                <a:cs typeface="Segoe UI" panose="020B0502040204020203" pitchFamily="34" charset="0"/>
-              </a:rPr>
-              <a:t> de </a:t>
-            </a:r>
-            <a:r>
-              <a:rPr lang="en-US" dirty="0" err="1">
-                <a:latin typeface="Helvetica Neue" panose="02000503000000020004" pitchFamily="2" charset="0"/>
-                <a:ea typeface="+mn-lt"/>
-                <a:cs typeface="Segoe UI" panose="020B0502040204020203" pitchFamily="34" charset="0"/>
-              </a:rPr>
-              <a:t>prevención</a:t>
-            </a:r>
-            <a:r>
-              <a:rPr lang="en-US" dirty="0">
-                <a:latin typeface="Helvetica Neue" panose="02000503000000020004" pitchFamily="2" charset="0"/>
-                <a:ea typeface="+mn-lt"/>
-                <a:cs typeface="Segoe UI" panose="020B0502040204020203" pitchFamily="34" charset="0"/>
-              </a:rPr>
-              <a:t> dentro de la </a:t>
-            </a:r>
-            <a:r>
-              <a:rPr lang="en-US" dirty="0" err="1">
-                <a:latin typeface="Helvetica Neue" panose="02000503000000020004" pitchFamily="2" charset="0"/>
-                <a:ea typeface="+mn-lt"/>
-                <a:cs typeface="Segoe UI" panose="020B0502040204020203" pitchFamily="34" charset="0"/>
-              </a:rPr>
-              <a:t>comunidad</a:t>
-            </a:r>
-            <a:r>
-              <a:rPr lang="en-US" dirty="0">
-                <a:latin typeface="Helvetica Neue" panose="02000503000000020004" pitchFamily="2" charset="0"/>
-                <a:ea typeface="+mn-lt"/>
-                <a:cs typeface="Segoe UI" panose="020B0502040204020203" pitchFamily="34" charset="0"/>
-              </a:rPr>
-              <a:t> </a:t>
-            </a:r>
-            <a:r>
-              <a:rPr lang="en-US" dirty="0" err="1">
-                <a:latin typeface="Helvetica Neue" panose="02000503000000020004" pitchFamily="2" charset="0"/>
-                <a:ea typeface="+mn-lt"/>
-                <a:cs typeface="Segoe UI" panose="020B0502040204020203" pitchFamily="34" charset="0"/>
-              </a:rPr>
-              <a:t>educativa</a:t>
-            </a:r>
-            <a:r>
-              <a:rPr lang="en-US" dirty="0">
-                <a:latin typeface="Helvetica Neue" panose="02000503000000020004" pitchFamily="2" charset="0"/>
-                <a:ea typeface="+mn-lt"/>
-                <a:cs typeface="Segoe UI" panose="020B0502040204020203" pitchFamily="34" charset="0"/>
-              </a:rPr>
-              <a:t>.</a:t>
-            </a:r>
-            <a:br>
-              <a:rPr lang="en-US" dirty="0">
-                <a:latin typeface="Helvetica Neue" panose="02000503000000020004" pitchFamily="2" charset="0"/>
-                <a:ea typeface="+mn-lt"/>
-                <a:cs typeface="Segoe UI" panose="020B0502040204020203" pitchFamily="34" charset="0"/>
-              </a:rPr>
-            </a:br>
-            <a:endParaRPr lang="en-US" dirty="0">
-              <a:latin typeface="Helvetica Neue" panose="02000503000000020004" pitchFamily="2" charset="0"/>
-              <a:cs typeface="Segoe UI" panose="020B0502040204020203" pitchFamily="34" charset="0"/>
-            </a:endParaRPr>
-          </a:p>
-          <a:p>
-            <a:pPr>
-              <a:buFont typeface="Wingdings" panose="05000000000000000000" pitchFamily="2" charset="2"/>
-              <a:buChar char="ü"/>
-            </a:pPr>
-            <a:r>
-              <a:rPr lang="en-US" dirty="0">
-                <a:latin typeface="Helvetica Neue" panose="02000503000000020004" pitchFamily="2" charset="0"/>
-                <a:ea typeface="+mn-lt"/>
-                <a:cs typeface="Segoe UI" panose="020B0502040204020203" pitchFamily="34" charset="0"/>
-              </a:rPr>
-              <a:t> </a:t>
-            </a:r>
-            <a:r>
-              <a:rPr lang="en-US" dirty="0" err="1">
-                <a:latin typeface="Helvetica Neue" panose="02000503000000020004" pitchFamily="2" charset="0"/>
-                <a:ea typeface="+mn-lt"/>
-                <a:cs typeface="Segoe UI" panose="020B0502040204020203" pitchFamily="34" charset="0"/>
-              </a:rPr>
-              <a:t>Definir</a:t>
-            </a:r>
-            <a:r>
-              <a:rPr lang="en-US" dirty="0">
-                <a:latin typeface="Helvetica Neue" panose="02000503000000020004" pitchFamily="2" charset="0"/>
-                <a:ea typeface="+mn-lt"/>
-                <a:cs typeface="Segoe UI" panose="020B0502040204020203" pitchFamily="34" charset="0"/>
-              </a:rPr>
-              <a:t> el </a:t>
-            </a:r>
-            <a:r>
-              <a:rPr lang="en-US" dirty="0" err="1">
-                <a:latin typeface="Helvetica Neue" panose="02000503000000020004" pitchFamily="2" charset="0"/>
-                <a:ea typeface="+mn-lt"/>
-                <a:cs typeface="Segoe UI" panose="020B0502040204020203" pitchFamily="34" charset="0"/>
-              </a:rPr>
-              <a:t>ataque</a:t>
-            </a:r>
-            <a:r>
-              <a:rPr lang="en-US" dirty="0">
-                <a:latin typeface="Helvetica Neue" panose="02000503000000020004" pitchFamily="2" charset="0"/>
-                <a:ea typeface="+mn-lt"/>
-                <a:cs typeface="Segoe UI" panose="020B0502040204020203" pitchFamily="34" charset="0"/>
-              </a:rPr>
-              <a:t> con mayor </a:t>
-            </a:r>
-            <a:r>
-              <a:rPr lang="en-US" dirty="0" err="1">
-                <a:latin typeface="Helvetica Neue" panose="02000503000000020004" pitchFamily="2" charset="0"/>
-                <a:ea typeface="+mn-lt"/>
-                <a:cs typeface="Segoe UI" panose="020B0502040204020203" pitchFamily="34" charset="0"/>
-              </a:rPr>
-              <a:t>impacto</a:t>
-            </a:r>
-            <a:r>
-              <a:rPr lang="en-US" dirty="0">
-                <a:latin typeface="Helvetica Neue" panose="02000503000000020004" pitchFamily="2" charset="0"/>
-                <a:ea typeface="+mn-lt"/>
-                <a:cs typeface="Segoe UI" panose="020B0502040204020203" pitchFamily="34" charset="0"/>
-              </a:rPr>
-              <a:t> y </a:t>
-            </a:r>
-            <a:r>
-              <a:rPr lang="en-US" dirty="0" err="1">
-                <a:latin typeface="Helvetica Neue" panose="02000503000000020004" pitchFamily="2" charset="0"/>
-                <a:ea typeface="+mn-lt"/>
-                <a:cs typeface="Segoe UI" panose="020B0502040204020203" pitchFamily="34" charset="0"/>
-              </a:rPr>
-              <a:t>efectividad</a:t>
-            </a:r>
-            <a:r>
-              <a:rPr lang="en-US" dirty="0">
-                <a:latin typeface="Helvetica Neue" panose="02000503000000020004" pitchFamily="2" charset="0"/>
-                <a:ea typeface="+mn-lt"/>
-                <a:cs typeface="Segoe UI" panose="020B0502040204020203" pitchFamily="34" charset="0"/>
-              </a:rPr>
-              <a:t> dentro de los </a:t>
-            </a:r>
-            <a:r>
-              <a:rPr lang="en-US" dirty="0" err="1">
-                <a:latin typeface="Helvetica Neue" panose="02000503000000020004" pitchFamily="2" charset="0"/>
-                <a:ea typeface="+mn-lt"/>
-                <a:cs typeface="Segoe UI" panose="020B0502040204020203" pitchFamily="34" charset="0"/>
-              </a:rPr>
-              <a:t>propuestos</a:t>
-            </a:r>
-            <a:r>
-              <a:rPr lang="en-US" dirty="0">
-                <a:latin typeface="Helvetica Neue" panose="02000503000000020004" pitchFamily="2" charset="0"/>
-                <a:ea typeface="+mn-lt"/>
-                <a:cs typeface="Segoe UI" panose="020B0502040204020203" pitchFamily="34" charset="0"/>
-              </a:rPr>
-              <a:t>.</a:t>
-            </a:r>
-            <a:endParaRPr lang="en-US" dirty="0">
+              <a:rPr lang="es-ES" dirty="0">
+                <a:latin typeface="Helvetica Neue" panose="02000503000000020004" pitchFamily="2" charset="0"/>
+                <a:cs typeface="Segoe UI" panose="020B0502040204020203" pitchFamily="34" charset="0"/>
+              </a:rPr>
+              <a:t>Es una técnica de ingeniería social utilizada por los delincuentes para obtener información confidencial como nombres de usuario, contraseñas y detalles de tarjetas de crédito haciéndose pasar por una comunicación confiable y legítima.</a:t>
+            </a:r>
+            <a:endParaRPr lang="es-419" dirty="0">
               <a:latin typeface="Helvetica Neue" panose="02000503000000020004" pitchFamily="2" charset="0"/>
               <a:cs typeface="Segoe UI" panose="020B0502040204020203" pitchFamily="34" charset="0"/>
             </a:endParaRPr>
@@ -5127,7 +4723,7 @@
           <p:cNvPr id="5" name="Picture 4">
             <a:extLst>
               <a:ext uri="{FF2B5EF4-FFF2-40B4-BE49-F238E27FC236}">
-                <a16:creationId xmlns:a16="http://schemas.microsoft.com/office/drawing/2014/main" id="{F1D26B2D-D157-4E08-A123-F7B8B36A4993}"/>
+                <a16:creationId xmlns:a16="http://schemas.microsoft.com/office/drawing/2014/main" id="{1ADDEA8E-8761-4EFD-9887-E5002F538C62}"/>
               </a:ext>
             </a:extLst>
           </p:cNvPr>
@@ -5136,7 +4732,7 @@
           </p:cNvPicPr>
           <p:nvPr/>
         </p:nvPicPr>
-        <p:blipFill rotWithShape="1">
+        <p:blipFill>
           <a:blip r:embed="rId2">
             <a:extLst>
               <a:ext uri="{28A0092B-C50C-407E-A947-70E740481C1C}">
@@ -5144,13 +4740,14 @@
               </a:ext>
             </a:extLst>
           </a:blip>
-          <a:srcRect l="13971" r="8010"/>
-          <a:stretch/>
+          <a:stretch>
+            <a:fillRect/>
+          </a:stretch>
         </p:blipFill>
         <p:spPr>
           <a:xfrm>
-            <a:off x="7526080" y="2406034"/>
-            <a:ext cx="4082902" cy="3788175"/>
+            <a:off x="838201" y="2707725"/>
+            <a:ext cx="4878572" cy="3663693"/>
           </a:xfrm>
           <a:prstGeom prst="rect">
             <a:avLst/>
@@ -5160,7 +4757,7 @@
     </p:spTree>
     <p:extLst>
       <p:ext uri="{BB962C8B-B14F-4D97-AF65-F5344CB8AC3E}">
-        <p14:creationId xmlns:p14="http://schemas.microsoft.com/office/powerpoint/2010/main" val="3512471970"/>
+        <p14:creationId xmlns:p14="http://schemas.microsoft.com/office/powerpoint/2010/main" val="1845650050"/>
       </p:ext>
     </p:extLst>
   </p:cSld>
@@ -5192,7 +4789,7 @@
           <p:cNvPr id="2" name="Title 1">
             <a:extLst>
               <a:ext uri="{FF2B5EF4-FFF2-40B4-BE49-F238E27FC236}">
-                <a16:creationId xmlns:a16="http://schemas.microsoft.com/office/drawing/2014/main" id="{2522EB5B-E585-4A37-A81C-0244599239A3}"/>
+                <a16:creationId xmlns:a16="http://schemas.microsoft.com/office/drawing/2014/main" id="{64374E90-5C5C-4D1D-8C86-E622FA6ADED7}"/>
               </a:ext>
             </a:extLst>
           </p:cNvPr>
@@ -5208,74 +4805,25 @@
           <a:bodyPr/>
           <a:lstStyle/>
           <a:p>
-            <a:r>
-              <a:rPr lang="es-419" dirty="0">
-                <a:latin typeface="Helvetica Neue" panose="02000503000000020004" pitchFamily="2" charset="0"/>
-                <a:cs typeface="Segoe UI" panose="020B0502040204020203" pitchFamily="34" charset="0"/>
-              </a:rPr>
-              <a:t>Phishing (Suplantación de Identidad): </a:t>
-            </a:r>
-          </a:p>
-        </p:txBody>
-      </p:sp>
-      <p:sp>
-        <p:nvSpPr>
-          <p:cNvPr id="3" name="Content Placeholder 2">
-            <a:extLst>
-              <a:ext uri="{FF2B5EF4-FFF2-40B4-BE49-F238E27FC236}">
-                <a16:creationId xmlns:a16="http://schemas.microsoft.com/office/drawing/2014/main" id="{EDA61133-D73E-46A7-B613-8957BE7FA407}"/>
-              </a:ext>
-            </a:extLst>
-          </p:cNvPr>
-          <p:cNvSpPr>
-            <a:spLocks noGrp="1"/>
-          </p:cNvSpPr>
-          <p:nvPr>
-            <p:ph idx="1"/>
-          </p:nvPr>
-        </p:nvSpPr>
-        <p:spPr>
-          <a:xfrm>
-            <a:off x="6475229" y="2707725"/>
-            <a:ext cx="4878572" cy="3828726"/>
-          </a:xfrm>
-        </p:spPr>
-        <p:txBody>
-          <a:bodyPr>
-            <a:normAutofit lnSpcReduction="10000"/>
-          </a:bodyPr>
-          <a:lstStyle/>
-          <a:p>
-            <a:pPr marL="0" indent="0" algn="just">
-              <a:buNone/>
-            </a:pPr>
-            <a:r>
-              <a:rPr lang="es-ES" dirty="0">
-                <a:latin typeface="Helvetica Neue" panose="02000503000000020004" pitchFamily="2" charset="0"/>
-                <a:cs typeface="Segoe UI" panose="020B0502040204020203" pitchFamily="34" charset="0"/>
-              </a:rPr>
-              <a:t>Es una técnica de ingeniería social utilizada por los delincuentes para obtener información confidencial como nombres de usuario, contraseñas y detalles de tarjetas de crédito haciéndose pasar por una comunicación confiable y legítima.</a:t>
-            </a:r>
-            <a:endParaRPr lang="es-419" dirty="0">
-              <a:latin typeface="Helvetica Neue" panose="02000503000000020004" pitchFamily="2" charset="0"/>
-              <a:cs typeface="Segoe UI" panose="020B0502040204020203" pitchFamily="34" charset="0"/>
-            </a:endParaRPr>
+            <a:endParaRPr lang="es-419"/>
           </a:p>
         </p:txBody>
       </p:sp>
       <p:pic>
         <p:nvPicPr>
-          <p:cNvPr id="5" name="Picture 4">
+          <p:cNvPr id="5" name="Content Placeholder 4">
             <a:extLst>
               <a:ext uri="{FF2B5EF4-FFF2-40B4-BE49-F238E27FC236}">
-                <a16:creationId xmlns:a16="http://schemas.microsoft.com/office/drawing/2014/main" id="{1ADDEA8E-8761-4EFD-9887-E5002F538C62}"/>
+                <a16:creationId xmlns:a16="http://schemas.microsoft.com/office/drawing/2014/main" id="{1FFD5A11-8314-45C5-9062-8286009363B7}"/>
               </a:ext>
             </a:extLst>
           </p:cNvPr>
           <p:cNvPicPr>
-            <a:picLocks noChangeAspect="1"/>
+            <a:picLocks noGrp="1" noChangeAspect="1"/>
           </p:cNvPicPr>
-          <p:nvPr/>
+          <p:nvPr>
+            <p:ph idx="1"/>
+          </p:nvPr>
         </p:nvPicPr>
         <p:blipFill>
           <a:blip r:embed="rId2">
@@ -5291,18 +4839,15 @@
         </p:blipFill>
         <p:spPr>
           <a:xfrm>
-            <a:off x="838201" y="2707725"/>
-            <a:ext cx="4878572" cy="3663693"/>
-          </a:xfrm>
-          <a:prstGeom prst="rect">
-            <a:avLst/>
-          </a:prstGeom>
+            <a:off x="1228175" y="1281351"/>
+            <a:ext cx="9735649" cy="5476303"/>
+          </a:xfrm>
         </p:spPr>
       </p:pic>
     </p:spTree>
     <p:extLst>
       <p:ext uri="{BB962C8B-B14F-4D97-AF65-F5344CB8AC3E}">
-        <p14:creationId xmlns:p14="http://schemas.microsoft.com/office/powerpoint/2010/main" val="1845650050"/>
+        <p14:creationId xmlns:p14="http://schemas.microsoft.com/office/powerpoint/2010/main" val="3602589749"/>
       </p:ext>
     </p:extLst>
   </p:cSld>
@@ -5331,10 +4876,10 @@
       </p:grpSpPr>
       <p:sp>
         <p:nvSpPr>
-          <p:cNvPr id="2" name="Title 1">
+          <p:cNvPr id="2" name="Título 1">
             <a:extLst>
               <a:ext uri="{FF2B5EF4-FFF2-40B4-BE49-F238E27FC236}">
-                <a16:creationId xmlns:a16="http://schemas.microsoft.com/office/drawing/2014/main" id="{64374E90-5C5C-4D1D-8C86-E622FA6ADED7}"/>
+                <a16:creationId xmlns:a16="http://schemas.microsoft.com/office/drawing/2014/main" id="{4A1D1E54-4E3F-4B73-8214-4108D5DD9CF3}"/>
               </a:ext>
             </a:extLst>
           </p:cNvPr>
@@ -5350,25 +4895,34 @@
           <a:bodyPr/>
           <a:lstStyle/>
           <a:p>
-            <a:endParaRPr lang="es-419"/>
+            <a:pPr algn="ctr"/>
+            <a:r>
+              <a:rPr lang="en-US" dirty="0">
+                <a:latin typeface="Helvetica Neue" panose="02000503000000020004"/>
+              </a:rPr>
+              <a:t>Antecedentes</a:t>
+            </a:r>
+            <a:r>
+              <a:rPr lang="en-US" dirty="0"/>
+              <a:t> </a:t>
+            </a:r>
+            <a:endParaRPr lang="es-CO" dirty="0"/>
           </a:p>
         </p:txBody>
       </p:sp>
       <p:pic>
         <p:nvPicPr>
-          <p:cNvPr id="5" name="Content Placeholder 4">
+          <p:cNvPr id="7" name="Imagen 6">
             <a:extLst>
               <a:ext uri="{FF2B5EF4-FFF2-40B4-BE49-F238E27FC236}">
-                <a16:creationId xmlns:a16="http://schemas.microsoft.com/office/drawing/2014/main" id="{1FFD5A11-8314-45C5-9062-8286009363B7}"/>
+                <a16:creationId xmlns:a16="http://schemas.microsoft.com/office/drawing/2014/main" id="{7B83CB5A-0836-4CBE-B6E7-9B4172D4BC4A}"/>
               </a:ext>
             </a:extLst>
           </p:cNvPr>
           <p:cNvPicPr>
-            <a:picLocks noGrp="1" noChangeAspect="1"/>
+            <a:picLocks noChangeAspect="1"/>
           </p:cNvPicPr>
-          <p:nvPr>
-            <p:ph idx="1"/>
-          </p:nvPr>
+          <p:nvPr/>
         </p:nvPicPr>
         <p:blipFill>
           <a:blip r:embed="rId2">
@@ -5384,15 +4938,23 @@
         </p:blipFill>
         <p:spPr>
           <a:xfrm>
-            <a:off x="1228175" y="1281351"/>
-            <a:ext cx="9735649" cy="5476303"/>
-          </a:xfrm>
+            <a:off x="529553" y="2707725"/>
+            <a:ext cx="11132894" cy="3191573"/>
+          </a:xfrm>
+          <a:prstGeom prst="rect">
+            <a:avLst/>
+          </a:prstGeom>
+          <a:ln>
+            <a:solidFill>
+              <a:schemeClr val="tx1"/>
+            </a:solidFill>
+          </a:ln>
         </p:spPr>
       </p:pic>
     </p:spTree>
     <p:extLst>
       <p:ext uri="{BB962C8B-B14F-4D97-AF65-F5344CB8AC3E}">
-        <p14:creationId xmlns:p14="http://schemas.microsoft.com/office/powerpoint/2010/main" val="3602589749"/>
+        <p14:creationId xmlns:p14="http://schemas.microsoft.com/office/powerpoint/2010/main" val="2444602888"/>
       </p:ext>
     </p:extLst>
   </p:cSld>
@@ -5421,10 +4983,10 @@
       </p:grpSpPr>
       <p:sp>
         <p:nvSpPr>
-          <p:cNvPr id="2" name="Title 1">
+          <p:cNvPr id="2" name="Título 1">
             <a:extLst>
               <a:ext uri="{FF2B5EF4-FFF2-40B4-BE49-F238E27FC236}">
-                <a16:creationId xmlns:a16="http://schemas.microsoft.com/office/drawing/2014/main" id="{9AE400C0-AFBA-41C5-A794-1AF8D7CCB1D0}"/>
+                <a16:creationId xmlns:a16="http://schemas.microsoft.com/office/drawing/2014/main" id="{F868B65E-D327-414D-9DCF-F82E23100BF5}"/>
               </a:ext>
             </a:extLst>
           </p:cNvPr>
@@ -5437,7 +4999,7 @@
         </p:nvSpPr>
         <p:spPr>
           <a:xfrm>
-            <a:off x="838200" y="1049267"/>
+            <a:off x="838199" y="1146589"/>
             <a:ext cx="10515600" cy="1325563"/>
           </a:xfrm>
         </p:spPr>
@@ -5447,497 +5009,32 @@
           <a:p>
             <a:pPr algn="ctr"/>
             <a:r>
-              <a:rPr lang="en-US" dirty="0" err="1">
-                <a:latin typeface="Helvetica Neue" panose="02000503000000020004" pitchFamily="2" charset="0"/>
-                <a:cs typeface="Segoe UI" panose="020B0502040204020203" pitchFamily="34" charset="0"/>
-              </a:rPr>
-              <a:t>Metodología</a:t>
-            </a:r>
-            <a:r>
-              <a:rPr lang="en-US" dirty="0">
-                <a:latin typeface="Helvetica Neue" panose="02000503000000020004" pitchFamily="2" charset="0"/>
-                <a:cs typeface="Segoe UI" panose="020B0502040204020203" pitchFamily="34" charset="0"/>
-              </a:rPr>
-              <a:t> </a:t>
-            </a:r>
-          </a:p>
-        </p:txBody>
-      </p:sp>
-      <p:sp>
-        <p:nvSpPr>
-          <p:cNvPr id="3" name="Content Placeholder 2">
-            <a:extLst>
-              <a:ext uri="{FF2B5EF4-FFF2-40B4-BE49-F238E27FC236}">
-                <a16:creationId xmlns:a16="http://schemas.microsoft.com/office/drawing/2014/main" id="{7D1292A7-1FC7-4E51-A4E0-6ACFD9F2108E}"/>
-              </a:ext>
-            </a:extLst>
-          </p:cNvPr>
-          <p:cNvSpPr>
-            <a:spLocks noGrp="1"/>
-          </p:cNvSpPr>
-          <p:nvPr>
-            <p:ph idx="1"/>
-          </p:nvPr>
-        </p:nvSpPr>
-        <p:spPr>
-          <a:xfrm>
-            <a:off x="540488" y="2374830"/>
-            <a:ext cx="7306340" cy="3828726"/>
-          </a:xfrm>
-        </p:spPr>
-        <p:txBody>
-          <a:bodyPr vert="horz" lIns="91440" tIns="45720" rIns="91440" bIns="45720" rtlCol="0" anchor="t">
-            <a:normAutofit/>
-          </a:bodyPr>
-          <a:lstStyle/>
-          <a:p>
-            <a:pPr marL="0" indent="0">
-              <a:buNone/>
-            </a:pPr>
-            <a:r>
-              <a:rPr lang="en-US" b="1" dirty="0">
-                <a:solidFill>
-                  <a:srgbClr val="DB2D2D"/>
-                </a:solidFill>
-                <a:latin typeface="Helvetica Neue" panose="02000503000000020004" pitchFamily="2" charset="0"/>
-                <a:ea typeface="+mn-lt"/>
-                <a:cs typeface="Segoe UI" panose="020B0502040204020203" pitchFamily="34" charset="0"/>
-              </a:rPr>
-              <a:t>1. </a:t>
-            </a:r>
-            <a:r>
-              <a:rPr lang="en-US" dirty="0" err="1">
-                <a:latin typeface="Helvetica Neue" panose="02000503000000020004" pitchFamily="2" charset="0"/>
-                <a:ea typeface="+mn-lt"/>
-                <a:cs typeface="Segoe UI" panose="020B0502040204020203" pitchFamily="34" charset="0"/>
-              </a:rPr>
-              <a:t>Estudio</a:t>
-            </a:r>
-            <a:r>
-              <a:rPr lang="en-US" dirty="0">
-                <a:latin typeface="Helvetica Neue" panose="02000503000000020004" pitchFamily="2" charset="0"/>
-                <a:ea typeface="+mn-lt"/>
-                <a:cs typeface="Segoe UI" panose="020B0502040204020203" pitchFamily="34" charset="0"/>
-              </a:rPr>
-              <a:t> de población </a:t>
-            </a:r>
-            <a:r>
-              <a:rPr lang="en-US" dirty="0" err="1">
-                <a:latin typeface="Helvetica Neue" panose="02000503000000020004" pitchFamily="2" charset="0"/>
-                <a:ea typeface="+mn-lt"/>
-                <a:cs typeface="Segoe UI" panose="020B0502040204020203" pitchFamily="34" charset="0"/>
-              </a:rPr>
-              <a:t>objetivo</a:t>
-            </a:r>
-            <a:r>
-              <a:rPr lang="en-US" dirty="0">
-                <a:latin typeface="Helvetica Neue" panose="02000503000000020004" pitchFamily="2" charset="0"/>
-                <a:ea typeface="+mn-lt"/>
-                <a:cs typeface="Segoe UI" panose="020B0502040204020203" pitchFamily="34" charset="0"/>
-              </a:rPr>
-              <a:t>.</a:t>
-            </a:r>
-            <a:endParaRPr lang="en-US" dirty="0">
-              <a:latin typeface="Helvetica Neue" panose="02000503000000020004" pitchFamily="2" charset="0"/>
-              <a:cs typeface="Segoe UI" panose="020B0502040204020203" pitchFamily="34" charset="0"/>
-            </a:endParaRPr>
-          </a:p>
-          <a:p>
-            <a:pPr marL="0" indent="0">
-              <a:buNone/>
-            </a:pPr>
-            <a:r>
-              <a:rPr lang="en-US" b="1" dirty="0">
-                <a:solidFill>
-                  <a:srgbClr val="DB2D2D"/>
-                </a:solidFill>
-                <a:latin typeface="Helvetica Neue" panose="02000503000000020004" pitchFamily="2" charset="0"/>
-                <a:ea typeface="+mn-lt"/>
-                <a:cs typeface="Segoe UI" panose="020B0502040204020203" pitchFamily="34" charset="0"/>
-              </a:rPr>
-              <a:t>2. </a:t>
-            </a:r>
-            <a:r>
-              <a:rPr lang="en-US" dirty="0" err="1">
-                <a:latin typeface="Helvetica Neue" panose="02000503000000020004" pitchFamily="2" charset="0"/>
-                <a:ea typeface="+mn-lt"/>
-                <a:cs typeface="Segoe UI" panose="020B0502040204020203" pitchFamily="34" charset="0"/>
-              </a:rPr>
-              <a:t>Perfilamiento</a:t>
-            </a:r>
-            <a:r>
-              <a:rPr lang="en-US" dirty="0">
-                <a:latin typeface="Helvetica Neue" panose="02000503000000020004" pitchFamily="2" charset="0"/>
-                <a:ea typeface="+mn-lt"/>
-                <a:cs typeface="Segoe UI" panose="020B0502040204020203" pitchFamily="34" charset="0"/>
-              </a:rPr>
-              <a:t> para la </a:t>
-            </a:r>
-            <a:r>
-              <a:rPr lang="en-US" dirty="0" err="1">
-                <a:latin typeface="Helvetica Neue" panose="02000503000000020004" pitchFamily="2" charset="0"/>
-                <a:ea typeface="+mn-lt"/>
-                <a:cs typeface="Segoe UI" panose="020B0502040204020203" pitchFamily="34" charset="0"/>
-              </a:rPr>
-              <a:t>dirección</a:t>
-            </a:r>
-            <a:r>
-              <a:rPr lang="en-US" dirty="0">
-                <a:latin typeface="Helvetica Neue" panose="02000503000000020004" pitchFamily="2" charset="0"/>
-                <a:ea typeface="+mn-lt"/>
-                <a:cs typeface="Segoe UI" panose="020B0502040204020203" pitchFamily="34" charset="0"/>
-              </a:rPr>
-              <a:t> del </a:t>
-            </a:r>
-            <a:r>
-              <a:rPr lang="en-US" dirty="0" err="1">
-                <a:latin typeface="Helvetica Neue" panose="02000503000000020004" pitchFamily="2" charset="0"/>
-                <a:ea typeface="+mn-lt"/>
-                <a:cs typeface="Segoe UI" panose="020B0502040204020203" pitchFamily="34" charset="0"/>
-              </a:rPr>
-              <a:t>ataque</a:t>
-            </a:r>
-            <a:r>
-              <a:rPr lang="en-US" dirty="0">
-                <a:latin typeface="Helvetica Neue" panose="02000503000000020004" pitchFamily="2" charset="0"/>
-                <a:ea typeface="+mn-lt"/>
-                <a:cs typeface="Segoe UI" panose="020B0502040204020203" pitchFamily="34" charset="0"/>
-              </a:rPr>
-              <a:t>.</a:t>
-            </a:r>
-            <a:endParaRPr lang="en-US" dirty="0">
-              <a:latin typeface="Helvetica Neue" panose="02000503000000020004" pitchFamily="2" charset="0"/>
-              <a:cs typeface="Segoe UI" panose="020B0502040204020203" pitchFamily="34" charset="0"/>
-            </a:endParaRPr>
-          </a:p>
-          <a:p>
-            <a:pPr marL="0" indent="0">
-              <a:buNone/>
-            </a:pPr>
-            <a:r>
-              <a:rPr lang="en-US" b="1" dirty="0">
-                <a:solidFill>
-                  <a:srgbClr val="DB2D2D"/>
-                </a:solidFill>
-                <a:latin typeface="Helvetica Neue" panose="02000503000000020004" pitchFamily="2" charset="0"/>
-                <a:ea typeface="+mn-lt"/>
-                <a:cs typeface="Segoe UI" panose="020B0502040204020203" pitchFamily="34" charset="0"/>
-              </a:rPr>
-              <a:t>3. </a:t>
-            </a:r>
-            <a:r>
-              <a:rPr lang="en-US" dirty="0" err="1">
-                <a:latin typeface="Helvetica Neue" panose="02000503000000020004" pitchFamily="2" charset="0"/>
-                <a:ea typeface="+mn-lt"/>
-                <a:cs typeface="Segoe UI" panose="020B0502040204020203" pitchFamily="34" charset="0"/>
-              </a:rPr>
-              <a:t>Página</a:t>
-            </a:r>
-            <a:r>
-              <a:rPr lang="en-US" dirty="0">
-                <a:latin typeface="Helvetica Neue" panose="02000503000000020004" pitchFamily="2" charset="0"/>
-                <a:ea typeface="+mn-lt"/>
-                <a:cs typeface="Segoe UI" panose="020B0502040204020203" pitchFamily="34" charset="0"/>
-              </a:rPr>
-              <a:t> web.</a:t>
-            </a:r>
-            <a:endParaRPr lang="en-US" dirty="0">
-              <a:latin typeface="Helvetica Neue" panose="02000503000000020004" pitchFamily="2" charset="0"/>
-              <a:cs typeface="Segoe UI" panose="020B0502040204020203" pitchFamily="34" charset="0"/>
-            </a:endParaRPr>
-          </a:p>
-          <a:p>
-            <a:pPr marL="0" indent="0">
-              <a:buNone/>
-            </a:pPr>
-            <a:r>
-              <a:rPr lang="en-US" b="1" dirty="0">
-                <a:solidFill>
-                  <a:srgbClr val="DB2D2D"/>
-                </a:solidFill>
-                <a:latin typeface="Helvetica Neue" panose="02000503000000020004" pitchFamily="2" charset="0"/>
-                <a:ea typeface="+mn-lt"/>
-                <a:cs typeface="Segoe UI" panose="020B0502040204020203" pitchFamily="34" charset="0"/>
-              </a:rPr>
-              <a:t>4. </a:t>
-            </a:r>
-            <a:r>
-              <a:rPr lang="en-US" dirty="0" err="1">
-                <a:latin typeface="Helvetica Neue" panose="02000503000000020004" pitchFamily="2" charset="0"/>
-                <a:ea typeface="+mn-lt"/>
-                <a:cs typeface="Segoe UI" panose="020B0502040204020203" pitchFamily="34" charset="0"/>
-              </a:rPr>
-              <a:t>Envío</a:t>
-            </a:r>
-            <a:r>
-              <a:rPr lang="en-US" dirty="0">
-                <a:latin typeface="Helvetica Neue" panose="02000503000000020004" pitchFamily="2" charset="0"/>
-                <a:ea typeface="+mn-lt"/>
-                <a:cs typeface="Segoe UI" panose="020B0502040204020203" pitchFamily="34" charset="0"/>
-              </a:rPr>
-              <a:t> de </a:t>
-            </a:r>
-            <a:r>
-              <a:rPr lang="en-US" dirty="0" err="1">
-                <a:latin typeface="Helvetica Neue" panose="02000503000000020004" pitchFamily="2" charset="0"/>
-                <a:ea typeface="+mn-lt"/>
-                <a:cs typeface="Segoe UI" panose="020B0502040204020203" pitchFamily="34" charset="0"/>
-              </a:rPr>
-              <a:t>notificación</a:t>
-            </a:r>
-            <a:r>
-              <a:rPr lang="en-US" dirty="0">
-                <a:latin typeface="Helvetica Neue" panose="02000503000000020004" pitchFamily="2" charset="0"/>
-                <a:ea typeface="+mn-lt"/>
-                <a:cs typeface="Segoe UI" panose="020B0502040204020203" pitchFamily="34" charset="0"/>
-              </a:rPr>
-              <a:t> (</a:t>
-            </a:r>
-            <a:r>
-              <a:rPr lang="en-US" dirty="0" err="1">
-                <a:latin typeface="Helvetica Neue" panose="02000503000000020004" pitchFamily="2" charset="0"/>
-                <a:ea typeface="+mn-lt"/>
-                <a:cs typeface="Segoe UI" panose="020B0502040204020203" pitchFamily="34" charset="0"/>
-              </a:rPr>
-              <a:t>correo</a:t>
-            </a:r>
-            <a:r>
-              <a:rPr lang="en-US" dirty="0">
-                <a:latin typeface="Helvetica Neue" panose="02000503000000020004" pitchFamily="2" charset="0"/>
-                <a:ea typeface="+mn-lt"/>
-                <a:cs typeface="Segoe UI" panose="020B0502040204020203" pitchFamily="34" charset="0"/>
-              </a:rPr>
-              <a:t> </a:t>
-            </a:r>
-            <a:r>
-              <a:rPr lang="en-US" dirty="0" err="1">
-                <a:latin typeface="Helvetica Neue" panose="02000503000000020004" pitchFamily="2" charset="0"/>
-                <a:ea typeface="+mn-lt"/>
-                <a:cs typeface="Segoe UI" panose="020B0502040204020203" pitchFamily="34" charset="0"/>
-              </a:rPr>
-              <a:t>electrónico</a:t>
-            </a:r>
-            <a:r>
-              <a:rPr lang="en-US" dirty="0">
-                <a:latin typeface="Helvetica Neue" panose="02000503000000020004" pitchFamily="2" charset="0"/>
-                <a:ea typeface="+mn-lt"/>
-                <a:cs typeface="Segoe UI" panose="020B0502040204020203" pitchFamily="34" charset="0"/>
-              </a:rPr>
-              <a:t>).</a:t>
-            </a:r>
-          </a:p>
-          <a:p>
-            <a:pPr marL="0" indent="0">
-              <a:buNone/>
-            </a:pPr>
-            <a:r>
-              <a:rPr lang="en-US" b="1" dirty="0">
-                <a:solidFill>
-                  <a:srgbClr val="FF0000"/>
-                </a:solidFill>
-                <a:latin typeface="Helvetica Neue" panose="02000503000000020004" pitchFamily="2" charset="0"/>
-                <a:cs typeface="Segoe UI" panose="020B0502040204020203" pitchFamily="34" charset="0"/>
-              </a:rPr>
-              <a:t>5. </a:t>
-            </a:r>
-            <a:r>
-              <a:rPr lang="en-US" dirty="0" err="1">
-                <a:latin typeface="Helvetica Neue" panose="02000503000000020004" pitchFamily="2" charset="0"/>
-                <a:ea typeface="+mn-lt"/>
-                <a:cs typeface="Segoe UI" panose="020B0502040204020203" pitchFamily="34" charset="0"/>
-              </a:rPr>
-              <a:t>Obtención</a:t>
-            </a:r>
-            <a:r>
-              <a:rPr lang="en-US" dirty="0">
-                <a:latin typeface="Helvetica Neue" panose="02000503000000020004" pitchFamily="2" charset="0"/>
-                <a:ea typeface="+mn-lt"/>
-                <a:cs typeface="Segoe UI" panose="020B0502040204020203" pitchFamily="34" charset="0"/>
-              </a:rPr>
-              <a:t> de </a:t>
-            </a:r>
-            <a:r>
-              <a:rPr lang="en-US" dirty="0" err="1">
-                <a:latin typeface="Helvetica Neue" panose="02000503000000020004" pitchFamily="2" charset="0"/>
-                <a:ea typeface="+mn-lt"/>
-                <a:cs typeface="Segoe UI" panose="020B0502040204020203" pitchFamily="34" charset="0"/>
-              </a:rPr>
-              <a:t>información</a:t>
-            </a:r>
-            <a:r>
-              <a:rPr lang="en-US" dirty="0">
-                <a:latin typeface="Helvetica Neue" panose="02000503000000020004" pitchFamily="2" charset="0"/>
-                <a:ea typeface="+mn-lt"/>
-                <a:cs typeface="Segoe UI" panose="020B0502040204020203" pitchFamily="34" charset="0"/>
-              </a:rPr>
-              <a:t> (</a:t>
-            </a:r>
-            <a:r>
-              <a:rPr lang="en-US" dirty="0" err="1">
-                <a:latin typeface="Helvetica Neue" panose="02000503000000020004" pitchFamily="2" charset="0"/>
-                <a:ea typeface="+mn-lt"/>
-                <a:cs typeface="Segoe UI" panose="020B0502040204020203" pitchFamily="34" charset="0"/>
-              </a:rPr>
-              <a:t>número</a:t>
-            </a:r>
-            <a:r>
-              <a:rPr lang="en-US" dirty="0">
-                <a:latin typeface="Helvetica Neue" panose="02000503000000020004" pitchFamily="2" charset="0"/>
-                <a:ea typeface="+mn-lt"/>
-                <a:cs typeface="Segoe UI" panose="020B0502040204020203" pitchFamily="34" charset="0"/>
-              </a:rPr>
-              <a:t> de </a:t>
-            </a:r>
-            <a:r>
-              <a:rPr lang="en-US" dirty="0" err="1">
-                <a:latin typeface="Helvetica Neue" panose="02000503000000020004" pitchFamily="2" charset="0"/>
-                <a:ea typeface="+mn-lt"/>
-                <a:cs typeface="Segoe UI" panose="020B0502040204020203" pitchFamily="34" charset="0"/>
-              </a:rPr>
-              <a:t>teléfono</a:t>
-            </a:r>
-            <a:r>
-              <a:rPr lang="en-US" dirty="0">
-                <a:latin typeface="Helvetica Neue" panose="02000503000000020004" pitchFamily="2" charset="0"/>
-                <a:ea typeface="+mn-lt"/>
-                <a:cs typeface="Segoe UI" panose="020B0502040204020203" pitchFamily="34" charset="0"/>
-              </a:rPr>
-              <a:t>, </a:t>
-            </a:r>
-            <a:r>
-              <a:rPr lang="en-US" dirty="0" err="1">
-                <a:latin typeface="Helvetica Neue" panose="02000503000000020004" pitchFamily="2" charset="0"/>
-                <a:ea typeface="+mn-lt"/>
-                <a:cs typeface="Segoe UI" panose="020B0502040204020203" pitchFamily="34" charset="0"/>
-              </a:rPr>
-              <a:t>correo</a:t>
-            </a:r>
-            <a:r>
-              <a:rPr lang="en-US" dirty="0">
-                <a:latin typeface="Helvetica Neue" panose="02000503000000020004" pitchFamily="2" charset="0"/>
-                <a:ea typeface="+mn-lt"/>
-                <a:cs typeface="Segoe UI" panose="020B0502040204020203" pitchFamily="34" charset="0"/>
-              </a:rPr>
-              <a:t> </a:t>
-            </a:r>
-            <a:r>
-              <a:rPr lang="en-US" dirty="0" err="1">
-                <a:latin typeface="Helvetica Neue" panose="02000503000000020004" pitchFamily="2" charset="0"/>
-                <a:ea typeface="+mn-lt"/>
-                <a:cs typeface="Segoe UI" panose="020B0502040204020203" pitchFamily="34" charset="0"/>
-              </a:rPr>
-              <a:t>electrónico</a:t>
-            </a:r>
-            <a:r>
-              <a:rPr lang="en-US" dirty="0">
-                <a:latin typeface="Helvetica Neue" panose="02000503000000020004" pitchFamily="2" charset="0"/>
-                <a:ea typeface="+mn-lt"/>
-                <a:cs typeface="Segoe UI" panose="020B0502040204020203" pitchFamily="34" charset="0"/>
-              </a:rPr>
-              <a:t> personal, </a:t>
-            </a:r>
-            <a:r>
-              <a:rPr lang="en-US" dirty="0" err="1">
-                <a:latin typeface="Helvetica Neue" panose="02000503000000020004" pitchFamily="2" charset="0"/>
-                <a:ea typeface="+mn-lt"/>
-                <a:cs typeface="Segoe UI" panose="020B0502040204020203" pitchFamily="34" charset="0"/>
-              </a:rPr>
-              <a:t>contraseña</a:t>
-            </a:r>
-            <a:r>
-              <a:rPr lang="en-US" dirty="0">
-                <a:latin typeface="Helvetica Neue" panose="02000503000000020004" pitchFamily="2" charset="0"/>
-                <a:ea typeface="+mn-lt"/>
-                <a:cs typeface="Segoe UI" panose="020B0502040204020203" pitchFamily="34" charset="0"/>
-              </a:rPr>
-              <a:t>).</a:t>
-            </a:r>
-          </a:p>
-          <a:p>
-            <a:pPr marL="0" indent="0">
-              <a:buNone/>
-            </a:pPr>
-            <a:r>
-              <a:rPr lang="en-US" b="1" dirty="0">
-                <a:solidFill>
-                  <a:srgbClr val="DB2D2D"/>
-                </a:solidFill>
-                <a:latin typeface="Helvetica Neue" panose="02000503000000020004" pitchFamily="2" charset="0"/>
-                <a:ea typeface="+mn-lt"/>
-                <a:cs typeface="Segoe UI" panose="020B0502040204020203" pitchFamily="34" charset="0"/>
-              </a:rPr>
-              <a:t>6. </a:t>
-            </a:r>
-            <a:r>
-              <a:rPr lang="en-US" dirty="0" err="1">
-                <a:latin typeface="Helvetica Neue" panose="02000503000000020004" pitchFamily="2" charset="0"/>
-                <a:ea typeface="+mn-lt"/>
-                <a:cs typeface="Segoe UI" panose="020B0502040204020203" pitchFamily="34" charset="0"/>
-              </a:rPr>
-              <a:t>Análisis</a:t>
-            </a:r>
-            <a:r>
-              <a:rPr lang="en-US" dirty="0">
-                <a:latin typeface="Helvetica Neue" panose="02000503000000020004" pitchFamily="2" charset="0"/>
-                <a:ea typeface="+mn-lt"/>
-                <a:cs typeface="Segoe UI" panose="020B0502040204020203" pitchFamily="34" charset="0"/>
-              </a:rPr>
-              <a:t> de </a:t>
-            </a:r>
-            <a:r>
-              <a:rPr lang="en-US" dirty="0" err="1">
-                <a:latin typeface="Helvetica Neue" panose="02000503000000020004" pitchFamily="2" charset="0"/>
-                <a:ea typeface="+mn-lt"/>
-                <a:cs typeface="Segoe UI" panose="020B0502040204020203" pitchFamily="34" charset="0"/>
-              </a:rPr>
-              <a:t>datos</a:t>
-            </a:r>
-            <a:r>
-              <a:rPr lang="en-US" dirty="0">
-                <a:latin typeface="Helvetica Neue" panose="02000503000000020004" pitchFamily="2" charset="0"/>
-                <a:ea typeface="+mn-lt"/>
-                <a:cs typeface="Segoe UI" panose="020B0502040204020203" pitchFamily="34" charset="0"/>
-              </a:rPr>
-              <a:t> </a:t>
-            </a:r>
-            <a:r>
-              <a:rPr lang="en-US" dirty="0" err="1">
-                <a:latin typeface="Helvetica Neue" panose="02000503000000020004" pitchFamily="2" charset="0"/>
-                <a:ea typeface="+mn-lt"/>
-                <a:cs typeface="Segoe UI" panose="020B0502040204020203" pitchFamily="34" charset="0"/>
-              </a:rPr>
-              <a:t>obtenidos</a:t>
-            </a:r>
-            <a:r>
-              <a:rPr lang="en-US" dirty="0">
-                <a:latin typeface="Helvetica Neue" panose="02000503000000020004" pitchFamily="2" charset="0"/>
-                <a:ea typeface="+mn-lt"/>
-                <a:cs typeface="Segoe UI" panose="020B0502040204020203" pitchFamily="34" charset="0"/>
-              </a:rPr>
-              <a:t>.</a:t>
-            </a:r>
-            <a:endParaRPr lang="en-US" dirty="0">
-              <a:latin typeface="Helvetica Neue" panose="02000503000000020004" pitchFamily="2" charset="0"/>
-              <a:cs typeface="Segoe UI" panose="020B0502040204020203" pitchFamily="34" charset="0"/>
-            </a:endParaRPr>
+              <a:rPr lang="en-US" dirty="0">
+                <a:latin typeface="Helvetica Neue" panose="02000503000000020004"/>
+              </a:rPr>
+              <a:t>Antecedentes</a:t>
+            </a:r>
+            <a:endParaRPr lang="es-CO" dirty="0"/>
           </a:p>
         </p:txBody>
       </p:sp>
       <p:pic>
         <p:nvPicPr>
-          <p:cNvPr id="5" name="Picture 4">
+          <p:cNvPr id="4" name="Marcador de contenido 10">
             <a:extLst>
               <a:ext uri="{FF2B5EF4-FFF2-40B4-BE49-F238E27FC236}">
-                <a16:creationId xmlns:a16="http://schemas.microsoft.com/office/drawing/2014/main" id="{3A40C4B1-405D-44AC-898D-637DF430F64F}"/>
+                <a16:creationId xmlns:a16="http://schemas.microsoft.com/office/drawing/2014/main" id="{7B2E0BB0-30FD-4D5C-912F-8314E233CA46}"/>
               </a:ext>
             </a:extLst>
           </p:cNvPr>
           <p:cNvPicPr>
-            <a:picLocks noChangeAspect="1"/>
+            <a:picLocks noGrp="1" noChangeAspect="1"/>
           </p:cNvPicPr>
-          <p:nvPr/>
+          <p:nvPr>
+            <p:ph idx="1"/>
+          </p:nvPr>
         </p:nvPicPr>
-        <p:blipFill rotWithShape="1">
+        <p:blipFill>
           <a:blip r:embed="rId2">
             <a:extLst>
               <a:ext uri="{28A0092B-C50C-407E-A947-70E740481C1C}">
@@ -5945,23 +5042,26 @@
               </a:ext>
             </a:extLst>
           </a:blip>
-          <a:srcRect l="19829" r="19989"/>
-          <a:stretch/>
+          <a:stretch>
+            <a:fillRect/>
+          </a:stretch>
         </p:blipFill>
         <p:spPr>
           <a:xfrm>
-            <a:off x="8335925" y="2374830"/>
-            <a:ext cx="3412374" cy="3623927"/>
-          </a:xfrm>
-          <a:prstGeom prst="rect">
-            <a:avLst/>
-          </a:prstGeom>
+            <a:off x="2111516" y="2246865"/>
+            <a:ext cx="7968965" cy="4019064"/>
+          </a:xfrm>
+          <a:ln>
+            <a:solidFill>
+              <a:schemeClr val="tx1"/>
+            </a:solidFill>
+          </a:ln>
         </p:spPr>
       </p:pic>
     </p:spTree>
     <p:extLst>
       <p:ext uri="{BB962C8B-B14F-4D97-AF65-F5344CB8AC3E}">
-        <p14:creationId xmlns:p14="http://schemas.microsoft.com/office/powerpoint/2010/main" val="2073730108"/>
+        <p14:creationId xmlns:p14="http://schemas.microsoft.com/office/powerpoint/2010/main" val="3305949176"/>
       </p:ext>
     </p:extLst>
   </p:cSld>
@@ -5993,7 +5093,7 @@
           <p:cNvPr id="2" name="Title 1">
             <a:extLst>
               <a:ext uri="{FF2B5EF4-FFF2-40B4-BE49-F238E27FC236}">
-                <a16:creationId xmlns:a16="http://schemas.microsoft.com/office/drawing/2014/main" id="{299CEA25-BFE6-4CC0-B64A-B6DB03B1D933}"/>
+                <a16:creationId xmlns:a16="http://schemas.microsoft.com/office/drawing/2014/main" id="{694FE364-D2F4-4131-B099-274086954428}"/>
               </a:ext>
             </a:extLst>
           </p:cNvPr>
@@ -6006,7 +5106,7 @@
         </p:nvSpPr>
         <p:spPr>
           <a:xfrm>
-            <a:off x="838200" y="1045557"/>
+            <a:off x="838200" y="978126"/>
             <a:ext cx="10515600" cy="1325563"/>
           </a:xfrm>
         </p:spPr>
@@ -6020,7 +5120,7 @@
                 <a:latin typeface="Helvetica Neue" panose="02000503000000020004" pitchFamily="2" charset="0"/>
                 <a:cs typeface="Segoe UI" panose="020B0502040204020203" pitchFamily="34" charset="0"/>
               </a:rPr>
-              <a:t>Herramientas</a:t>
+              <a:t>Objetivos</a:t>
             </a:r>
           </a:p>
         </p:txBody>
@@ -6030,7 +5130,7 @@
           <p:cNvPr id="3" name="Content Placeholder 2">
             <a:extLst>
               <a:ext uri="{FF2B5EF4-FFF2-40B4-BE49-F238E27FC236}">
-                <a16:creationId xmlns:a16="http://schemas.microsoft.com/office/drawing/2014/main" id="{AD38A0A2-D81D-403D-A0CA-9B1DE47AE821}"/>
+                <a16:creationId xmlns:a16="http://schemas.microsoft.com/office/drawing/2014/main" id="{2CC2B831-8220-4A36-93D7-F8F24BDC8E10}"/>
               </a:ext>
             </a:extLst>
           </p:cNvPr>
@@ -6043,107 +5143,472 @@
         </p:nvSpPr>
         <p:spPr>
           <a:xfrm>
-            <a:off x="6908269" y="2371120"/>
-            <a:ext cx="4243513" cy="4693593"/>
+            <a:off x="753141" y="2385757"/>
+            <a:ext cx="6019800" cy="4195795"/>
           </a:xfrm>
         </p:spPr>
         <p:txBody>
           <a:bodyPr vert="horz" lIns="91440" tIns="45720" rIns="91440" bIns="45720" rtlCol="0" anchor="t">
-            <a:noAutofit/>
+            <a:normAutofit fontScale="85000" lnSpcReduction="20000"/>
           </a:bodyPr>
           <a:lstStyle/>
           <a:p>
-            <a:r>
-              <a:rPr lang="en-US" sz="3000" dirty="0">
-                <a:latin typeface="Helvetica Neue" panose="02000503000000020004" pitchFamily="2" charset="0"/>
-                <a:cs typeface="Segoe UI" panose="020B0502040204020203" pitchFamily="34" charset="0"/>
-              </a:rPr>
-              <a:t>Google Forms</a:t>
-            </a:r>
-          </a:p>
-          <a:p>
-            <a:r>
-              <a:rPr lang="en-US" sz="3000" dirty="0">
-                <a:latin typeface="Helvetica Neue" panose="02000503000000020004" pitchFamily="2" charset="0"/>
-                <a:cs typeface="Segoe UI" panose="020B0502040204020203" pitchFamily="34" charset="0"/>
-              </a:rPr>
-              <a:t>Heroku</a:t>
-            </a:r>
-          </a:p>
-          <a:p>
-            <a:r>
-              <a:rPr lang="en-US" sz="3000" dirty="0" err="1">
-                <a:latin typeface="Helvetica Neue" panose="02000503000000020004" pitchFamily="2" charset="0"/>
-                <a:cs typeface="Segoe UI" panose="020B0502040204020203" pitchFamily="34" charset="0"/>
-              </a:rPr>
-              <a:t>Github</a:t>
-            </a:r>
-            <a:endParaRPr lang="en-US" sz="3000" dirty="0">
+            <a:pPr>
+              <a:buFont typeface="Wingdings" panose="05000000000000000000" pitchFamily="2" charset="2"/>
+              <a:buChar char="ü"/>
+            </a:pPr>
+            <a:r>
+              <a:rPr lang="en-US" dirty="0">
+                <a:latin typeface="Helvetica Neue" panose="02000503000000020004" pitchFamily="2" charset="0"/>
+                <a:ea typeface="+mn-lt"/>
+                <a:cs typeface="Segoe UI" panose="020B0502040204020203" pitchFamily="34" charset="0"/>
+              </a:rPr>
+              <a:t> </a:t>
+            </a:r>
+            <a:r>
+              <a:rPr lang="en-US" dirty="0" err="1">
+                <a:latin typeface="Helvetica Neue" panose="02000503000000020004" pitchFamily="2" charset="0"/>
+                <a:ea typeface="+mn-lt"/>
+                <a:cs typeface="Segoe UI" panose="020B0502040204020203" pitchFamily="34" charset="0"/>
+              </a:rPr>
+              <a:t>Demostrar</a:t>
+            </a:r>
+            <a:r>
+              <a:rPr lang="en-US" dirty="0">
+                <a:latin typeface="Helvetica Neue" panose="02000503000000020004" pitchFamily="2" charset="0"/>
+                <a:ea typeface="+mn-lt"/>
+                <a:cs typeface="Segoe UI" panose="020B0502040204020203" pitchFamily="34" charset="0"/>
+              </a:rPr>
+              <a:t> la </a:t>
+            </a:r>
+            <a:r>
+              <a:rPr lang="en-US" dirty="0" err="1">
+                <a:latin typeface="Helvetica Neue" panose="02000503000000020004" pitchFamily="2" charset="0"/>
+                <a:ea typeface="+mn-lt"/>
+                <a:cs typeface="Segoe UI" panose="020B0502040204020203" pitchFamily="34" charset="0"/>
+              </a:rPr>
+              <a:t>vulnerabilidad</a:t>
+            </a:r>
+            <a:r>
+              <a:rPr lang="en-US" dirty="0">
+                <a:latin typeface="Helvetica Neue" panose="02000503000000020004" pitchFamily="2" charset="0"/>
+                <a:ea typeface="+mn-lt"/>
+                <a:cs typeface="Segoe UI" panose="020B0502040204020203" pitchFamily="34" charset="0"/>
+              </a:rPr>
+              <a:t> de la </a:t>
+            </a:r>
+            <a:r>
+              <a:rPr lang="en-US" dirty="0" err="1">
+                <a:latin typeface="Helvetica Neue" panose="02000503000000020004" pitchFamily="2" charset="0"/>
+                <a:ea typeface="+mn-lt"/>
+                <a:cs typeface="Segoe UI" panose="020B0502040204020203" pitchFamily="34" charset="0"/>
+              </a:rPr>
+              <a:t>universidad</a:t>
+            </a:r>
+            <a:r>
+              <a:rPr lang="en-US" dirty="0">
+                <a:latin typeface="Helvetica Neue" panose="02000503000000020004" pitchFamily="2" charset="0"/>
+                <a:ea typeface="+mn-lt"/>
+                <a:cs typeface="Segoe UI" panose="020B0502040204020203" pitchFamily="34" charset="0"/>
+              </a:rPr>
+              <a:t> </a:t>
+            </a:r>
+            <a:r>
+              <a:rPr lang="en-US" dirty="0" err="1">
+                <a:latin typeface="Helvetica Neue" panose="02000503000000020004" pitchFamily="2" charset="0"/>
+                <a:ea typeface="+mn-lt"/>
+                <a:cs typeface="Segoe UI" panose="020B0502040204020203" pitchFamily="34" charset="0"/>
+              </a:rPr>
+              <a:t>frente</a:t>
+            </a:r>
+            <a:r>
+              <a:rPr lang="en-US" dirty="0">
+                <a:latin typeface="Helvetica Neue" panose="02000503000000020004" pitchFamily="2" charset="0"/>
+                <a:ea typeface="+mn-lt"/>
+                <a:cs typeface="Segoe UI" panose="020B0502040204020203" pitchFamily="34" charset="0"/>
+              </a:rPr>
+              <a:t> a </a:t>
+            </a:r>
+            <a:r>
+              <a:rPr lang="en-US" dirty="0" err="1">
+                <a:latin typeface="Helvetica Neue" panose="02000503000000020004" pitchFamily="2" charset="0"/>
+                <a:ea typeface="+mn-lt"/>
+                <a:cs typeface="Segoe UI" panose="020B0502040204020203" pitchFamily="34" charset="0"/>
+              </a:rPr>
+              <a:t>ataques</a:t>
+            </a:r>
+            <a:r>
+              <a:rPr lang="en-US" dirty="0">
+                <a:latin typeface="Helvetica Neue" panose="02000503000000020004" pitchFamily="2" charset="0"/>
+                <a:ea typeface="+mn-lt"/>
+                <a:cs typeface="Segoe UI" panose="020B0502040204020203" pitchFamily="34" charset="0"/>
+              </a:rPr>
+              <a:t> de phishing.</a:t>
+            </a:r>
+            <a:br>
+              <a:rPr lang="en-US" dirty="0">
+                <a:latin typeface="Helvetica Neue" panose="02000503000000020004" pitchFamily="2" charset="0"/>
+                <a:ea typeface="+mn-lt"/>
+                <a:cs typeface="Segoe UI" panose="020B0502040204020203" pitchFamily="34" charset="0"/>
+              </a:rPr>
+            </a:br>
+            <a:endParaRPr lang="en-US" dirty="0">
               <a:latin typeface="Helvetica Neue" panose="02000503000000020004" pitchFamily="2" charset="0"/>
               <a:cs typeface="Segoe UI" panose="020B0502040204020203" pitchFamily="34" charset="0"/>
             </a:endParaRPr>
           </a:p>
           <a:p>
-            <a:r>
-              <a:rPr lang="en-US" sz="3000" dirty="0">
-                <a:latin typeface="Helvetica Neue" panose="02000503000000020004" pitchFamily="2" charset="0"/>
-                <a:cs typeface="Segoe UI" panose="020B0502040204020203" pitchFamily="34" charset="0"/>
-              </a:rPr>
-              <a:t>Java/Gradle</a:t>
-            </a:r>
-          </a:p>
-          <a:p>
-            <a:r>
-              <a:rPr lang="en-US" sz="3000" dirty="0">
-                <a:latin typeface="Helvetica Neue" panose="02000503000000020004" pitchFamily="2" charset="0"/>
-                <a:cs typeface="Segoe UI" panose="020B0502040204020203" pitchFamily="34" charset="0"/>
-              </a:rPr>
-              <a:t>PostgreSQL</a:t>
-            </a:r>
-          </a:p>
-          <a:p>
-            <a:r>
-              <a:rPr lang="en-US" sz="3000" dirty="0">
-                <a:latin typeface="Helvetica Neue" panose="02000503000000020004" pitchFamily="2" charset="0"/>
-                <a:cs typeface="Segoe UI" panose="020B0502040204020203" pitchFamily="34" charset="0"/>
-              </a:rPr>
-              <a:t>Redes </a:t>
-            </a:r>
-            <a:r>
-              <a:rPr lang="en-US" sz="3000" dirty="0" err="1">
-                <a:latin typeface="Helvetica Neue" panose="02000503000000020004" pitchFamily="2" charset="0"/>
-                <a:cs typeface="Segoe UI" panose="020B0502040204020203" pitchFamily="34" charset="0"/>
-              </a:rPr>
-              <a:t>Sociales</a:t>
-            </a:r>
-            <a:endParaRPr lang="en-US" sz="3000" dirty="0">
+            <a:pPr>
+              <a:buFont typeface="Wingdings" panose="05000000000000000000" pitchFamily="2" charset="2"/>
+              <a:buChar char="ü"/>
+            </a:pPr>
+            <a:r>
+              <a:rPr lang="en-US" dirty="0">
+                <a:latin typeface="Helvetica Neue" panose="02000503000000020004" pitchFamily="2" charset="0"/>
+                <a:ea typeface="+mn-lt"/>
+                <a:cs typeface="Segoe UI" panose="020B0502040204020203" pitchFamily="34" charset="0"/>
+              </a:rPr>
+              <a:t> </a:t>
+            </a:r>
+            <a:r>
+              <a:rPr lang="en-US" dirty="0" err="1">
+                <a:latin typeface="Helvetica Neue" panose="02000503000000020004" pitchFamily="2" charset="0"/>
+                <a:ea typeface="+mn-lt"/>
+                <a:cs typeface="Segoe UI" panose="020B0502040204020203" pitchFamily="34" charset="0"/>
+              </a:rPr>
+              <a:t>Utilizar</a:t>
+            </a:r>
+            <a:r>
+              <a:rPr lang="en-US" dirty="0">
+                <a:latin typeface="Helvetica Neue" panose="02000503000000020004" pitchFamily="2" charset="0"/>
+                <a:ea typeface="+mn-lt"/>
+                <a:cs typeface="Segoe UI" panose="020B0502040204020203" pitchFamily="34" charset="0"/>
+              </a:rPr>
+              <a:t> </a:t>
+            </a:r>
+            <a:r>
+              <a:rPr lang="en-US" dirty="0" err="1">
+                <a:latin typeface="Helvetica Neue" panose="02000503000000020004" pitchFamily="2" charset="0"/>
+                <a:ea typeface="+mn-lt"/>
+                <a:cs typeface="Segoe UI" panose="020B0502040204020203" pitchFamily="34" charset="0"/>
+              </a:rPr>
+              <a:t>diversas</a:t>
+            </a:r>
+            <a:r>
+              <a:rPr lang="en-US" dirty="0">
+                <a:latin typeface="Helvetica Neue" panose="02000503000000020004" pitchFamily="2" charset="0"/>
+                <a:ea typeface="+mn-lt"/>
+                <a:cs typeface="Segoe UI" panose="020B0502040204020203" pitchFamily="34" charset="0"/>
+              </a:rPr>
+              <a:t> </a:t>
+            </a:r>
+            <a:r>
+              <a:rPr lang="en-US" dirty="0" err="1">
+                <a:latin typeface="Helvetica Neue" panose="02000503000000020004" pitchFamily="2" charset="0"/>
+                <a:ea typeface="+mn-lt"/>
+                <a:cs typeface="Segoe UI" panose="020B0502040204020203" pitchFamily="34" charset="0"/>
+              </a:rPr>
+              <a:t>técnicas</a:t>
+            </a:r>
+            <a:r>
+              <a:rPr lang="en-US" dirty="0">
+                <a:latin typeface="Helvetica Neue" panose="02000503000000020004" pitchFamily="2" charset="0"/>
+                <a:ea typeface="+mn-lt"/>
+                <a:cs typeface="Segoe UI" panose="020B0502040204020203" pitchFamily="34" charset="0"/>
+              </a:rPr>
+              <a:t> de </a:t>
+            </a:r>
+            <a:r>
+              <a:rPr lang="en-US" dirty="0" err="1">
+                <a:latin typeface="Helvetica Neue" panose="02000503000000020004" pitchFamily="2" charset="0"/>
+                <a:ea typeface="+mn-lt"/>
+                <a:cs typeface="Segoe UI" panose="020B0502040204020203" pitchFamily="34" charset="0"/>
+              </a:rPr>
+              <a:t>ingeniería</a:t>
+            </a:r>
+            <a:r>
+              <a:rPr lang="en-US" dirty="0">
+                <a:latin typeface="Helvetica Neue" panose="02000503000000020004" pitchFamily="2" charset="0"/>
+                <a:ea typeface="+mn-lt"/>
+                <a:cs typeface="Segoe UI" panose="020B0502040204020203" pitchFamily="34" charset="0"/>
+              </a:rPr>
+              <a:t> social.</a:t>
+            </a:r>
+            <a:br>
+              <a:rPr lang="en-US" dirty="0">
+                <a:latin typeface="Helvetica Neue" panose="02000503000000020004" pitchFamily="2" charset="0"/>
+                <a:ea typeface="+mn-lt"/>
+                <a:cs typeface="Segoe UI" panose="020B0502040204020203" pitchFamily="34" charset="0"/>
+              </a:rPr>
+            </a:br>
+            <a:endParaRPr lang="en-US" dirty="0">
               <a:latin typeface="Helvetica Neue" panose="02000503000000020004" pitchFamily="2" charset="0"/>
               <a:cs typeface="Segoe UI" panose="020B0502040204020203" pitchFamily="34" charset="0"/>
             </a:endParaRPr>
           </a:p>
           <a:p>
-            <a:r>
-              <a:rPr lang="en-US" sz="3000" dirty="0" err="1">
-                <a:latin typeface="Helvetica Neue" panose="02000503000000020004" pitchFamily="2" charset="0"/>
-                <a:cs typeface="Segoe UI" panose="020B0502040204020203" pitchFamily="34" charset="0"/>
-              </a:rPr>
-              <a:t>Servidor</a:t>
-            </a:r>
-            <a:r>
-              <a:rPr lang="en-US" sz="3000" dirty="0">
-                <a:latin typeface="Helvetica Neue" panose="02000503000000020004" pitchFamily="2" charset="0"/>
+            <a:pPr>
+              <a:buFont typeface="Wingdings" panose="05000000000000000000" pitchFamily="2" charset="2"/>
+              <a:buChar char="ü"/>
+            </a:pPr>
+            <a:r>
+              <a:rPr lang="en-US" dirty="0">
+                <a:latin typeface="Helvetica Neue" panose="02000503000000020004" pitchFamily="2" charset="0"/>
+                <a:ea typeface="+mn-lt"/>
+                <a:cs typeface="Segoe UI" panose="020B0502040204020203" pitchFamily="34" charset="0"/>
+              </a:rPr>
+              <a:t> </a:t>
+            </a:r>
+            <a:r>
+              <a:rPr lang="en-US" dirty="0" err="1">
+                <a:latin typeface="Helvetica Neue" panose="02000503000000020004" pitchFamily="2" charset="0"/>
+                <a:ea typeface="+mn-lt"/>
+                <a:cs typeface="Segoe UI" panose="020B0502040204020203" pitchFamily="34" charset="0"/>
+              </a:rPr>
+              <a:t>Analizar</a:t>
+            </a:r>
+            <a:r>
+              <a:rPr lang="en-US" dirty="0">
+                <a:latin typeface="Helvetica Neue" panose="02000503000000020004" pitchFamily="2" charset="0"/>
+                <a:ea typeface="+mn-lt"/>
+                <a:cs typeface="Segoe UI" panose="020B0502040204020203" pitchFamily="34" charset="0"/>
+              </a:rPr>
+              <a:t> los </a:t>
+            </a:r>
+            <a:r>
+              <a:rPr lang="en-US" dirty="0" err="1">
+                <a:latin typeface="Helvetica Neue" panose="02000503000000020004" pitchFamily="2" charset="0"/>
+                <a:ea typeface="+mn-lt"/>
+                <a:cs typeface="Segoe UI" panose="020B0502040204020203" pitchFamily="34" charset="0"/>
+              </a:rPr>
+              <a:t>datos</a:t>
+            </a:r>
+            <a:r>
+              <a:rPr lang="en-US" dirty="0">
+                <a:latin typeface="Helvetica Neue" panose="02000503000000020004" pitchFamily="2" charset="0"/>
+                <a:ea typeface="+mn-lt"/>
+                <a:cs typeface="Segoe UI" panose="020B0502040204020203" pitchFamily="34" charset="0"/>
+              </a:rPr>
+              <a:t> </a:t>
+            </a:r>
+            <a:r>
+              <a:rPr lang="en-US" dirty="0" err="1">
+                <a:latin typeface="Helvetica Neue" panose="02000503000000020004" pitchFamily="2" charset="0"/>
+                <a:ea typeface="+mn-lt"/>
+                <a:cs typeface="Segoe UI" panose="020B0502040204020203" pitchFamily="34" charset="0"/>
+              </a:rPr>
+              <a:t>recolectados</a:t>
+            </a:r>
+            <a:r>
+              <a:rPr lang="en-US" dirty="0">
+                <a:latin typeface="Helvetica Neue" panose="02000503000000020004" pitchFamily="2" charset="0"/>
+                <a:ea typeface="+mn-lt"/>
+                <a:cs typeface="Segoe UI" panose="020B0502040204020203" pitchFamily="34" charset="0"/>
+              </a:rPr>
+              <a:t> en el </a:t>
+            </a:r>
+            <a:r>
+              <a:rPr lang="en-US" dirty="0" err="1">
+                <a:latin typeface="Helvetica Neue" panose="02000503000000020004" pitchFamily="2" charset="0"/>
+                <a:ea typeface="+mn-lt"/>
+                <a:cs typeface="Segoe UI" panose="020B0502040204020203" pitchFamily="34" charset="0"/>
+              </a:rPr>
+              <a:t>ataque</a:t>
+            </a:r>
+            <a:r>
+              <a:rPr lang="en-US" dirty="0">
+                <a:latin typeface="Helvetica Neue" panose="02000503000000020004" pitchFamily="2" charset="0"/>
+                <a:ea typeface="+mn-lt"/>
+                <a:cs typeface="Segoe UI" panose="020B0502040204020203" pitchFamily="34" charset="0"/>
+              </a:rPr>
+              <a:t> para </a:t>
+            </a:r>
+            <a:r>
+              <a:rPr lang="en-US" dirty="0" err="1">
+                <a:latin typeface="Helvetica Neue" panose="02000503000000020004" pitchFamily="2" charset="0"/>
+                <a:ea typeface="+mn-lt"/>
+                <a:cs typeface="Segoe UI" panose="020B0502040204020203" pitchFamily="34" charset="0"/>
+              </a:rPr>
+              <a:t>proponer</a:t>
+            </a:r>
+            <a:r>
+              <a:rPr lang="en-US" dirty="0">
+                <a:latin typeface="Helvetica Neue" panose="02000503000000020004" pitchFamily="2" charset="0"/>
+                <a:ea typeface="+mn-lt"/>
+                <a:cs typeface="Segoe UI" panose="020B0502040204020203" pitchFamily="34" charset="0"/>
+              </a:rPr>
+              <a:t> </a:t>
+            </a:r>
+            <a:r>
+              <a:rPr lang="en-US" dirty="0" err="1">
+                <a:latin typeface="Helvetica Neue" panose="02000503000000020004" pitchFamily="2" charset="0"/>
+                <a:ea typeface="+mn-lt"/>
+                <a:cs typeface="Segoe UI" panose="020B0502040204020203" pitchFamily="34" charset="0"/>
+              </a:rPr>
+              <a:t>estrategias</a:t>
+            </a:r>
+            <a:r>
+              <a:rPr lang="en-US" dirty="0">
+                <a:latin typeface="Helvetica Neue" panose="02000503000000020004" pitchFamily="2" charset="0"/>
+                <a:ea typeface="+mn-lt"/>
                 <a:cs typeface="Segoe UI" panose="020B0502040204020203" pitchFamily="34" charset="0"/>
               </a:rPr>
               <a:t> de </a:t>
             </a:r>
             <a:r>
-              <a:rPr lang="en-US" sz="3000" dirty="0" err="1">
-                <a:latin typeface="Helvetica Neue" panose="02000503000000020004" pitchFamily="2" charset="0"/>
-                <a:cs typeface="Segoe UI" panose="020B0502040204020203" pitchFamily="34" charset="0"/>
-              </a:rPr>
-              <a:t>Correo</a:t>
-            </a:r>
-            <a:endParaRPr lang="en-US" sz="3000" dirty="0">
+              <a:rPr lang="en-US" dirty="0" err="1">
+                <a:latin typeface="Helvetica Neue" panose="02000503000000020004" pitchFamily="2" charset="0"/>
+                <a:ea typeface="+mn-lt"/>
+                <a:cs typeface="Segoe UI" panose="020B0502040204020203" pitchFamily="34" charset="0"/>
+              </a:rPr>
+              <a:t>prevención</a:t>
+            </a:r>
+            <a:r>
+              <a:rPr lang="en-US" dirty="0">
+                <a:latin typeface="Helvetica Neue" panose="02000503000000020004" pitchFamily="2" charset="0"/>
+                <a:ea typeface="+mn-lt"/>
+                <a:cs typeface="Segoe UI" panose="020B0502040204020203" pitchFamily="34" charset="0"/>
+              </a:rPr>
+              <a:t> dentro de la </a:t>
+            </a:r>
+            <a:r>
+              <a:rPr lang="en-US" dirty="0" err="1">
+                <a:latin typeface="Helvetica Neue" panose="02000503000000020004" pitchFamily="2" charset="0"/>
+                <a:ea typeface="+mn-lt"/>
+                <a:cs typeface="Segoe UI" panose="020B0502040204020203" pitchFamily="34" charset="0"/>
+              </a:rPr>
+              <a:t>comunidad</a:t>
+            </a:r>
+            <a:r>
+              <a:rPr lang="en-US" dirty="0">
+                <a:latin typeface="Helvetica Neue" panose="02000503000000020004" pitchFamily="2" charset="0"/>
+                <a:ea typeface="+mn-lt"/>
+                <a:cs typeface="Segoe UI" panose="020B0502040204020203" pitchFamily="34" charset="0"/>
+              </a:rPr>
+              <a:t> </a:t>
+            </a:r>
+            <a:r>
+              <a:rPr lang="en-US" dirty="0" err="1">
+                <a:latin typeface="Helvetica Neue" panose="02000503000000020004" pitchFamily="2" charset="0"/>
+                <a:ea typeface="+mn-lt"/>
+                <a:cs typeface="Segoe UI" panose="020B0502040204020203" pitchFamily="34" charset="0"/>
+              </a:rPr>
+              <a:t>educativa</a:t>
+            </a:r>
+            <a:r>
+              <a:rPr lang="en-US" dirty="0">
+                <a:latin typeface="Helvetica Neue" panose="02000503000000020004" pitchFamily="2" charset="0"/>
+                <a:ea typeface="+mn-lt"/>
+                <a:cs typeface="Segoe UI" panose="020B0502040204020203" pitchFamily="34" charset="0"/>
+              </a:rPr>
+              <a:t>.</a:t>
+            </a:r>
+            <a:br>
+              <a:rPr lang="en-US" dirty="0">
+                <a:latin typeface="Helvetica Neue" panose="02000503000000020004" pitchFamily="2" charset="0"/>
+                <a:ea typeface="+mn-lt"/>
+                <a:cs typeface="Segoe UI" panose="020B0502040204020203" pitchFamily="34" charset="0"/>
+              </a:rPr>
+            </a:br>
+            <a:endParaRPr lang="en-US" dirty="0">
+              <a:latin typeface="Helvetica Neue" panose="02000503000000020004" pitchFamily="2" charset="0"/>
+              <a:cs typeface="Segoe UI" panose="020B0502040204020203" pitchFamily="34" charset="0"/>
+            </a:endParaRPr>
+          </a:p>
+          <a:p>
+            <a:pPr>
+              <a:buFont typeface="Wingdings" panose="05000000000000000000" pitchFamily="2" charset="2"/>
+              <a:buChar char="ü"/>
+            </a:pPr>
+            <a:r>
+              <a:rPr lang="en-US" dirty="0">
+                <a:latin typeface="Helvetica Neue" panose="02000503000000020004" pitchFamily="2" charset="0"/>
+                <a:ea typeface="+mn-lt"/>
+                <a:cs typeface="Segoe UI" panose="020B0502040204020203" pitchFamily="34" charset="0"/>
+              </a:rPr>
+              <a:t> </a:t>
+            </a:r>
+            <a:r>
+              <a:rPr lang="en-US" dirty="0" err="1">
+                <a:latin typeface="Helvetica Neue" panose="02000503000000020004" pitchFamily="2" charset="0"/>
+                <a:ea typeface="+mn-lt"/>
+                <a:cs typeface="Segoe UI" panose="020B0502040204020203" pitchFamily="34" charset="0"/>
+              </a:rPr>
+              <a:t>Definir</a:t>
+            </a:r>
+            <a:r>
+              <a:rPr lang="en-US" dirty="0">
+                <a:latin typeface="Helvetica Neue" panose="02000503000000020004" pitchFamily="2" charset="0"/>
+                <a:ea typeface="+mn-lt"/>
+                <a:cs typeface="Segoe UI" panose="020B0502040204020203" pitchFamily="34" charset="0"/>
+              </a:rPr>
+              <a:t> el </a:t>
+            </a:r>
+            <a:r>
+              <a:rPr lang="en-US" dirty="0" err="1">
+                <a:latin typeface="Helvetica Neue" panose="02000503000000020004" pitchFamily="2" charset="0"/>
+                <a:ea typeface="+mn-lt"/>
+                <a:cs typeface="Segoe UI" panose="020B0502040204020203" pitchFamily="34" charset="0"/>
+              </a:rPr>
+              <a:t>ataque</a:t>
+            </a:r>
+            <a:r>
+              <a:rPr lang="en-US" dirty="0">
+                <a:latin typeface="Helvetica Neue" panose="02000503000000020004" pitchFamily="2" charset="0"/>
+                <a:ea typeface="+mn-lt"/>
+                <a:cs typeface="Segoe UI" panose="020B0502040204020203" pitchFamily="34" charset="0"/>
+              </a:rPr>
+              <a:t> con mayor </a:t>
+            </a:r>
+            <a:r>
+              <a:rPr lang="en-US" dirty="0" err="1">
+                <a:latin typeface="Helvetica Neue" panose="02000503000000020004" pitchFamily="2" charset="0"/>
+                <a:ea typeface="+mn-lt"/>
+                <a:cs typeface="Segoe UI" panose="020B0502040204020203" pitchFamily="34" charset="0"/>
+              </a:rPr>
+              <a:t>impacto</a:t>
+            </a:r>
+            <a:r>
+              <a:rPr lang="en-US" dirty="0">
+                <a:latin typeface="Helvetica Neue" panose="02000503000000020004" pitchFamily="2" charset="0"/>
+                <a:ea typeface="+mn-lt"/>
+                <a:cs typeface="Segoe UI" panose="020B0502040204020203" pitchFamily="34" charset="0"/>
+              </a:rPr>
+              <a:t> y </a:t>
+            </a:r>
+            <a:r>
+              <a:rPr lang="en-US" dirty="0" err="1">
+                <a:latin typeface="Helvetica Neue" panose="02000503000000020004" pitchFamily="2" charset="0"/>
+                <a:ea typeface="+mn-lt"/>
+                <a:cs typeface="Segoe UI" panose="020B0502040204020203" pitchFamily="34" charset="0"/>
+              </a:rPr>
+              <a:t>efectividad</a:t>
+            </a:r>
+            <a:r>
+              <a:rPr lang="en-US" dirty="0">
+                <a:latin typeface="Helvetica Neue" panose="02000503000000020004" pitchFamily="2" charset="0"/>
+                <a:ea typeface="+mn-lt"/>
+                <a:cs typeface="Segoe UI" panose="020B0502040204020203" pitchFamily="34" charset="0"/>
+              </a:rPr>
+              <a:t> dentro de los </a:t>
+            </a:r>
+            <a:r>
+              <a:rPr lang="en-US" dirty="0" err="1">
+                <a:latin typeface="Helvetica Neue" panose="02000503000000020004" pitchFamily="2" charset="0"/>
+                <a:ea typeface="+mn-lt"/>
+                <a:cs typeface="Segoe UI" panose="020B0502040204020203" pitchFamily="34" charset="0"/>
+              </a:rPr>
+              <a:t>propuestos</a:t>
+            </a:r>
+            <a:r>
+              <a:rPr lang="en-US" dirty="0">
+                <a:latin typeface="Helvetica Neue" panose="02000503000000020004" pitchFamily="2" charset="0"/>
+                <a:ea typeface="+mn-lt"/>
+                <a:cs typeface="Segoe UI" panose="020B0502040204020203" pitchFamily="34" charset="0"/>
+              </a:rPr>
+              <a:t>.</a:t>
+            </a:r>
+            <a:endParaRPr lang="en-US" dirty="0">
               <a:latin typeface="Helvetica Neue" panose="02000503000000020004" pitchFamily="2" charset="0"/>
               <a:cs typeface="Segoe UI" panose="020B0502040204020203" pitchFamily="34" charset="0"/>
             </a:endParaRPr>
@@ -6155,7 +5620,7 @@
           <p:cNvPr id="5" name="Picture 4">
             <a:extLst>
               <a:ext uri="{FF2B5EF4-FFF2-40B4-BE49-F238E27FC236}">
-                <a16:creationId xmlns:a16="http://schemas.microsoft.com/office/drawing/2014/main" id="{6D9A97AA-D8AF-4CDA-8B89-65548DBA1FBC}"/>
+                <a16:creationId xmlns:a16="http://schemas.microsoft.com/office/drawing/2014/main" id="{F1D26B2D-D157-4E08-A123-F7B8B36A4993}"/>
               </a:ext>
             </a:extLst>
           </p:cNvPr>
@@ -6172,13 +5637,13 @@
               </a:ext>
             </a:extLst>
           </a:blip>
-          <a:srcRect l="51307" r="25010" b="52984"/>
+          <a:srcRect l="13971" r="8010"/>
           <a:stretch/>
         </p:blipFill>
         <p:spPr>
           <a:xfrm>
-            <a:off x="1684980" y="2856699"/>
-            <a:ext cx="3598752" cy="2857688"/>
+            <a:off x="7526080" y="2406034"/>
+            <a:ext cx="4082902" cy="3788175"/>
           </a:xfrm>
           <a:prstGeom prst="rect">
             <a:avLst/>
@@ -6188,7 +5653,7 @@
     </p:spTree>
     <p:extLst>
       <p:ext uri="{BB962C8B-B14F-4D97-AF65-F5344CB8AC3E}">
-        <p14:creationId xmlns:p14="http://schemas.microsoft.com/office/powerpoint/2010/main" val="440818589"/>
+        <p14:creationId xmlns:p14="http://schemas.microsoft.com/office/powerpoint/2010/main" val="3512471970"/>
       </p:ext>
     </p:extLst>
   </p:cSld>
@@ -6220,7 +5685,7 @@
           <p:cNvPr id="2" name="Title 1">
             <a:extLst>
               <a:ext uri="{FF2B5EF4-FFF2-40B4-BE49-F238E27FC236}">
-                <a16:creationId xmlns:a16="http://schemas.microsoft.com/office/drawing/2014/main" id="{F8F34E4A-8026-4ED7-9864-078C247D4C22}"/>
+                <a16:creationId xmlns:a16="http://schemas.microsoft.com/office/drawing/2014/main" id="{9AE400C0-AFBA-41C5-A794-1AF8D7CCB1D0}"/>
               </a:ext>
             </a:extLst>
           </p:cNvPr>
@@ -6233,7 +5698,7 @@
         </p:nvSpPr>
         <p:spPr>
           <a:xfrm>
-            <a:off x="838200" y="1041920"/>
+            <a:off x="838200" y="1049267"/>
             <a:ext cx="10515600" cy="1325563"/>
           </a:xfrm>
         </p:spPr>
@@ -6241,76 +5706,491 @@
           <a:bodyPr/>
           <a:lstStyle/>
           <a:p>
-            <a:r>
-              <a:rPr lang="en-US" dirty="0">
-                <a:latin typeface="Helvetica Neue" panose="02000503000000020004" pitchFamily="2" charset="0"/>
+            <a:pPr algn="ctr"/>
+            <a:r>
+              <a:rPr lang="en-US" dirty="0" err="1">
+                <a:latin typeface="Helvetica Neue" panose="02000503000000020004" pitchFamily="2" charset="0"/>
+                <a:cs typeface="Segoe UI" panose="020B0502040204020203" pitchFamily="34" charset="0"/>
+              </a:rPr>
+              <a:t>Metodología</a:t>
+            </a:r>
+            <a:r>
+              <a:rPr lang="en-US" dirty="0">
+                <a:latin typeface="Helvetica Neue" panose="02000503000000020004" pitchFamily="2" charset="0"/>
+                <a:cs typeface="Segoe UI" panose="020B0502040204020203" pitchFamily="34" charset="0"/>
+              </a:rPr>
+              <a:t> </a:t>
+            </a:r>
+          </a:p>
+        </p:txBody>
+      </p:sp>
+      <p:sp>
+        <p:nvSpPr>
+          <p:cNvPr id="3" name="Content Placeholder 2">
+            <a:extLst>
+              <a:ext uri="{FF2B5EF4-FFF2-40B4-BE49-F238E27FC236}">
+                <a16:creationId xmlns:a16="http://schemas.microsoft.com/office/drawing/2014/main" id="{7D1292A7-1FC7-4E51-A4E0-6ACFD9F2108E}"/>
+              </a:ext>
+            </a:extLst>
+          </p:cNvPr>
+          <p:cNvSpPr>
+            <a:spLocks noGrp="1"/>
+          </p:cNvSpPr>
+          <p:nvPr>
+            <p:ph idx="1"/>
+          </p:nvPr>
+        </p:nvSpPr>
+        <p:spPr>
+          <a:xfrm>
+            <a:off x="540488" y="2374830"/>
+            <a:ext cx="7306340" cy="3828726"/>
+          </a:xfrm>
+        </p:spPr>
+        <p:txBody>
+          <a:bodyPr vert="horz" lIns="91440" tIns="45720" rIns="91440" bIns="45720" rtlCol="0" anchor="t">
+            <a:normAutofit/>
+          </a:bodyPr>
+          <a:lstStyle/>
+          <a:p>
+            <a:pPr marL="0" indent="0">
+              <a:buNone/>
+            </a:pPr>
+            <a:r>
+              <a:rPr lang="en-US" b="1" dirty="0">
+                <a:solidFill>
+                  <a:srgbClr val="DB2D2D"/>
+                </a:solidFill>
+                <a:latin typeface="Helvetica Neue" panose="02000503000000020004" pitchFamily="2" charset="0"/>
+                <a:ea typeface="+mn-lt"/>
                 <a:cs typeface="Segoe UI" panose="020B0502040204020203" pitchFamily="34" charset="0"/>
               </a:rPr>
               <a:t>1. </a:t>
             </a:r>
             <a:r>
+              <a:rPr lang="en-US" dirty="0">
+                <a:latin typeface="Helvetica Neue" panose="02000503000000020004" pitchFamily="2" charset="0"/>
+                <a:ea typeface="+mn-lt"/>
+                <a:cs typeface="Segoe UI" panose="020B0502040204020203" pitchFamily="34" charset="0"/>
+              </a:rPr>
+              <a:t>Estudio de población </a:t>
+            </a:r>
+            <a:r>
               <a:rPr lang="en-US" dirty="0" err="1">
                 <a:latin typeface="Helvetica Neue" panose="02000503000000020004" pitchFamily="2" charset="0"/>
-                <a:cs typeface="Segoe UI" panose="020B0502040204020203" pitchFamily="34" charset="0"/>
-              </a:rPr>
-              <a:t>Estudio</a:t>
-            </a:r>
-            <a:r>
-              <a:rPr lang="en-US" dirty="0">
-                <a:latin typeface="Helvetica Neue" panose="02000503000000020004" pitchFamily="2" charset="0"/>
-                <a:cs typeface="Segoe UI" panose="020B0502040204020203" pitchFamily="34" charset="0"/>
-              </a:rPr>
-              <a:t> de Población </a:t>
+                <a:ea typeface="+mn-lt"/>
+                <a:cs typeface="Segoe UI" panose="020B0502040204020203" pitchFamily="34" charset="0"/>
+              </a:rPr>
+              <a:t>objetivo</a:t>
+            </a:r>
+            <a:r>
+              <a:rPr lang="en-US" dirty="0">
+                <a:latin typeface="Helvetica Neue" panose="02000503000000020004" pitchFamily="2" charset="0"/>
+                <a:ea typeface="+mn-lt"/>
+                <a:cs typeface="Segoe UI" panose="020B0502040204020203" pitchFamily="34" charset="0"/>
+              </a:rPr>
+              <a:t>.</a:t>
+            </a:r>
+            <a:endParaRPr lang="en-US" dirty="0">
+              <a:latin typeface="Helvetica Neue" panose="02000503000000020004" pitchFamily="2" charset="0"/>
+              <a:cs typeface="Segoe UI" panose="020B0502040204020203" pitchFamily="34" charset="0"/>
+            </a:endParaRPr>
+          </a:p>
+          <a:p>
+            <a:pPr marL="0" indent="0">
+              <a:buNone/>
+            </a:pPr>
+            <a:r>
+              <a:rPr lang="en-US" b="1" dirty="0">
+                <a:solidFill>
+                  <a:srgbClr val="DB2D2D"/>
+                </a:solidFill>
+                <a:latin typeface="Helvetica Neue" panose="02000503000000020004" pitchFamily="2" charset="0"/>
+                <a:ea typeface="+mn-lt"/>
+                <a:cs typeface="Segoe UI" panose="020B0502040204020203" pitchFamily="34" charset="0"/>
+              </a:rPr>
+              <a:t>2. </a:t>
+            </a:r>
+            <a:r>
+              <a:rPr lang="en-US" dirty="0">
+                <a:latin typeface="Helvetica Neue" panose="02000503000000020004" pitchFamily="2" charset="0"/>
+                <a:ea typeface="+mn-lt"/>
+                <a:cs typeface="Segoe UI" panose="020B0502040204020203" pitchFamily="34" charset="0"/>
+              </a:rPr>
+              <a:t>Perfilamiento para la </a:t>
             </a:r>
             <a:r>
               <a:rPr lang="en-US" dirty="0" err="1">
                 <a:latin typeface="Helvetica Neue" panose="02000503000000020004" pitchFamily="2" charset="0"/>
-                <a:cs typeface="Segoe UI" panose="020B0502040204020203" pitchFamily="34" charset="0"/>
-              </a:rPr>
-              <a:t>Objetivo</a:t>
-            </a:r>
-            <a:r>
-              <a:rPr lang="en-US" dirty="0">
-                <a:latin typeface="Helvetica Neue" panose="02000503000000020004" pitchFamily="2" charset="0"/>
-                <a:cs typeface="Segoe UI" panose="020B0502040204020203" pitchFamily="34" charset="0"/>
-              </a:rPr>
-              <a:t> </a:t>
-            </a:r>
+                <a:ea typeface="+mn-lt"/>
+                <a:cs typeface="Segoe UI" panose="020B0502040204020203" pitchFamily="34" charset="0"/>
+              </a:rPr>
+              <a:t>dirección</a:t>
+            </a:r>
+            <a:r>
+              <a:rPr lang="en-US" dirty="0">
+                <a:latin typeface="Helvetica Neue" panose="02000503000000020004" pitchFamily="2" charset="0"/>
+                <a:ea typeface="+mn-lt"/>
+                <a:cs typeface="Segoe UI" panose="020B0502040204020203" pitchFamily="34" charset="0"/>
+              </a:rPr>
+              <a:t> del </a:t>
+            </a:r>
+            <a:r>
+              <a:rPr lang="en-US" dirty="0" err="1">
+                <a:latin typeface="Helvetica Neue" panose="02000503000000020004" pitchFamily="2" charset="0"/>
+                <a:ea typeface="+mn-lt"/>
+                <a:cs typeface="Segoe UI" panose="020B0502040204020203" pitchFamily="34" charset="0"/>
+              </a:rPr>
+              <a:t>ataque</a:t>
+            </a:r>
+            <a:r>
+              <a:rPr lang="en-US" dirty="0">
+                <a:latin typeface="Helvetica Neue" panose="02000503000000020004" pitchFamily="2" charset="0"/>
+                <a:ea typeface="+mn-lt"/>
+                <a:cs typeface="Segoe UI" panose="020B0502040204020203" pitchFamily="34" charset="0"/>
+              </a:rPr>
+              <a:t>.</a:t>
+            </a:r>
+            <a:endParaRPr lang="en-US" dirty="0">
+              <a:latin typeface="Helvetica Neue" panose="02000503000000020004" pitchFamily="2" charset="0"/>
+              <a:cs typeface="Segoe UI" panose="020B0502040204020203" pitchFamily="34" charset="0"/>
+            </a:endParaRPr>
+          </a:p>
+          <a:p>
+            <a:pPr marL="0" indent="0">
+              <a:buNone/>
+            </a:pPr>
+            <a:r>
+              <a:rPr lang="en-US" b="1" dirty="0">
+                <a:solidFill>
+                  <a:srgbClr val="DB2D2D"/>
+                </a:solidFill>
+                <a:latin typeface="Helvetica Neue" panose="02000503000000020004" pitchFamily="2" charset="0"/>
+                <a:ea typeface="+mn-lt"/>
+                <a:cs typeface="Segoe UI" panose="020B0502040204020203" pitchFamily="34" charset="0"/>
+              </a:rPr>
+              <a:t>3. </a:t>
+            </a:r>
+            <a:r>
+              <a:rPr lang="en-US" dirty="0" err="1">
+                <a:latin typeface="Helvetica Neue" panose="02000503000000020004" pitchFamily="2" charset="0"/>
+                <a:ea typeface="+mn-lt"/>
+                <a:cs typeface="Segoe UI" panose="020B0502040204020203" pitchFamily="34" charset="0"/>
+              </a:rPr>
+              <a:t>Página</a:t>
+            </a:r>
+            <a:r>
+              <a:rPr lang="en-US" dirty="0">
+                <a:latin typeface="Helvetica Neue" panose="02000503000000020004" pitchFamily="2" charset="0"/>
+                <a:ea typeface="+mn-lt"/>
+                <a:cs typeface="Segoe UI" panose="020B0502040204020203" pitchFamily="34" charset="0"/>
+              </a:rPr>
+              <a:t> web.</a:t>
+            </a:r>
+            <a:endParaRPr lang="en-US" dirty="0">
+              <a:latin typeface="Helvetica Neue" panose="02000503000000020004" pitchFamily="2" charset="0"/>
+              <a:cs typeface="Segoe UI" panose="020B0502040204020203" pitchFamily="34" charset="0"/>
+            </a:endParaRPr>
+          </a:p>
+          <a:p>
+            <a:pPr marL="0" indent="0">
+              <a:buNone/>
+            </a:pPr>
+            <a:r>
+              <a:rPr lang="en-US" b="1" dirty="0">
+                <a:solidFill>
+                  <a:srgbClr val="DB2D2D"/>
+                </a:solidFill>
+                <a:latin typeface="Helvetica Neue" panose="02000503000000020004" pitchFamily="2" charset="0"/>
+                <a:ea typeface="+mn-lt"/>
+                <a:cs typeface="Segoe UI" panose="020B0502040204020203" pitchFamily="34" charset="0"/>
+              </a:rPr>
+              <a:t>4. </a:t>
+            </a:r>
+            <a:r>
+              <a:rPr lang="en-US" dirty="0" err="1">
+                <a:latin typeface="Helvetica Neue" panose="02000503000000020004" pitchFamily="2" charset="0"/>
+                <a:ea typeface="+mn-lt"/>
+                <a:cs typeface="Segoe UI" panose="020B0502040204020203" pitchFamily="34" charset="0"/>
+              </a:rPr>
+              <a:t>Envío</a:t>
+            </a:r>
+            <a:r>
+              <a:rPr lang="en-US" dirty="0">
+                <a:latin typeface="Helvetica Neue" panose="02000503000000020004" pitchFamily="2" charset="0"/>
+                <a:ea typeface="+mn-lt"/>
+                <a:cs typeface="Segoe UI" panose="020B0502040204020203" pitchFamily="34" charset="0"/>
+              </a:rPr>
+              <a:t> de </a:t>
+            </a:r>
+            <a:r>
+              <a:rPr lang="en-US" dirty="0" err="1">
+                <a:latin typeface="Helvetica Neue" panose="02000503000000020004" pitchFamily="2" charset="0"/>
+                <a:ea typeface="+mn-lt"/>
+                <a:cs typeface="Segoe UI" panose="020B0502040204020203" pitchFamily="34" charset="0"/>
+              </a:rPr>
+              <a:t>notificación</a:t>
+            </a:r>
+            <a:r>
+              <a:rPr lang="en-US" dirty="0">
+                <a:latin typeface="Helvetica Neue" panose="02000503000000020004" pitchFamily="2" charset="0"/>
+                <a:ea typeface="+mn-lt"/>
+                <a:cs typeface="Segoe UI" panose="020B0502040204020203" pitchFamily="34" charset="0"/>
+              </a:rPr>
+              <a:t> (</a:t>
+            </a:r>
+            <a:r>
+              <a:rPr lang="en-US" dirty="0" err="1">
+                <a:latin typeface="Helvetica Neue" panose="02000503000000020004" pitchFamily="2" charset="0"/>
+                <a:ea typeface="+mn-lt"/>
+                <a:cs typeface="Segoe UI" panose="020B0502040204020203" pitchFamily="34" charset="0"/>
+              </a:rPr>
+              <a:t>correo</a:t>
+            </a:r>
+            <a:r>
+              <a:rPr lang="en-US" dirty="0">
+                <a:latin typeface="Helvetica Neue" panose="02000503000000020004" pitchFamily="2" charset="0"/>
+                <a:ea typeface="+mn-lt"/>
+                <a:cs typeface="Segoe UI" panose="020B0502040204020203" pitchFamily="34" charset="0"/>
+              </a:rPr>
+              <a:t> </a:t>
+            </a:r>
+            <a:r>
+              <a:rPr lang="en-US" dirty="0" err="1">
+                <a:latin typeface="Helvetica Neue" panose="02000503000000020004" pitchFamily="2" charset="0"/>
+                <a:ea typeface="+mn-lt"/>
+                <a:cs typeface="Segoe UI" panose="020B0502040204020203" pitchFamily="34" charset="0"/>
+              </a:rPr>
+              <a:t>electrónico</a:t>
+            </a:r>
+            <a:r>
+              <a:rPr lang="en-US" dirty="0">
+                <a:latin typeface="Helvetica Neue" panose="02000503000000020004" pitchFamily="2" charset="0"/>
+                <a:ea typeface="+mn-lt"/>
+                <a:cs typeface="Segoe UI" panose="020B0502040204020203" pitchFamily="34" charset="0"/>
+              </a:rPr>
+              <a:t>).</a:t>
+            </a:r>
+          </a:p>
+          <a:p>
+            <a:pPr marL="0" indent="0">
+              <a:buNone/>
+            </a:pPr>
+            <a:r>
+              <a:rPr lang="en-US" b="1" dirty="0">
+                <a:solidFill>
+                  <a:srgbClr val="FF0000"/>
+                </a:solidFill>
+                <a:latin typeface="Helvetica Neue" panose="02000503000000020004" pitchFamily="2" charset="0"/>
+                <a:cs typeface="Segoe UI" panose="020B0502040204020203" pitchFamily="34" charset="0"/>
+              </a:rPr>
+              <a:t>5. </a:t>
+            </a:r>
+            <a:r>
+              <a:rPr lang="en-US" dirty="0">
+                <a:latin typeface="Helvetica Neue" panose="02000503000000020004" pitchFamily="2" charset="0"/>
+                <a:ea typeface="+mn-lt"/>
+                <a:cs typeface="Segoe UI" panose="020B0502040204020203" pitchFamily="34" charset="0"/>
+              </a:rPr>
+              <a:t>Obtención de </a:t>
+            </a:r>
+            <a:r>
+              <a:rPr lang="en-US" dirty="0" err="1">
+                <a:latin typeface="Helvetica Neue" panose="02000503000000020004" pitchFamily="2" charset="0"/>
+                <a:ea typeface="+mn-lt"/>
+                <a:cs typeface="Segoe UI" panose="020B0502040204020203" pitchFamily="34" charset="0"/>
+              </a:rPr>
+              <a:t>información</a:t>
+            </a:r>
+            <a:r>
+              <a:rPr lang="en-US" dirty="0">
+                <a:latin typeface="Helvetica Neue" panose="02000503000000020004" pitchFamily="2" charset="0"/>
+                <a:ea typeface="+mn-lt"/>
+                <a:cs typeface="Segoe UI" panose="020B0502040204020203" pitchFamily="34" charset="0"/>
+              </a:rPr>
+              <a:t> (</a:t>
+            </a:r>
+            <a:r>
+              <a:rPr lang="en-US" dirty="0" err="1">
+                <a:latin typeface="Helvetica Neue" panose="02000503000000020004" pitchFamily="2" charset="0"/>
+                <a:ea typeface="+mn-lt"/>
+                <a:cs typeface="Segoe UI" panose="020B0502040204020203" pitchFamily="34" charset="0"/>
+              </a:rPr>
+              <a:t>número</a:t>
+            </a:r>
+            <a:r>
+              <a:rPr lang="en-US" dirty="0">
+                <a:latin typeface="Helvetica Neue" panose="02000503000000020004" pitchFamily="2" charset="0"/>
+                <a:ea typeface="+mn-lt"/>
+                <a:cs typeface="Segoe UI" panose="020B0502040204020203" pitchFamily="34" charset="0"/>
+              </a:rPr>
+              <a:t> de </a:t>
+            </a:r>
+            <a:r>
+              <a:rPr lang="en-US" dirty="0" err="1">
+                <a:latin typeface="Helvetica Neue" panose="02000503000000020004" pitchFamily="2" charset="0"/>
+                <a:ea typeface="+mn-lt"/>
+                <a:cs typeface="Segoe UI" panose="020B0502040204020203" pitchFamily="34" charset="0"/>
+              </a:rPr>
+              <a:t>teléfono</a:t>
+            </a:r>
+            <a:r>
+              <a:rPr lang="en-US" dirty="0">
+                <a:latin typeface="Helvetica Neue" panose="02000503000000020004" pitchFamily="2" charset="0"/>
+                <a:ea typeface="+mn-lt"/>
+                <a:cs typeface="Segoe UI" panose="020B0502040204020203" pitchFamily="34" charset="0"/>
+              </a:rPr>
+              <a:t>, </a:t>
+            </a:r>
+            <a:r>
+              <a:rPr lang="en-US" dirty="0" err="1">
+                <a:latin typeface="Helvetica Neue" panose="02000503000000020004" pitchFamily="2" charset="0"/>
+                <a:ea typeface="+mn-lt"/>
+                <a:cs typeface="Segoe UI" panose="020B0502040204020203" pitchFamily="34" charset="0"/>
+              </a:rPr>
+              <a:t>correo</a:t>
+            </a:r>
+            <a:r>
+              <a:rPr lang="en-US" dirty="0">
+                <a:latin typeface="Helvetica Neue" panose="02000503000000020004" pitchFamily="2" charset="0"/>
+                <a:ea typeface="+mn-lt"/>
+                <a:cs typeface="Segoe UI" panose="020B0502040204020203" pitchFamily="34" charset="0"/>
+              </a:rPr>
+              <a:t> </a:t>
+            </a:r>
+            <a:r>
+              <a:rPr lang="en-US" dirty="0" err="1">
+                <a:latin typeface="Helvetica Neue" panose="02000503000000020004" pitchFamily="2" charset="0"/>
+                <a:ea typeface="+mn-lt"/>
+                <a:cs typeface="Segoe UI" panose="020B0502040204020203" pitchFamily="34" charset="0"/>
+              </a:rPr>
+              <a:t>electrónico</a:t>
+            </a:r>
+            <a:r>
+              <a:rPr lang="en-US" dirty="0">
+                <a:latin typeface="Helvetica Neue" panose="02000503000000020004" pitchFamily="2" charset="0"/>
+                <a:ea typeface="+mn-lt"/>
+                <a:cs typeface="Segoe UI" panose="020B0502040204020203" pitchFamily="34" charset="0"/>
+              </a:rPr>
+              <a:t> personal, </a:t>
+            </a:r>
+            <a:r>
+              <a:rPr lang="en-US" dirty="0" err="1">
+                <a:latin typeface="Helvetica Neue" panose="02000503000000020004" pitchFamily="2" charset="0"/>
+                <a:ea typeface="+mn-lt"/>
+                <a:cs typeface="Segoe UI" panose="020B0502040204020203" pitchFamily="34" charset="0"/>
+              </a:rPr>
+              <a:t>contraseña</a:t>
+            </a:r>
+            <a:r>
+              <a:rPr lang="en-US" dirty="0">
+                <a:latin typeface="Helvetica Neue" panose="02000503000000020004" pitchFamily="2" charset="0"/>
+                <a:ea typeface="+mn-lt"/>
+                <a:cs typeface="Segoe UI" panose="020B0502040204020203" pitchFamily="34" charset="0"/>
+              </a:rPr>
+              <a:t>).</a:t>
+            </a:r>
+          </a:p>
+          <a:p>
+            <a:pPr marL="0" indent="0">
+              <a:buNone/>
+            </a:pPr>
+            <a:r>
+              <a:rPr lang="en-US" b="1" dirty="0">
+                <a:solidFill>
+                  <a:srgbClr val="DB2D2D"/>
+                </a:solidFill>
+                <a:latin typeface="Helvetica Neue" panose="02000503000000020004" pitchFamily="2" charset="0"/>
+                <a:ea typeface="+mn-lt"/>
+                <a:cs typeface="Segoe UI" panose="020B0502040204020203" pitchFamily="34" charset="0"/>
+              </a:rPr>
+              <a:t>6. </a:t>
+            </a:r>
+            <a:r>
+              <a:rPr lang="en-US" dirty="0">
+                <a:latin typeface="Helvetica Neue" panose="02000503000000020004" pitchFamily="2" charset="0"/>
+                <a:ea typeface="+mn-lt"/>
+                <a:cs typeface="Segoe UI" panose="020B0502040204020203" pitchFamily="34" charset="0"/>
+              </a:rPr>
+              <a:t>Análisis de </a:t>
+            </a:r>
+            <a:r>
+              <a:rPr lang="en-US" dirty="0" err="1">
+                <a:latin typeface="Helvetica Neue" panose="02000503000000020004" pitchFamily="2" charset="0"/>
+                <a:ea typeface="+mn-lt"/>
+                <a:cs typeface="Segoe UI" panose="020B0502040204020203" pitchFamily="34" charset="0"/>
+              </a:rPr>
+              <a:t>datos</a:t>
+            </a:r>
+            <a:r>
+              <a:rPr lang="en-US" dirty="0">
+                <a:latin typeface="Helvetica Neue" panose="02000503000000020004" pitchFamily="2" charset="0"/>
+                <a:ea typeface="+mn-lt"/>
+                <a:cs typeface="Segoe UI" panose="020B0502040204020203" pitchFamily="34" charset="0"/>
+              </a:rPr>
+              <a:t> </a:t>
+            </a:r>
+            <a:r>
+              <a:rPr lang="en-US" dirty="0" err="1">
+                <a:latin typeface="Helvetica Neue" panose="02000503000000020004" pitchFamily="2" charset="0"/>
+                <a:ea typeface="+mn-lt"/>
+                <a:cs typeface="Segoe UI" panose="020B0502040204020203" pitchFamily="34" charset="0"/>
+              </a:rPr>
+              <a:t>obtenidos</a:t>
+            </a:r>
+            <a:r>
+              <a:rPr lang="en-US" dirty="0">
+                <a:latin typeface="Helvetica Neue" panose="02000503000000020004" pitchFamily="2" charset="0"/>
+                <a:ea typeface="+mn-lt"/>
+                <a:cs typeface="Segoe UI" panose="020B0502040204020203" pitchFamily="34" charset="0"/>
+              </a:rPr>
+              <a:t>.</a:t>
+            </a:r>
+            <a:endParaRPr lang="en-US" dirty="0">
+              <a:latin typeface="Helvetica Neue" panose="02000503000000020004" pitchFamily="2" charset="0"/>
+              <a:cs typeface="Segoe UI" panose="020B0502040204020203" pitchFamily="34" charset="0"/>
+            </a:endParaRPr>
           </a:p>
         </p:txBody>
       </p:sp>
       <p:pic>
         <p:nvPicPr>
-          <p:cNvPr id="4" name="Picture 4" descr="A picture containing umbrella&#10;&#10;Description generated with very high confidence">
+          <p:cNvPr id="5" name="Picture 4">
             <a:extLst>
               <a:ext uri="{FF2B5EF4-FFF2-40B4-BE49-F238E27FC236}">
-                <a16:creationId xmlns:a16="http://schemas.microsoft.com/office/drawing/2014/main" id="{64D95ACE-E9F3-48AD-9B8E-408EB7796B9A}"/>
+                <a16:creationId xmlns:a16="http://schemas.microsoft.com/office/drawing/2014/main" id="{3A40C4B1-405D-44AC-898D-637DF430F64F}"/>
               </a:ext>
             </a:extLst>
           </p:cNvPr>
           <p:cNvPicPr>
-            <a:picLocks noGrp="1" noChangeAspect="1"/>
+            <a:picLocks noChangeAspect="1"/>
           </p:cNvPicPr>
-          <p:nvPr>
-            <p:ph idx="1"/>
-          </p:nvPr>
+          <p:nvPr/>
         </p:nvPicPr>
         <p:blipFill rotWithShape="1">
-          <a:blip r:embed="rId2"/>
-          <a:srcRect l="16517" t="29888" r="13656" b="4274"/>
+          <a:blip r:embed="rId2">
+            <a:extLst>
+              <a:ext uri="{28A0092B-C50C-407E-A947-70E740481C1C}">
+                <a14:useLocalDpi xmlns:a14="http://schemas.microsoft.com/office/drawing/2010/main" val="0"/>
+              </a:ext>
+            </a:extLst>
+          </a:blip>
+          <a:srcRect l="19829" r="19989"/>
           <a:stretch/>
         </p:blipFill>
         <p:spPr>
           <a:xfrm>
-            <a:off x="1193697" y="2319636"/>
-            <a:ext cx="9804606" cy="4263656"/>
-          </a:xfrm>
+            <a:off x="8335925" y="2374830"/>
+            <a:ext cx="3412374" cy="3623927"/>
+          </a:xfrm>
+          <a:prstGeom prst="rect">
+            <a:avLst/>
+          </a:prstGeom>
         </p:spPr>
       </p:pic>
     </p:spTree>
     <p:extLst>
       <p:ext uri="{BB962C8B-B14F-4D97-AF65-F5344CB8AC3E}">
-        <p14:creationId xmlns:p14="http://schemas.microsoft.com/office/powerpoint/2010/main" val="1763644944"/>
+        <p14:creationId xmlns:p14="http://schemas.microsoft.com/office/powerpoint/2010/main" val="2073730108"/>
       </p:ext>
     </p:extLst>
   </p:cSld>
